--- a/Final presentation.pptx
+++ b/Final presentation.pptx
@@ -5,7 +5,7 @@
     <p:sldMasterId id="2147483659" r:id="rId1"/>
   </p:sldMasterIdLst>
   <p:notesMasterIdLst>
-    <p:notesMasterId r:id="rId45"/>
+    <p:notesMasterId r:id="rId51"/>
   </p:notesMasterIdLst>
   <p:sldIdLst>
     <p:sldId id="256" r:id="rId2"/>
@@ -19,38 +19,44 @@
     <p:sldId id="304" r:id="rId10"/>
     <p:sldId id="305" r:id="rId11"/>
     <p:sldId id="306" r:id="rId12"/>
-    <p:sldId id="307" r:id="rId13"/>
-    <p:sldId id="300" r:id="rId14"/>
-    <p:sldId id="290" r:id="rId15"/>
-    <p:sldId id="289" r:id="rId16"/>
-    <p:sldId id="295" r:id="rId17"/>
-    <p:sldId id="288" r:id="rId18"/>
-    <p:sldId id="294" r:id="rId19"/>
-    <p:sldId id="287" r:id="rId20"/>
-    <p:sldId id="293" r:id="rId21"/>
-    <p:sldId id="308" r:id="rId22"/>
-    <p:sldId id="284" r:id="rId23"/>
-    <p:sldId id="291" r:id="rId24"/>
-    <p:sldId id="285" r:id="rId25"/>
-    <p:sldId id="292" r:id="rId26"/>
-    <p:sldId id="297" r:id="rId27"/>
-    <p:sldId id="286" r:id="rId28"/>
-    <p:sldId id="296" r:id="rId29"/>
-    <p:sldId id="298" r:id="rId30"/>
-    <p:sldId id="299" r:id="rId31"/>
-    <p:sldId id="280" r:id="rId32"/>
-    <p:sldId id="310" r:id="rId33"/>
-    <p:sldId id="311" r:id="rId34"/>
-    <p:sldId id="272" r:id="rId35"/>
-    <p:sldId id="309" r:id="rId36"/>
-    <p:sldId id="273" r:id="rId37"/>
-    <p:sldId id="302" r:id="rId38"/>
-    <p:sldId id="274" r:id="rId39"/>
-    <p:sldId id="261" r:id="rId40"/>
-    <p:sldId id="262" r:id="rId41"/>
-    <p:sldId id="264" r:id="rId42"/>
-    <p:sldId id="278" r:id="rId43"/>
-    <p:sldId id="279" r:id="rId44"/>
+    <p:sldId id="313" r:id="rId13"/>
+    <p:sldId id="307" r:id="rId14"/>
+    <p:sldId id="314" r:id="rId15"/>
+    <p:sldId id="300" r:id="rId16"/>
+    <p:sldId id="290" r:id="rId17"/>
+    <p:sldId id="289" r:id="rId18"/>
+    <p:sldId id="295" r:id="rId19"/>
+    <p:sldId id="288" r:id="rId20"/>
+    <p:sldId id="294" r:id="rId21"/>
+    <p:sldId id="287" r:id="rId22"/>
+    <p:sldId id="293" r:id="rId23"/>
+    <p:sldId id="308" r:id="rId24"/>
+    <p:sldId id="284" r:id="rId25"/>
+    <p:sldId id="291" r:id="rId26"/>
+    <p:sldId id="285" r:id="rId27"/>
+    <p:sldId id="292" r:id="rId28"/>
+    <p:sldId id="316" r:id="rId29"/>
+    <p:sldId id="315" r:id="rId30"/>
+    <p:sldId id="317" r:id="rId31"/>
+    <p:sldId id="318" r:id="rId32"/>
+    <p:sldId id="297" r:id="rId33"/>
+    <p:sldId id="286" r:id="rId34"/>
+    <p:sldId id="296" r:id="rId35"/>
+    <p:sldId id="298" r:id="rId36"/>
+    <p:sldId id="299" r:id="rId37"/>
+    <p:sldId id="280" r:id="rId38"/>
+    <p:sldId id="310" r:id="rId39"/>
+    <p:sldId id="311" r:id="rId40"/>
+    <p:sldId id="272" r:id="rId41"/>
+    <p:sldId id="309" r:id="rId42"/>
+    <p:sldId id="273" r:id="rId43"/>
+    <p:sldId id="302" r:id="rId44"/>
+    <p:sldId id="274" r:id="rId45"/>
+    <p:sldId id="261" r:id="rId46"/>
+    <p:sldId id="262" r:id="rId47"/>
+    <p:sldId id="264" r:id="rId48"/>
+    <p:sldId id="278" r:id="rId49"/>
+    <p:sldId id="279" r:id="rId50"/>
   </p:sldIdLst>
   <p:sldSz cx="9144000" cy="5143500" type="screen16x9"/>
   <p:notesSz cx="7099300" cy="10234613"/>
@@ -307,7 +313,9 @@
             <p14:sldId id="304"/>
             <p14:sldId id="305"/>
             <p14:sldId id="306"/>
+            <p14:sldId id="313"/>
             <p14:sldId id="307"/>
+            <p14:sldId id="314"/>
             <p14:sldId id="300"/>
           </p14:sldIdLst>
         </p14:section>
@@ -325,6 +333,10 @@
             <p14:sldId id="291"/>
             <p14:sldId id="285"/>
             <p14:sldId id="292"/>
+            <p14:sldId id="316"/>
+            <p14:sldId id="315"/>
+            <p14:sldId id="317"/>
+            <p14:sldId id="318"/>
           </p14:sldIdLst>
         </p14:section>
         <p14:section name="Comparison" id="{E8E05414-9758-4E5F-BB14-F948F863867C}">
@@ -1321,7 +1333,7 @@
                 <a:cs typeface="Calibri"/>
                 <a:sym typeface="Calibri"/>
               </a:rPr>
-              <a:t>‹Nr.›</a:t>
+              <a:t>‹#›</a:t>
             </a:fld>
             <a:endParaRPr sz="600" b="0" i="0" u="none" strike="noStrike" cap="none">
               <a:solidFill>
@@ -1991,6 +2003,168 @@
         <p:cNvPr id="1" name="Shape 217">
           <a:extLst>
             <a:ext uri="{FF2B5EF4-FFF2-40B4-BE49-F238E27FC236}">
+              <a16:creationId xmlns:a16="http://schemas.microsoft.com/office/drawing/2014/main" id="{4DD5AACB-CE38-C75D-9939-E1ACA6786A2A}"/>
+            </a:ext>
+          </a:extLst>
+        </p:cNvPr>
+        <p:cNvGrpSpPr/>
+        <p:nvPr/>
+      </p:nvGrpSpPr>
+      <p:grpSpPr>
+        <a:xfrm>
+          <a:off x="0" y="0"/>
+          <a:ext cx="0" cy="0"/>
+          <a:chOff x="0" y="0"/>
+          <a:chExt cx="0" cy="0"/>
+        </a:xfrm>
+      </p:grpSpPr>
+      <p:sp>
+        <p:nvSpPr>
+          <p:cNvPr id="218" name="Google Shape;218;g36b3a12114e_2_12:notes">
+            <a:extLst>
+              <a:ext uri="{FF2B5EF4-FFF2-40B4-BE49-F238E27FC236}">
+                <a16:creationId xmlns:a16="http://schemas.microsoft.com/office/drawing/2014/main" id="{57149507-E9A0-E4E4-C310-814E294E54DF}"/>
+              </a:ext>
+            </a:extLst>
+          </p:cNvPr>
+          <p:cNvSpPr txBox="1">
+            <a:spLocks noGrp="1"/>
+          </p:cNvSpPr>
+          <p:nvPr>
+            <p:ph type="body" idx="1"/>
+          </p:nvPr>
+        </p:nvSpPr>
+        <p:spPr>
+          <a:xfrm>
+            <a:off x="709761" y="4925463"/>
+            <a:ext cx="5679900" cy="4029600"/>
+          </a:xfrm>
+          <a:prstGeom prst="rect">
+            <a:avLst/>
+          </a:prstGeom>
+        </p:spPr>
+        <p:txBody>
+          <a:bodyPr spcFirstLastPara="1" wrap="square" lIns="42600" tIns="21300" rIns="42600" bIns="21300" anchor="t" anchorCtr="0">
+            <a:noAutofit/>
+          </a:bodyPr>
+          <a:lstStyle/>
+          <a:p>
+            <a:pPr marL="342900" marR="0" lvl="0" indent="-342900" algn="l" defTabSz="914400" rtl="0" eaLnBrk="1" fontAlgn="auto" latinLnBrk="0" hangingPunct="1">
+              <a:lnSpc>
+                <a:spcPct val="100000"/>
+              </a:lnSpc>
+              <a:spcBef>
+                <a:spcPts val="0"/>
+              </a:spcBef>
+              <a:spcAft>
+                <a:spcPts val="0"/>
+              </a:spcAft>
+              <a:buClr>
+                <a:srgbClr val="000000"/>
+              </a:buClr>
+              <a:buSzPts val="1400"/>
+              <a:buFont typeface="Arial" panose="020B0604020202020204" pitchFamily="34" charset="0"/>
+              <a:buChar char="•"/>
+              <a:tabLst/>
+              <a:defRPr/>
+            </a:pPr>
+            <a:r>
+              <a:rPr lang="en-US" noProof="0" dirty="0"/>
+              <a:t>Key parameter: epsilon controls the radius of neighborhood (distance threshold)</a:t>
+            </a:r>
+          </a:p>
+          <a:p>
+            <a:pPr marL="342900" marR="0" lvl="0" indent="-342900" algn="l" defTabSz="914400" rtl="0" eaLnBrk="1" fontAlgn="auto" latinLnBrk="0" hangingPunct="1">
+              <a:lnSpc>
+                <a:spcPct val="100000"/>
+              </a:lnSpc>
+              <a:spcBef>
+                <a:spcPts val="0"/>
+              </a:spcBef>
+              <a:spcAft>
+                <a:spcPts val="0"/>
+              </a:spcAft>
+              <a:buClr>
+                <a:srgbClr val="000000"/>
+              </a:buClr>
+              <a:buSzPts val="1400"/>
+              <a:buFont typeface="Arial" panose="020B0604020202020204" pitchFamily="34" charset="0"/>
+              <a:buChar char="•"/>
+              <a:tabLst/>
+              <a:defRPr/>
+            </a:pPr>
+            <a:endParaRPr lang="en-US" noProof="0" dirty="0"/>
+          </a:p>
+        </p:txBody>
+      </p:sp>
+      <p:sp>
+        <p:nvSpPr>
+          <p:cNvPr id="219" name="Google Shape;219;g36b3a12114e_2_12:notes">
+            <a:extLst>
+              <a:ext uri="{FF2B5EF4-FFF2-40B4-BE49-F238E27FC236}">
+                <a16:creationId xmlns:a16="http://schemas.microsoft.com/office/drawing/2014/main" id="{1D0712BD-A689-98E1-CA3D-E81FAA7C83C3}"/>
+              </a:ext>
+            </a:extLst>
+          </p:cNvPr>
+          <p:cNvSpPr>
+            <a:spLocks noGrp="1" noRot="1" noChangeAspect="1"/>
+          </p:cNvSpPr>
+          <p:nvPr>
+            <p:ph type="sldImg" idx="2"/>
+          </p:nvPr>
+        </p:nvSpPr>
+        <p:spPr>
+          <a:xfrm>
+            <a:off x="479425" y="1279525"/>
+            <a:ext cx="6140450" cy="3454400"/>
+          </a:xfrm>
+          <a:custGeom>
+            <a:avLst/>
+            <a:gdLst/>
+            <a:ahLst/>
+            <a:cxnLst/>
+            <a:rect l="l" t="t" r="r" b="b"/>
+            <a:pathLst>
+              <a:path w="120000" h="120000" extrusionOk="0">
+                <a:moveTo>
+                  <a:pt x="0" y="0"/>
+                </a:moveTo>
+                <a:lnTo>
+                  <a:pt x="120000" y="0"/>
+                </a:lnTo>
+                <a:lnTo>
+                  <a:pt x="120000" y="120000"/>
+                </a:lnTo>
+                <a:lnTo>
+                  <a:pt x="0" y="120000"/>
+                </a:lnTo>
+                <a:close/>
+              </a:path>
+            </a:pathLst>
+          </a:custGeom>
+        </p:spPr>
+      </p:sp>
+    </p:spTree>
+    <p:extLst>
+      <p:ext uri="{BB962C8B-B14F-4D97-AF65-F5344CB8AC3E}">
+        <p14:creationId xmlns:p14="http://schemas.microsoft.com/office/powerpoint/2010/main" val="2453759386"/>
+      </p:ext>
+    </p:extLst>
+  </p:cSld>
+  <p:clrMapOvr>
+    <a:masterClrMapping/>
+  </p:clrMapOvr>
+</p:notes>
+</file>
+
+<file path=ppt/notesSlides/notesSlide13.xml><?xml version="1.0" encoding="utf-8"?>
+<p:notes xmlns:a="http://schemas.openxmlformats.org/drawingml/2006/main" xmlns:r="http://schemas.openxmlformats.org/officeDocument/2006/relationships" xmlns:p="http://schemas.openxmlformats.org/presentationml/2006/main" showMasterSp="0" showMasterPhAnim="0">
+  <p:cSld>
+    <p:spTree>
+      <p:nvGrpSpPr>
+        <p:cNvPr id="1" name="Shape 217">
+          <a:extLst>
+            <a:ext uri="{FF2B5EF4-FFF2-40B4-BE49-F238E27FC236}">
               <a16:creationId xmlns:a16="http://schemas.microsoft.com/office/drawing/2014/main" id="{6DFEF689-345F-F002-279F-92C52AC128E4}"/>
             </a:ext>
           </a:extLst>
@@ -2058,8 +2232,121 @@
             </a:pPr>
             <a:r>
               <a:rPr lang="en-US" noProof="0" dirty="0"/>
-              <a:t>Key parameter: epsilon controls the radius of neighborhood (distance threshold)</a:t>
-            </a:r>
+              <a:t>Key parameter: contamination, number of trees</a:t>
+            </a:r>
+          </a:p>
+          <a:p>
+            <a:pPr marL="342900" marR="0" lvl="0" indent="-342900" algn="l" defTabSz="914400" rtl="0" eaLnBrk="1" fontAlgn="auto" latinLnBrk="0" hangingPunct="1">
+              <a:lnSpc>
+                <a:spcPct val="100000"/>
+              </a:lnSpc>
+              <a:spcBef>
+                <a:spcPts val="0"/>
+              </a:spcBef>
+              <a:spcAft>
+                <a:spcPts val="0"/>
+              </a:spcAft>
+              <a:buClr>
+                <a:srgbClr val="000000"/>
+              </a:buClr>
+              <a:buSzPts val="1400"/>
+              <a:buFont typeface="Arial" panose="020B0604020202020204" pitchFamily="34" charset="0"/>
+              <a:buChar char="•"/>
+              <a:tabLst/>
+              <a:defRPr/>
+            </a:pPr>
+            <a:r>
+              <a:rPr lang="en-US" sz="1904" b="0" i="0" u="none" strike="noStrike" cap="none" dirty="0">
+                <a:solidFill>
+                  <a:schemeClr val="dk1"/>
+                </a:solidFill>
+                <a:effectLst/>
+                <a:latin typeface="Calibri"/>
+                <a:ea typeface="Calibri"/>
+                <a:cs typeface="Calibri"/>
+                <a:sym typeface="Calibri"/>
+              </a:rPr>
+              <a:t>Uses Extremely Randomized Tree Regressors to separate anomalies from the rest of the data</a:t>
+            </a:r>
+          </a:p>
+          <a:p>
+            <a:pPr marL="342900" marR="0" lvl="0" indent="-342900" algn="l" defTabSz="914400" rtl="0" eaLnBrk="1" fontAlgn="auto" latinLnBrk="0" hangingPunct="1">
+              <a:lnSpc>
+                <a:spcPct val="100000"/>
+              </a:lnSpc>
+              <a:spcBef>
+                <a:spcPts val="0"/>
+              </a:spcBef>
+              <a:spcAft>
+                <a:spcPts val="0"/>
+              </a:spcAft>
+              <a:buClr>
+                <a:srgbClr val="000000"/>
+              </a:buClr>
+              <a:buSzPts val="1400"/>
+              <a:buFont typeface="Arial" panose="020B0604020202020204" pitchFamily="34" charset="0"/>
+              <a:buChar char="•"/>
+              <a:tabLst/>
+              <a:defRPr/>
+            </a:pPr>
+            <a:r>
+              <a:rPr lang="en-US" sz="1904" b="0" i="0" u="none" strike="noStrike" cap="none" dirty="0">
+                <a:solidFill>
+                  <a:schemeClr val="dk1"/>
+                </a:solidFill>
+                <a:effectLst/>
+                <a:latin typeface="Calibri"/>
+                <a:ea typeface="Calibri"/>
+                <a:cs typeface="Calibri"/>
+                <a:sym typeface="Calibri"/>
+              </a:rPr>
+              <a:t>Calculates an anomaly score for each data point and checks with a threshold. score depends on avg path length of an isolated point and average depth of all data points. closer to 1, strong anomaly </a:t>
+            </a:r>
+          </a:p>
+          <a:p>
+            <a:pPr marL="342900" marR="0" lvl="0" indent="-342900" algn="l" defTabSz="914400" rtl="0" eaLnBrk="1" fontAlgn="auto" latinLnBrk="0" hangingPunct="1">
+              <a:lnSpc>
+                <a:spcPct val="100000"/>
+              </a:lnSpc>
+              <a:spcBef>
+                <a:spcPts val="0"/>
+              </a:spcBef>
+              <a:spcAft>
+                <a:spcPts val="0"/>
+              </a:spcAft>
+              <a:buClr>
+                <a:srgbClr val="000000"/>
+              </a:buClr>
+              <a:buSzPts val="1400"/>
+              <a:buFont typeface="Arial" panose="020B0604020202020204" pitchFamily="34" charset="0"/>
+              <a:buChar char="•"/>
+              <a:tabLst/>
+              <a:defRPr/>
+            </a:pPr>
+            <a:r>
+              <a:rPr lang="en-US" sz="1904" b="0" i="0" u="none" strike="noStrike" cap="none" dirty="0">
+                <a:solidFill>
+                  <a:schemeClr val="dk1"/>
+                </a:solidFill>
+                <a:effectLst/>
+                <a:latin typeface="Calibri"/>
+                <a:ea typeface="Calibri"/>
+                <a:cs typeface="Calibri"/>
+                <a:sym typeface="Calibri"/>
+              </a:rPr>
+              <a:t>https://www.youtube.com/watch?v=kN--TRv1UDY</a:t>
+            </a:r>
+            <a:endParaRPr lang="en-US" b="0" dirty="0">
+              <a:effectLst/>
+            </a:endParaRPr>
+          </a:p>
+          <a:p>
+            <a:br>
+              <a:rPr lang="en-US" b="0" dirty="0">
+                <a:effectLst/>
+              </a:rPr>
+            </a:br>
+            <a:endParaRPr lang="en-US" noProof="0" dirty="0"/>
           </a:p>
           <a:p>
             <a:pPr marL="342900" marR="0" lvl="0" indent="-342900" algn="l" defTabSz="914400" rtl="0" eaLnBrk="1" fontAlgn="auto" latinLnBrk="0" hangingPunct="1">
@@ -2145,7 +2432,334 @@
 </p:notes>
 </file>
 
-<file path=ppt/notesSlides/notesSlide13.xml><?xml version="1.0" encoding="utf-8"?>
+<file path=ppt/notesSlides/notesSlide14.xml><?xml version="1.0" encoding="utf-8"?>
+<p:notes xmlns:a="http://schemas.openxmlformats.org/drawingml/2006/main" xmlns:r="http://schemas.openxmlformats.org/officeDocument/2006/relationships" xmlns:p="http://schemas.openxmlformats.org/presentationml/2006/main" showMasterSp="0" showMasterPhAnim="0">
+  <p:cSld>
+    <p:spTree>
+      <p:nvGrpSpPr>
+        <p:cNvPr id="1" name="Shape 217">
+          <a:extLst>
+            <a:ext uri="{FF2B5EF4-FFF2-40B4-BE49-F238E27FC236}">
+              <a16:creationId xmlns:a16="http://schemas.microsoft.com/office/drawing/2014/main" id="{712725CE-A25A-9ABA-8C31-6F50A113A93F}"/>
+            </a:ext>
+          </a:extLst>
+        </p:cNvPr>
+        <p:cNvGrpSpPr/>
+        <p:nvPr/>
+      </p:nvGrpSpPr>
+      <p:grpSpPr>
+        <a:xfrm>
+          <a:off x="0" y="0"/>
+          <a:ext cx="0" cy="0"/>
+          <a:chOff x="0" y="0"/>
+          <a:chExt cx="0" cy="0"/>
+        </a:xfrm>
+      </p:grpSpPr>
+      <p:sp>
+        <p:nvSpPr>
+          <p:cNvPr id="218" name="Google Shape;218;g36b3a12114e_2_12:notes">
+            <a:extLst>
+              <a:ext uri="{FF2B5EF4-FFF2-40B4-BE49-F238E27FC236}">
+                <a16:creationId xmlns:a16="http://schemas.microsoft.com/office/drawing/2014/main" id="{A409CA94-9087-8E8D-2B7E-D6E06933E295}"/>
+              </a:ext>
+            </a:extLst>
+          </p:cNvPr>
+          <p:cNvSpPr txBox="1">
+            <a:spLocks noGrp="1"/>
+          </p:cNvSpPr>
+          <p:nvPr>
+            <p:ph type="body" idx="1"/>
+          </p:nvPr>
+        </p:nvSpPr>
+        <p:spPr>
+          <a:xfrm>
+            <a:off x="709761" y="4925463"/>
+            <a:ext cx="5679900" cy="4029600"/>
+          </a:xfrm>
+          <a:prstGeom prst="rect">
+            <a:avLst/>
+          </a:prstGeom>
+        </p:spPr>
+        <p:txBody>
+          <a:bodyPr spcFirstLastPara="1" wrap="square" lIns="42600" tIns="21300" rIns="42600" bIns="21300" anchor="t" anchorCtr="0">
+            <a:noAutofit/>
+          </a:bodyPr>
+          <a:lstStyle/>
+          <a:p>
+            <a:pPr marL="342900" marR="0" lvl="0" indent="-342900" algn="l" defTabSz="914400" rtl="0" eaLnBrk="1" fontAlgn="auto" latinLnBrk="0" hangingPunct="1">
+              <a:lnSpc>
+                <a:spcPct val="100000"/>
+              </a:lnSpc>
+              <a:spcBef>
+                <a:spcPts val="0"/>
+              </a:spcBef>
+              <a:spcAft>
+                <a:spcPts val="0"/>
+              </a:spcAft>
+              <a:buClr>
+                <a:srgbClr val="000000"/>
+              </a:buClr>
+              <a:buSzPts val="1400"/>
+              <a:buFont typeface="Arial" panose="020B0604020202020204" pitchFamily="34" charset="0"/>
+              <a:buChar char="•"/>
+              <a:tabLst/>
+              <a:defRPr/>
+            </a:pPr>
+            <a:r>
+              <a:rPr lang="en-US" noProof="0" dirty="0"/>
+              <a:t>An autoencoder is a neural network model that seeks to learn a compressed representation of an input, known as the latent space.  And the decoder tries to recreate the features based on the compressed representation. </a:t>
+            </a:r>
+            <a:r>
+              <a:rPr lang="en-US" sz="1904" b="0" i="0" u="none" strike="noStrike" cap="none" dirty="0">
+                <a:solidFill>
+                  <a:schemeClr val="dk1"/>
+                </a:solidFill>
+                <a:effectLst/>
+                <a:latin typeface="Calibri"/>
+                <a:ea typeface="Calibri"/>
+                <a:cs typeface="Calibri"/>
+                <a:sym typeface="Calibri"/>
+              </a:rPr>
+              <a:t>The goal is to minimize the difference between the original and reconstructed data.</a:t>
+            </a:r>
+            <a:endParaRPr lang="en-US" b="0" dirty="0">
+              <a:effectLst/>
+            </a:endParaRPr>
+          </a:p>
+          <a:p>
+            <a:pPr marL="342900" marR="0" lvl="0" indent="-342900" algn="l" defTabSz="914400" rtl="0" eaLnBrk="1" fontAlgn="auto" latinLnBrk="0" hangingPunct="1">
+              <a:lnSpc>
+                <a:spcPct val="100000"/>
+              </a:lnSpc>
+              <a:spcBef>
+                <a:spcPts val="0"/>
+              </a:spcBef>
+              <a:spcAft>
+                <a:spcPts val="0"/>
+              </a:spcAft>
+              <a:buClr>
+                <a:srgbClr val="000000"/>
+              </a:buClr>
+              <a:buSzPts val="1400"/>
+              <a:buFont typeface="Arial" panose="020B0604020202020204" pitchFamily="34" charset="0"/>
+              <a:buChar char="•"/>
+              <a:tabLst/>
+              <a:defRPr/>
+            </a:pPr>
+            <a:r>
+              <a:rPr lang="en-US" sz="1904" b="0" i="0" u="none" strike="noStrike" cap="none" dirty="0">
+                <a:solidFill>
+                  <a:schemeClr val="dk1"/>
+                </a:solidFill>
+                <a:effectLst/>
+                <a:latin typeface="Calibri"/>
+                <a:ea typeface="Calibri"/>
+                <a:cs typeface="Calibri"/>
+                <a:sym typeface="Calibri"/>
+              </a:rPr>
+              <a:t>Long Short-Term Memory, or LSTM, network are specifically designed to support sequences of input data.</a:t>
+            </a:r>
+            <a:endParaRPr lang="en-US" sz="1904" b="0" i="0" u="none" strike="noStrike" cap="none" noProof="0" dirty="0">
+              <a:solidFill>
+                <a:schemeClr val="dk1"/>
+              </a:solidFill>
+              <a:effectLst/>
+              <a:latin typeface="Calibri"/>
+              <a:ea typeface="Calibri"/>
+              <a:cs typeface="Calibri"/>
+              <a:sym typeface="Calibri"/>
+            </a:endParaRPr>
+          </a:p>
+          <a:p>
+            <a:pPr marL="342900" marR="0" lvl="0" indent="-342900" algn="l" defTabSz="914400" rtl="0" eaLnBrk="1" fontAlgn="auto" latinLnBrk="0" hangingPunct="1">
+              <a:lnSpc>
+                <a:spcPct val="100000"/>
+              </a:lnSpc>
+              <a:spcBef>
+                <a:spcPts val="0"/>
+              </a:spcBef>
+              <a:spcAft>
+                <a:spcPts val="0"/>
+              </a:spcAft>
+              <a:buClr>
+                <a:srgbClr val="000000"/>
+              </a:buClr>
+              <a:buSzPts val="1400"/>
+              <a:buFont typeface="Arial" panose="020B0604020202020204" pitchFamily="34" charset="0"/>
+              <a:buChar char="•"/>
+              <a:tabLst/>
+              <a:defRPr/>
+            </a:pPr>
+            <a:r>
+              <a:rPr lang="en-US" sz="1904" b="0" i="0" u="none" strike="noStrike" cap="none" dirty="0">
+                <a:solidFill>
+                  <a:schemeClr val="dk1"/>
+                </a:solidFill>
+                <a:effectLst/>
+                <a:latin typeface="Calibri"/>
+                <a:ea typeface="Calibri"/>
+                <a:cs typeface="Calibri"/>
+                <a:sym typeface="Calibri"/>
+              </a:rPr>
+              <a:t>If the reconstructed output is different from the original input, it can show an anomaly or outlier which makes autoencoders useful for fraud detection and system monitoring.</a:t>
+            </a:r>
+          </a:p>
+          <a:p>
+            <a:pPr marL="342900" marR="0" lvl="0" indent="-342900" algn="l" defTabSz="914400" rtl="0" eaLnBrk="1" fontAlgn="auto" latinLnBrk="0" hangingPunct="1">
+              <a:lnSpc>
+                <a:spcPct val="100000"/>
+              </a:lnSpc>
+              <a:spcBef>
+                <a:spcPts val="0"/>
+              </a:spcBef>
+              <a:spcAft>
+                <a:spcPts val="0"/>
+              </a:spcAft>
+              <a:buClr>
+                <a:srgbClr val="000000"/>
+              </a:buClr>
+              <a:buSzPts val="1400"/>
+              <a:buFont typeface="Arial" panose="020B0604020202020204" pitchFamily="34" charset="0"/>
+              <a:buChar char="•"/>
+              <a:tabLst/>
+              <a:defRPr/>
+            </a:pPr>
+            <a:r>
+              <a:rPr lang="en-US" dirty="0"/>
+              <a:t>LSTM training is </a:t>
+            </a:r>
+            <a:r>
+              <a:rPr lang="en-US" b="1" dirty="0"/>
+              <a:t>slower than CNNs</a:t>
+            </a:r>
+            <a:endParaRPr lang="en-US" sz="1904" b="0" i="0" u="none" strike="noStrike" cap="none" noProof="0" dirty="0">
+              <a:solidFill>
+                <a:schemeClr val="dk1"/>
+              </a:solidFill>
+              <a:effectLst/>
+              <a:latin typeface="Calibri"/>
+              <a:ea typeface="Calibri"/>
+              <a:cs typeface="Calibri"/>
+              <a:sym typeface="Calibri"/>
+            </a:endParaRPr>
+          </a:p>
+          <a:p>
+            <a:r>
+              <a:rPr lang="en-US" sz="1904" b="0" i="0" u="none" strike="noStrike" cap="none" noProof="0" dirty="0">
+                <a:solidFill>
+                  <a:schemeClr val="dk1"/>
+                </a:solidFill>
+                <a:effectLst/>
+                <a:latin typeface="Calibri"/>
+                <a:ea typeface="Calibri"/>
+                <a:cs typeface="Calibri"/>
+                <a:sym typeface="Calibri"/>
+              </a:rPr>
+              <a:t>Hyperparameters: </a:t>
+            </a:r>
+            <a:r>
+              <a:rPr lang="en-US" dirty="0"/>
+              <a:t>Number of layers/units, Sequence length, Learning rate, Dropout Batch size</a:t>
+            </a:r>
+          </a:p>
+          <a:p>
+            <a:r>
+              <a:rPr lang="en-US" noProof="0" dirty="0"/>
+              <a:t>Other parameters: reconstruction error threshold </a:t>
+            </a:r>
+            <a:r>
+              <a:rPr lang="en-US" noProof="0" dirty="0">
+                <a:sym typeface="Wingdings" panose="05000000000000000000" pitchFamily="2" charset="2"/>
+              </a:rPr>
+              <a:t> IQR/percentile etc. </a:t>
+            </a:r>
+            <a:endParaRPr lang="en-US" noProof="0" dirty="0"/>
+          </a:p>
+          <a:p>
+            <a:pPr marL="342900" marR="0" lvl="0" indent="-342900" algn="l" defTabSz="914400" rtl="0" eaLnBrk="1" fontAlgn="auto" latinLnBrk="0" hangingPunct="1">
+              <a:lnSpc>
+                <a:spcPct val="100000"/>
+              </a:lnSpc>
+              <a:spcBef>
+                <a:spcPts val="0"/>
+              </a:spcBef>
+              <a:spcAft>
+                <a:spcPts val="0"/>
+              </a:spcAft>
+              <a:buClr>
+                <a:srgbClr val="000000"/>
+              </a:buClr>
+              <a:buSzPts val="1400"/>
+              <a:buFont typeface="Arial" panose="020B0604020202020204" pitchFamily="34" charset="0"/>
+              <a:buChar char="•"/>
+              <a:tabLst/>
+              <a:defRPr/>
+            </a:pPr>
+            <a:endParaRPr lang="en-US" noProof="0" dirty="0"/>
+          </a:p>
+        </p:txBody>
+      </p:sp>
+      <p:sp>
+        <p:nvSpPr>
+          <p:cNvPr id="219" name="Google Shape;219;g36b3a12114e_2_12:notes">
+            <a:extLst>
+              <a:ext uri="{FF2B5EF4-FFF2-40B4-BE49-F238E27FC236}">
+                <a16:creationId xmlns:a16="http://schemas.microsoft.com/office/drawing/2014/main" id="{7E288452-2147-17EF-0156-5D8BB7351955}"/>
+              </a:ext>
+            </a:extLst>
+          </p:cNvPr>
+          <p:cNvSpPr>
+            <a:spLocks noGrp="1" noRot="1" noChangeAspect="1"/>
+          </p:cNvSpPr>
+          <p:nvPr>
+            <p:ph type="sldImg" idx="2"/>
+          </p:nvPr>
+        </p:nvSpPr>
+        <p:spPr>
+          <a:xfrm>
+            <a:off x="479425" y="1279525"/>
+            <a:ext cx="6140450" cy="3454400"/>
+          </a:xfrm>
+          <a:custGeom>
+            <a:avLst/>
+            <a:gdLst/>
+            <a:ahLst/>
+            <a:cxnLst/>
+            <a:rect l="l" t="t" r="r" b="b"/>
+            <a:pathLst>
+              <a:path w="120000" h="120000" extrusionOk="0">
+                <a:moveTo>
+                  <a:pt x="0" y="0"/>
+                </a:moveTo>
+                <a:lnTo>
+                  <a:pt x="120000" y="0"/>
+                </a:lnTo>
+                <a:lnTo>
+                  <a:pt x="120000" y="120000"/>
+                </a:lnTo>
+                <a:lnTo>
+                  <a:pt x="0" y="120000"/>
+                </a:lnTo>
+                <a:close/>
+              </a:path>
+            </a:pathLst>
+          </a:custGeom>
+        </p:spPr>
+      </p:sp>
+    </p:spTree>
+    <p:extLst>
+      <p:ext uri="{BB962C8B-B14F-4D97-AF65-F5344CB8AC3E}">
+        <p14:creationId xmlns:p14="http://schemas.microsoft.com/office/powerpoint/2010/main" val="1344878944"/>
+      </p:ext>
+    </p:extLst>
+  </p:cSld>
+  <p:clrMapOvr>
+    <a:masterClrMapping/>
+  </p:clrMapOvr>
+</p:notes>
+</file>
+
+<file path=ppt/notesSlides/notesSlide15.xml><?xml version="1.0" encoding="utf-8"?>
 <p:notes xmlns:a="http://schemas.openxmlformats.org/drawingml/2006/main" xmlns:r="http://schemas.openxmlformats.org/officeDocument/2006/relationships" xmlns:p="http://schemas.openxmlformats.org/presentationml/2006/main" showMasterSp="0" showMasterPhAnim="0">
   <p:cSld>
     <p:spTree>
@@ -2301,7 +2915,7 @@
 </p:notes>
 </file>
 
-<file path=ppt/notesSlides/notesSlide14.xml><?xml version="1.0" encoding="utf-8"?>
+<file path=ppt/notesSlides/notesSlide16.xml><?xml version="1.0" encoding="utf-8"?>
 <p:notes xmlns:a="http://schemas.openxmlformats.org/drawingml/2006/main" xmlns:r="http://schemas.openxmlformats.org/officeDocument/2006/relationships" xmlns:p="http://schemas.openxmlformats.org/presentationml/2006/main" showMasterSp="0" showMasterPhAnim="0">
   <p:cSld>
     <p:spTree>
@@ -2428,7 +3042,7 @@
 </p:notes>
 </file>
 
-<file path=ppt/notesSlides/notesSlide15.xml><?xml version="1.0" encoding="utf-8"?>
+<file path=ppt/notesSlides/notesSlide17.xml><?xml version="1.0" encoding="utf-8"?>
 <p:notes xmlns:a="http://schemas.openxmlformats.org/drawingml/2006/main" xmlns:r="http://schemas.openxmlformats.org/officeDocument/2006/relationships" xmlns:p="http://schemas.openxmlformats.org/presentationml/2006/main" showMasterSp="0" showMasterPhAnim="0">
   <p:cSld>
     <p:spTree>
@@ -2555,7 +3169,7 @@
 </p:notes>
 </file>
 
-<file path=ppt/notesSlides/notesSlide16.xml><?xml version="1.0" encoding="utf-8"?>
+<file path=ppt/notesSlides/notesSlide18.xml><?xml version="1.0" encoding="utf-8"?>
 <p:notes xmlns:a="http://schemas.openxmlformats.org/drawingml/2006/main" xmlns:r="http://schemas.openxmlformats.org/officeDocument/2006/relationships" xmlns:p="http://schemas.openxmlformats.org/presentationml/2006/main" showMasterSp="0" showMasterPhAnim="0">
   <p:cSld>
     <p:spTree>
@@ -2701,7 +3315,7 @@
 </p:notes>
 </file>
 
-<file path=ppt/notesSlides/notesSlide17.xml><?xml version="1.0" encoding="utf-8"?>
+<file path=ppt/notesSlides/notesSlide19.xml><?xml version="1.0" encoding="utf-8"?>
 <p:notes xmlns:a="http://schemas.openxmlformats.org/drawingml/2006/main" xmlns:r="http://schemas.openxmlformats.org/officeDocument/2006/relationships" xmlns:p="http://schemas.openxmlformats.org/presentationml/2006/main" showMasterSp="0" showMasterPhAnim="0">
   <p:cSld>
     <p:spTree>
@@ -2819,279 +3433,6 @@
     <p:extLst>
       <p:ext uri="{BB962C8B-B14F-4D97-AF65-F5344CB8AC3E}">
         <p14:creationId xmlns:p14="http://schemas.microsoft.com/office/powerpoint/2010/main" val="2364523826"/>
-      </p:ext>
-    </p:extLst>
-  </p:cSld>
-  <p:clrMapOvr>
-    <a:masterClrMapping/>
-  </p:clrMapOvr>
-</p:notes>
-</file>
-
-<file path=ppt/notesSlides/notesSlide18.xml><?xml version="1.0" encoding="utf-8"?>
-<p:notes xmlns:a="http://schemas.openxmlformats.org/drawingml/2006/main" xmlns:r="http://schemas.openxmlformats.org/officeDocument/2006/relationships" xmlns:p="http://schemas.openxmlformats.org/presentationml/2006/main" showMasterSp="0" showMasterPhAnim="0">
-  <p:cSld>
-    <p:spTree>
-      <p:nvGrpSpPr>
-        <p:cNvPr id="1" name="Shape 217">
-          <a:extLst>
-            <a:ext uri="{FF2B5EF4-FFF2-40B4-BE49-F238E27FC236}">
-              <a16:creationId xmlns:a16="http://schemas.microsoft.com/office/drawing/2014/main" id="{6D865AB4-F199-8B70-5052-8B821556C32A}"/>
-            </a:ext>
-          </a:extLst>
-        </p:cNvPr>
-        <p:cNvGrpSpPr/>
-        <p:nvPr/>
-      </p:nvGrpSpPr>
-      <p:grpSpPr>
-        <a:xfrm>
-          <a:off x="0" y="0"/>
-          <a:ext cx="0" cy="0"/>
-          <a:chOff x="0" y="0"/>
-          <a:chExt cx="0" cy="0"/>
-        </a:xfrm>
-      </p:grpSpPr>
-      <p:sp>
-        <p:nvSpPr>
-          <p:cNvPr id="218" name="Google Shape;218;g36b3a12114e_2_12:notes">
-            <a:extLst>
-              <a:ext uri="{FF2B5EF4-FFF2-40B4-BE49-F238E27FC236}">
-                <a16:creationId xmlns:a16="http://schemas.microsoft.com/office/drawing/2014/main" id="{B602B790-E121-EF04-EC11-F79528C27B3F}"/>
-              </a:ext>
-            </a:extLst>
-          </p:cNvPr>
-          <p:cNvSpPr txBox="1">
-            <a:spLocks noGrp="1"/>
-          </p:cNvSpPr>
-          <p:nvPr>
-            <p:ph type="body" idx="1"/>
-          </p:nvPr>
-        </p:nvSpPr>
-        <p:spPr>
-          <a:xfrm>
-            <a:off x="709761" y="4925463"/>
-            <a:ext cx="5679900" cy="4029600"/>
-          </a:xfrm>
-          <a:prstGeom prst="rect">
-            <a:avLst/>
-          </a:prstGeom>
-        </p:spPr>
-        <p:txBody>
-          <a:bodyPr spcFirstLastPara="1" wrap="square" lIns="42600" tIns="21300" rIns="42600" bIns="21300" anchor="t" anchorCtr="0">
-            <a:noAutofit/>
-          </a:bodyPr>
-          <a:lstStyle/>
-          <a:p>
-            <a:pPr marL="0" lvl="0" indent="0" algn="l" rtl="0">
-              <a:spcBef>
-                <a:spcPts val="0"/>
-              </a:spcBef>
-              <a:spcAft>
-                <a:spcPts val="0"/>
-              </a:spcAft>
-              <a:buNone/>
-            </a:pPr>
-            <a:r>
-              <a:rPr lang="de-DE" dirty="0"/>
-              <a:t>Seq0 ax1</a:t>
-            </a:r>
-          </a:p>
-          <a:p>
-            <a:pPr marL="0" lvl="0" indent="0" algn="l" rtl="0">
-              <a:spcBef>
-                <a:spcPts val="0"/>
-              </a:spcBef>
-              <a:spcAft>
-                <a:spcPts val="0"/>
-              </a:spcAft>
-              <a:buNone/>
-            </a:pPr>
-            <a:r>
-              <a:rPr lang="de-DE" dirty="0"/>
-              <a:t>Seq4 ax1</a:t>
-            </a:r>
-            <a:endParaRPr dirty="0"/>
-          </a:p>
-        </p:txBody>
-      </p:sp>
-      <p:sp>
-        <p:nvSpPr>
-          <p:cNvPr id="219" name="Google Shape;219;g36b3a12114e_2_12:notes">
-            <a:extLst>
-              <a:ext uri="{FF2B5EF4-FFF2-40B4-BE49-F238E27FC236}">
-                <a16:creationId xmlns:a16="http://schemas.microsoft.com/office/drawing/2014/main" id="{52133637-90AD-07F2-0253-62170E1512B7}"/>
-              </a:ext>
-            </a:extLst>
-          </p:cNvPr>
-          <p:cNvSpPr>
-            <a:spLocks noGrp="1" noRot="1" noChangeAspect="1"/>
-          </p:cNvSpPr>
-          <p:nvPr>
-            <p:ph type="sldImg" idx="2"/>
-          </p:nvPr>
-        </p:nvSpPr>
-        <p:spPr>
-          <a:xfrm>
-            <a:off x="479425" y="1279525"/>
-            <a:ext cx="6140450" cy="3454400"/>
-          </a:xfrm>
-          <a:custGeom>
-            <a:avLst/>
-            <a:gdLst/>
-            <a:ahLst/>
-            <a:cxnLst/>
-            <a:rect l="l" t="t" r="r" b="b"/>
-            <a:pathLst>
-              <a:path w="120000" h="120000" extrusionOk="0">
-                <a:moveTo>
-                  <a:pt x="0" y="0"/>
-                </a:moveTo>
-                <a:lnTo>
-                  <a:pt x="120000" y="0"/>
-                </a:lnTo>
-                <a:lnTo>
-                  <a:pt x="120000" y="120000"/>
-                </a:lnTo>
-                <a:lnTo>
-                  <a:pt x="0" y="120000"/>
-                </a:lnTo>
-                <a:close/>
-              </a:path>
-            </a:pathLst>
-          </a:custGeom>
-        </p:spPr>
-      </p:sp>
-    </p:spTree>
-    <p:extLst>
-      <p:ext uri="{BB962C8B-B14F-4D97-AF65-F5344CB8AC3E}">
-        <p14:creationId xmlns:p14="http://schemas.microsoft.com/office/powerpoint/2010/main" val="3973228774"/>
-      </p:ext>
-    </p:extLst>
-  </p:cSld>
-  <p:clrMapOvr>
-    <a:masterClrMapping/>
-  </p:clrMapOvr>
-</p:notes>
-</file>
-
-<file path=ppt/notesSlides/notesSlide19.xml><?xml version="1.0" encoding="utf-8"?>
-<p:notes xmlns:a="http://schemas.openxmlformats.org/drawingml/2006/main" xmlns:r="http://schemas.openxmlformats.org/officeDocument/2006/relationships" xmlns:p="http://schemas.openxmlformats.org/presentationml/2006/main" showMasterSp="0" showMasterPhAnim="0">
-  <p:cSld>
-    <p:spTree>
-      <p:nvGrpSpPr>
-        <p:cNvPr id="1" name="Shape 217">
-          <a:extLst>
-            <a:ext uri="{FF2B5EF4-FFF2-40B4-BE49-F238E27FC236}">
-              <a16:creationId xmlns:a16="http://schemas.microsoft.com/office/drawing/2014/main" id="{2B2CA97E-D801-5C8A-EDA3-60705DFBADB4}"/>
-            </a:ext>
-          </a:extLst>
-        </p:cNvPr>
-        <p:cNvGrpSpPr/>
-        <p:nvPr/>
-      </p:nvGrpSpPr>
-      <p:grpSpPr>
-        <a:xfrm>
-          <a:off x="0" y="0"/>
-          <a:ext cx="0" cy="0"/>
-          <a:chOff x="0" y="0"/>
-          <a:chExt cx="0" cy="0"/>
-        </a:xfrm>
-      </p:grpSpPr>
-      <p:sp>
-        <p:nvSpPr>
-          <p:cNvPr id="218" name="Google Shape;218;g36b3a12114e_2_12:notes">
-            <a:extLst>
-              <a:ext uri="{FF2B5EF4-FFF2-40B4-BE49-F238E27FC236}">
-                <a16:creationId xmlns:a16="http://schemas.microsoft.com/office/drawing/2014/main" id="{BFEB1B82-8C97-AE55-5CAB-5D61F6BDFF41}"/>
-              </a:ext>
-            </a:extLst>
-          </p:cNvPr>
-          <p:cNvSpPr txBox="1">
-            <a:spLocks noGrp="1"/>
-          </p:cNvSpPr>
-          <p:nvPr>
-            <p:ph type="body" idx="1"/>
-          </p:nvPr>
-        </p:nvSpPr>
-        <p:spPr>
-          <a:xfrm>
-            <a:off x="709761" y="4925463"/>
-            <a:ext cx="5679900" cy="4029600"/>
-          </a:xfrm>
-          <a:prstGeom prst="rect">
-            <a:avLst/>
-          </a:prstGeom>
-        </p:spPr>
-        <p:txBody>
-          <a:bodyPr spcFirstLastPara="1" wrap="square" lIns="42600" tIns="21300" rIns="42600" bIns="21300" anchor="t" anchorCtr="0">
-            <a:noAutofit/>
-          </a:bodyPr>
-          <a:lstStyle/>
-          <a:p>
-            <a:pPr marL="0" lvl="0" indent="0" algn="l" rtl="0">
-              <a:spcBef>
-                <a:spcPts val="0"/>
-              </a:spcBef>
-              <a:spcAft>
-                <a:spcPts val="0"/>
-              </a:spcAft>
-              <a:buNone/>
-            </a:pPr>
-            <a:endParaRPr dirty="0"/>
-          </a:p>
-        </p:txBody>
-      </p:sp>
-      <p:sp>
-        <p:nvSpPr>
-          <p:cNvPr id="219" name="Google Shape;219;g36b3a12114e_2_12:notes">
-            <a:extLst>
-              <a:ext uri="{FF2B5EF4-FFF2-40B4-BE49-F238E27FC236}">
-                <a16:creationId xmlns:a16="http://schemas.microsoft.com/office/drawing/2014/main" id="{D1EF902B-FA04-300A-B51A-5DF79973C7CE}"/>
-              </a:ext>
-            </a:extLst>
-          </p:cNvPr>
-          <p:cNvSpPr>
-            <a:spLocks noGrp="1" noRot="1" noChangeAspect="1"/>
-          </p:cNvSpPr>
-          <p:nvPr>
-            <p:ph type="sldImg" idx="2"/>
-          </p:nvPr>
-        </p:nvSpPr>
-        <p:spPr>
-          <a:xfrm>
-            <a:off x="479425" y="1279525"/>
-            <a:ext cx="6140450" cy="3454400"/>
-          </a:xfrm>
-          <a:custGeom>
-            <a:avLst/>
-            <a:gdLst/>
-            <a:ahLst/>
-            <a:cxnLst/>
-            <a:rect l="l" t="t" r="r" b="b"/>
-            <a:pathLst>
-              <a:path w="120000" h="120000" extrusionOk="0">
-                <a:moveTo>
-                  <a:pt x="0" y="0"/>
-                </a:moveTo>
-                <a:lnTo>
-                  <a:pt x="120000" y="0"/>
-                </a:lnTo>
-                <a:lnTo>
-                  <a:pt x="120000" y="120000"/>
-                </a:lnTo>
-                <a:lnTo>
-                  <a:pt x="0" y="120000"/>
-                </a:lnTo>
-                <a:close/>
-              </a:path>
-            </a:pathLst>
-          </a:custGeom>
-        </p:spPr>
-      </p:sp>
-    </p:spTree>
-    <p:extLst>
-      <p:ext uri="{BB962C8B-B14F-4D97-AF65-F5344CB8AC3E}">
-        <p14:creationId xmlns:p14="http://schemas.microsoft.com/office/powerpoint/2010/main" val="2132185583"/>
       </p:ext>
     </p:extLst>
   </p:cSld>
@@ -3236,6 +3577,279 @@
         <p:cNvPr id="1" name="Shape 217">
           <a:extLst>
             <a:ext uri="{FF2B5EF4-FFF2-40B4-BE49-F238E27FC236}">
+              <a16:creationId xmlns:a16="http://schemas.microsoft.com/office/drawing/2014/main" id="{6D865AB4-F199-8B70-5052-8B821556C32A}"/>
+            </a:ext>
+          </a:extLst>
+        </p:cNvPr>
+        <p:cNvGrpSpPr/>
+        <p:nvPr/>
+      </p:nvGrpSpPr>
+      <p:grpSpPr>
+        <a:xfrm>
+          <a:off x="0" y="0"/>
+          <a:ext cx="0" cy="0"/>
+          <a:chOff x="0" y="0"/>
+          <a:chExt cx="0" cy="0"/>
+        </a:xfrm>
+      </p:grpSpPr>
+      <p:sp>
+        <p:nvSpPr>
+          <p:cNvPr id="218" name="Google Shape;218;g36b3a12114e_2_12:notes">
+            <a:extLst>
+              <a:ext uri="{FF2B5EF4-FFF2-40B4-BE49-F238E27FC236}">
+                <a16:creationId xmlns:a16="http://schemas.microsoft.com/office/drawing/2014/main" id="{B602B790-E121-EF04-EC11-F79528C27B3F}"/>
+              </a:ext>
+            </a:extLst>
+          </p:cNvPr>
+          <p:cNvSpPr txBox="1">
+            <a:spLocks noGrp="1"/>
+          </p:cNvSpPr>
+          <p:nvPr>
+            <p:ph type="body" idx="1"/>
+          </p:nvPr>
+        </p:nvSpPr>
+        <p:spPr>
+          <a:xfrm>
+            <a:off x="709761" y="4925463"/>
+            <a:ext cx="5679900" cy="4029600"/>
+          </a:xfrm>
+          <a:prstGeom prst="rect">
+            <a:avLst/>
+          </a:prstGeom>
+        </p:spPr>
+        <p:txBody>
+          <a:bodyPr spcFirstLastPara="1" wrap="square" lIns="42600" tIns="21300" rIns="42600" bIns="21300" anchor="t" anchorCtr="0">
+            <a:noAutofit/>
+          </a:bodyPr>
+          <a:lstStyle/>
+          <a:p>
+            <a:pPr marL="0" lvl="0" indent="0" algn="l" rtl="0">
+              <a:spcBef>
+                <a:spcPts val="0"/>
+              </a:spcBef>
+              <a:spcAft>
+                <a:spcPts val="0"/>
+              </a:spcAft>
+              <a:buNone/>
+            </a:pPr>
+            <a:r>
+              <a:rPr lang="de-DE" dirty="0"/>
+              <a:t>Seq0 ax1</a:t>
+            </a:r>
+          </a:p>
+          <a:p>
+            <a:pPr marL="0" lvl="0" indent="0" algn="l" rtl="0">
+              <a:spcBef>
+                <a:spcPts val="0"/>
+              </a:spcBef>
+              <a:spcAft>
+                <a:spcPts val="0"/>
+              </a:spcAft>
+              <a:buNone/>
+            </a:pPr>
+            <a:r>
+              <a:rPr lang="de-DE" dirty="0"/>
+              <a:t>Seq4 ax1</a:t>
+            </a:r>
+            <a:endParaRPr dirty="0"/>
+          </a:p>
+        </p:txBody>
+      </p:sp>
+      <p:sp>
+        <p:nvSpPr>
+          <p:cNvPr id="219" name="Google Shape;219;g36b3a12114e_2_12:notes">
+            <a:extLst>
+              <a:ext uri="{FF2B5EF4-FFF2-40B4-BE49-F238E27FC236}">
+                <a16:creationId xmlns:a16="http://schemas.microsoft.com/office/drawing/2014/main" id="{52133637-90AD-07F2-0253-62170E1512B7}"/>
+              </a:ext>
+            </a:extLst>
+          </p:cNvPr>
+          <p:cNvSpPr>
+            <a:spLocks noGrp="1" noRot="1" noChangeAspect="1"/>
+          </p:cNvSpPr>
+          <p:nvPr>
+            <p:ph type="sldImg" idx="2"/>
+          </p:nvPr>
+        </p:nvSpPr>
+        <p:spPr>
+          <a:xfrm>
+            <a:off x="479425" y="1279525"/>
+            <a:ext cx="6140450" cy="3454400"/>
+          </a:xfrm>
+          <a:custGeom>
+            <a:avLst/>
+            <a:gdLst/>
+            <a:ahLst/>
+            <a:cxnLst/>
+            <a:rect l="l" t="t" r="r" b="b"/>
+            <a:pathLst>
+              <a:path w="120000" h="120000" extrusionOk="0">
+                <a:moveTo>
+                  <a:pt x="0" y="0"/>
+                </a:moveTo>
+                <a:lnTo>
+                  <a:pt x="120000" y="0"/>
+                </a:lnTo>
+                <a:lnTo>
+                  <a:pt x="120000" y="120000"/>
+                </a:lnTo>
+                <a:lnTo>
+                  <a:pt x="0" y="120000"/>
+                </a:lnTo>
+                <a:close/>
+              </a:path>
+            </a:pathLst>
+          </a:custGeom>
+        </p:spPr>
+      </p:sp>
+    </p:spTree>
+    <p:extLst>
+      <p:ext uri="{BB962C8B-B14F-4D97-AF65-F5344CB8AC3E}">
+        <p14:creationId xmlns:p14="http://schemas.microsoft.com/office/powerpoint/2010/main" val="3973228774"/>
+      </p:ext>
+    </p:extLst>
+  </p:cSld>
+  <p:clrMapOvr>
+    <a:masterClrMapping/>
+  </p:clrMapOvr>
+</p:notes>
+</file>
+
+<file path=ppt/notesSlides/notesSlide21.xml><?xml version="1.0" encoding="utf-8"?>
+<p:notes xmlns:a="http://schemas.openxmlformats.org/drawingml/2006/main" xmlns:r="http://schemas.openxmlformats.org/officeDocument/2006/relationships" xmlns:p="http://schemas.openxmlformats.org/presentationml/2006/main" showMasterSp="0" showMasterPhAnim="0">
+  <p:cSld>
+    <p:spTree>
+      <p:nvGrpSpPr>
+        <p:cNvPr id="1" name="Shape 217">
+          <a:extLst>
+            <a:ext uri="{FF2B5EF4-FFF2-40B4-BE49-F238E27FC236}">
+              <a16:creationId xmlns:a16="http://schemas.microsoft.com/office/drawing/2014/main" id="{2B2CA97E-D801-5C8A-EDA3-60705DFBADB4}"/>
+            </a:ext>
+          </a:extLst>
+        </p:cNvPr>
+        <p:cNvGrpSpPr/>
+        <p:nvPr/>
+      </p:nvGrpSpPr>
+      <p:grpSpPr>
+        <a:xfrm>
+          <a:off x="0" y="0"/>
+          <a:ext cx="0" cy="0"/>
+          <a:chOff x="0" y="0"/>
+          <a:chExt cx="0" cy="0"/>
+        </a:xfrm>
+      </p:grpSpPr>
+      <p:sp>
+        <p:nvSpPr>
+          <p:cNvPr id="218" name="Google Shape;218;g36b3a12114e_2_12:notes">
+            <a:extLst>
+              <a:ext uri="{FF2B5EF4-FFF2-40B4-BE49-F238E27FC236}">
+                <a16:creationId xmlns:a16="http://schemas.microsoft.com/office/drawing/2014/main" id="{BFEB1B82-8C97-AE55-5CAB-5D61F6BDFF41}"/>
+              </a:ext>
+            </a:extLst>
+          </p:cNvPr>
+          <p:cNvSpPr txBox="1">
+            <a:spLocks noGrp="1"/>
+          </p:cNvSpPr>
+          <p:nvPr>
+            <p:ph type="body" idx="1"/>
+          </p:nvPr>
+        </p:nvSpPr>
+        <p:spPr>
+          <a:xfrm>
+            <a:off x="709761" y="4925463"/>
+            <a:ext cx="5679900" cy="4029600"/>
+          </a:xfrm>
+          <a:prstGeom prst="rect">
+            <a:avLst/>
+          </a:prstGeom>
+        </p:spPr>
+        <p:txBody>
+          <a:bodyPr spcFirstLastPara="1" wrap="square" lIns="42600" tIns="21300" rIns="42600" bIns="21300" anchor="t" anchorCtr="0">
+            <a:noAutofit/>
+          </a:bodyPr>
+          <a:lstStyle/>
+          <a:p>
+            <a:pPr marL="0" lvl="0" indent="0" algn="l" rtl="0">
+              <a:spcBef>
+                <a:spcPts val="0"/>
+              </a:spcBef>
+              <a:spcAft>
+                <a:spcPts val="0"/>
+              </a:spcAft>
+              <a:buNone/>
+            </a:pPr>
+            <a:endParaRPr dirty="0"/>
+          </a:p>
+        </p:txBody>
+      </p:sp>
+      <p:sp>
+        <p:nvSpPr>
+          <p:cNvPr id="219" name="Google Shape;219;g36b3a12114e_2_12:notes">
+            <a:extLst>
+              <a:ext uri="{FF2B5EF4-FFF2-40B4-BE49-F238E27FC236}">
+                <a16:creationId xmlns:a16="http://schemas.microsoft.com/office/drawing/2014/main" id="{D1EF902B-FA04-300A-B51A-5DF79973C7CE}"/>
+              </a:ext>
+            </a:extLst>
+          </p:cNvPr>
+          <p:cNvSpPr>
+            <a:spLocks noGrp="1" noRot="1" noChangeAspect="1"/>
+          </p:cNvSpPr>
+          <p:nvPr>
+            <p:ph type="sldImg" idx="2"/>
+          </p:nvPr>
+        </p:nvSpPr>
+        <p:spPr>
+          <a:xfrm>
+            <a:off x="479425" y="1279525"/>
+            <a:ext cx="6140450" cy="3454400"/>
+          </a:xfrm>
+          <a:custGeom>
+            <a:avLst/>
+            <a:gdLst/>
+            <a:ahLst/>
+            <a:cxnLst/>
+            <a:rect l="l" t="t" r="r" b="b"/>
+            <a:pathLst>
+              <a:path w="120000" h="120000" extrusionOk="0">
+                <a:moveTo>
+                  <a:pt x="0" y="0"/>
+                </a:moveTo>
+                <a:lnTo>
+                  <a:pt x="120000" y="0"/>
+                </a:lnTo>
+                <a:lnTo>
+                  <a:pt x="120000" y="120000"/>
+                </a:lnTo>
+                <a:lnTo>
+                  <a:pt x="0" y="120000"/>
+                </a:lnTo>
+                <a:close/>
+              </a:path>
+            </a:pathLst>
+          </a:custGeom>
+        </p:spPr>
+      </p:sp>
+    </p:spTree>
+    <p:extLst>
+      <p:ext uri="{BB962C8B-B14F-4D97-AF65-F5344CB8AC3E}">
+        <p14:creationId xmlns:p14="http://schemas.microsoft.com/office/powerpoint/2010/main" val="2132185583"/>
+      </p:ext>
+    </p:extLst>
+  </p:cSld>
+  <p:clrMapOvr>
+    <a:masterClrMapping/>
+  </p:clrMapOvr>
+</p:notes>
+</file>
+
+<file path=ppt/notesSlides/notesSlide22.xml><?xml version="1.0" encoding="utf-8"?>
+<p:notes xmlns:a="http://schemas.openxmlformats.org/drawingml/2006/main" xmlns:r="http://schemas.openxmlformats.org/officeDocument/2006/relationships" xmlns:p="http://schemas.openxmlformats.org/presentationml/2006/main" showMasterSp="0" showMasterPhAnim="0">
+  <p:cSld>
+    <p:spTree>
+      <p:nvGrpSpPr>
+        <p:cNvPr id="1" name="Shape 217">
+          <a:extLst>
+            <a:ext uri="{FF2B5EF4-FFF2-40B4-BE49-F238E27FC236}">
               <a16:creationId xmlns:a16="http://schemas.microsoft.com/office/drawing/2014/main" id="{18D07795-4A25-252A-5C83-B2A652CC3467}"/>
             </a:ext>
           </a:extLst>
@@ -3374,7 +3988,7 @@
 </p:notes>
 </file>
 
-<file path=ppt/notesSlides/notesSlide21.xml><?xml version="1.0" encoding="utf-8"?>
+<file path=ppt/notesSlides/notesSlide23.xml><?xml version="1.0" encoding="utf-8"?>
 <p:notes xmlns:a="http://schemas.openxmlformats.org/drawingml/2006/main" xmlns:r="http://schemas.openxmlformats.org/officeDocument/2006/relationships" xmlns:p="http://schemas.openxmlformats.org/presentationml/2006/main" showMasterSp="0" showMasterPhAnim="0">
   <p:cSld>
     <p:spTree>
@@ -3501,7 +4115,7 @@
 </p:notes>
 </file>
 
-<file path=ppt/notesSlides/notesSlide22.xml><?xml version="1.0" encoding="utf-8"?>
+<file path=ppt/notesSlides/notesSlide24.xml><?xml version="1.0" encoding="utf-8"?>
 <p:notes xmlns:a="http://schemas.openxmlformats.org/drawingml/2006/main" xmlns:r="http://schemas.openxmlformats.org/officeDocument/2006/relationships" xmlns:p="http://schemas.openxmlformats.org/presentationml/2006/main" showMasterSp="0" showMasterPhAnim="0">
   <p:cSld>
     <p:spTree>
@@ -3628,7 +4242,7 @@
 </p:notes>
 </file>
 
-<file path=ppt/notesSlides/notesSlide23.xml><?xml version="1.0" encoding="utf-8"?>
+<file path=ppt/notesSlides/notesSlide25.xml><?xml version="1.0" encoding="utf-8"?>
 <p:notes xmlns:a="http://schemas.openxmlformats.org/drawingml/2006/main" xmlns:r="http://schemas.openxmlformats.org/officeDocument/2006/relationships" xmlns:p="http://schemas.openxmlformats.org/presentationml/2006/main" showMasterSp="0" showMasterPhAnim="0">
   <p:cSld>
     <p:spTree>
@@ -3774,7 +4388,7 @@
 </p:notes>
 </file>
 
-<file path=ppt/notesSlides/notesSlide24.xml><?xml version="1.0" encoding="utf-8"?>
+<file path=ppt/notesSlides/notesSlide26.xml><?xml version="1.0" encoding="utf-8"?>
 <p:notes xmlns:a="http://schemas.openxmlformats.org/drawingml/2006/main" xmlns:r="http://schemas.openxmlformats.org/officeDocument/2006/relationships" xmlns:p="http://schemas.openxmlformats.org/presentationml/2006/main" showMasterSp="0" showMasterPhAnim="0">
   <p:cSld>
     <p:spTree>
@@ -3901,7 +4515,7 @@
 </p:notes>
 </file>
 
-<file path=ppt/notesSlides/notesSlide25.xml><?xml version="1.0" encoding="utf-8"?>
+<file path=ppt/notesSlides/notesSlide27.xml><?xml version="1.0" encoding="utf-8"?>
 <p:notes xmlns:a="http://schemas.openxmlformats.org/drawingml/2006/main" xmlns:r="http://schemas.openxmlformats.org/officeDocument/2006/relationships" xmlns:p="http://schemas.openxmlformats.org/presentationml/2006/main" showMasterSp="0" showMasterPhAnim="0">
   <p:cSld>
     <p:spTree>
@@ -4047,7 +4661,638 @@
 </p:notes>
 </file>
 
-<file path=ppt/notesSlides/notesSlide26.xml><?xml version="1.0" encoding="utf-8"?>
+<file path=ppt/notesSlides/notesSlide28.xml><?xml version="1.0" encoding="utf-8"?>
+<p:notes xmlns:a="http://schemas.openxmlformats.org/drawingml/2006/main" xmlns:r="http://schemas.openxmlformats.org/officeDocument/2006/relationships" xmlns:p="http://schemas.openxmlformats.org/presentationml/2006/main" showMasterSp="0" showMasterPhAnim="0">
+  <p:cSld>
+    <p:spTree>
+      <p:nvGrpSpPr>
+        <p:cNvPr id="1" name="Shape 217">
+          <a:extLst>
+            <a:ext uri="{FF2B5EF4-FFF2-40B4-BE49-F238E27FC236}">
+              <a16:creationId xmlns:a16="http://schemas.microsoft.com/office/drawing/2014/main" id="{56956F93-4516-CC25-15A1-1B04C6E12745}"/>
+            </a:ext>
+          </a:extLst>
+        </p:cNvPr>
+        <p:cNvGrpSpPr/>
+        <p:nvPr/>
+      </p:nvGrpSpPr>
+      <p:grpSpPr>
+        <a:xfrm>
+          <a:off x="0" y="0"/>
+          <a:ext cx="0" cy="0"/>
+          <a:chOff x="0" y="0"/>
+          <a:chExt cx="0" cy="0"/>
+        </a:xfrm>
+      </p:grpSpPr>
+      <p:sp>
+        <p:nvSpPr>
+          <p:cNvPr id="218" name="Google Shape;218;g36b3a12114e_2_12:notes">
+            <a:extLst>
+              <a:ext uri="{FF2B5EF4-FFF2-40B4-BE49-F238E27FC236}">
+                <a16:creationId xmlns:a16="http://schemas.microsoft.com/office/drawing/2014/main" id="{93699CDD-20FA-8EE7-0B63-B3E5520F3AD7}"/>
+              </a:ext>
+            </a:extLst>
+          </p:cNvPr>
+          <p:cNvSpPr txBox="1">
+            <a:spLocks noGrp="1"/>
+          </p:cNvSpPr>
+          <p:nvPr>
+            <p:ph type="body" idx="1"/>
+          </p:nvPr>
+        </p:nvSpPr>
+        <p:spPr>
+          <a:xfrm>
+            <a:off x="709761" y="4925463"/>
+            <a:ext cx="5679900" cy="4029600"/>
+          </a:xfrm>
+          <a:prstGeom prst="rect">
+            <a:avLst/>
+          </a:prstGeom>
+        </p:spPr>
+        <p:txBody>
+          <a:bodyPr spcFirstLastPara="1" wrap="square" lIns="42600" tIns="21300" rIns="42600" bIns="21300" anchor="t" anchorCtr="0">
+            <a:noAutofit/>
+          </a:bodyPr>
+          <a:lstStyle/>
+          <a:p>
+            <a:pPr marL="0" lvl="0" indent="0" algn="l" rtl="0">
+              <a:spcBef>
+                <a:spcPts val="0"/>
+              </a:spcBef>
+              <a:spcAft>
+                <a:spcPts val="0"/>
+              </a:spcAft>
+              <a:buNone/>
+            </a:pPr>
+            <a:endParaRPr dirty="0"/>
+          </a:p>
+        </p:txBody>
+      </p:sp>
+      <p:sp>
+        <p:nvSpPr>
+          <p:cNvPr id="219" name="Google Shape;219;g36b3a12114e_2_12:notes">
+            <a:extLst>
+              <a:ext uri="{FF2B5EF4-FFF2-40B4-BE49-F238E27FC236}">
+                <a16:creationId xmlns:a16="http://schemas.microsoft.com/office/drawing/2014/main" id="{F5DEB40B-20E3-1321-BEA4-AE68DD089B29}"/>
+              </a:ext>
+            </a:extLst>
+          </p:cNvPr>
+          <p:cNvSpPr>
+            <a:spLocks noGrp="1" noRot="1" noChangeAspect="1"/>
+          </p:cNvSpPr>
+          <p:nvPr>
+            <p:ph type="sldImg" idx="2"/>
+          </p:nvPr>
+        </p:nvSpPr>
+        <p:spPr>
+          <a:xfrm>
+            <a:off x="479425" y="1279525"/>
+            <a:ext cx="6140450" cy="3454400"/>
+          </a:xfrm>
+          <a:custGeom>
+            <a:avLst/>
+            <a:gdLst/>
+            <a:ahLst/>
+            <a:cxnLst/>
+            <a:rect l="l" t="t" r="r" b="b"/>
+            <a:pathLst>
+              <a:path w="120000" h="120000" extrusionOk="0">
+                <a:moveTo>
+                  <a:pt x="0" y="0"/>
+                </a:moveTo>
+                <a:lnTo>
+                  <a:pt x="120000" y="0"/>
+                </a:lnTo>
+                <a:lnTo>
+                  <a:pt x="120000" y="120000"/>
+                </a:lnTo>
+                <a:lnTo>
+                  <a:pt x="0" y="120000"/>
+                </a:lnTo>
+                <a:close/>
+              </a:path>
+            </a:pathLst>
+          </a:custGeom>
+        </p:spPr>
+      </p:sp>
+    </p:spTree>
+    <p:extLst>
+      <p:ext uri="{BB962C8B-B14F-4D97-AF65-F5344CB8AC3E}">
+        <p14:creationId xmlns:p14="http://schemas.microsoft.com/office/powerpoint/2010/main" val="3238543121"/>
+      </p:ext>
+    </p:extLst>
+  </p:cSld>
+  <p:clrMapOvr>
+    <a:masterClrMapping/>
+  </p:clrMapOvr>
+</p:notes>
+</file>
+
+<file path=ppt/notesSlides/notesSlide29.xml><?xml version="1.0" encoding="utf-8"?>
+<p:notes xmlns:a="http://schemas.openxmlformats.org/drawingml/2006/main" xmlns:r="http://schemas.openxmlformats.org/officeDocument/2006/relationships" xmlns:p="http://schemas.openxmlformats.org/presentationml/2006/main" showMasterSp="0" showMasterPhAnim="0">
+  <p:cSld>
+    <p:spTree>
+      <p:nvGrpSpPr>
+        <p:cNvPr id="1" name="Shape 217">
+          <a:extLst>
+            <a:ext uri="{FF2B5EF4-FFF2-40B4-BE49-F238E27FC236}">
+              <a16:creationId xmlns:a16="http://schemas.microsoft.com/office/drawing/2014/main" id="{3EE84A4C-547C-8FCA-6EDA-AA53575D03ED}"/>
+            </a:ext>
+          </a:extLst>
+        </p:cNvPr>
+        <p:cNvGrpSpPr/>
+        <p:nvPr/>
+      </p:nvGrpSpPr>
+      <p:grpSpPr>
+        <a:xfrm>
+          <a:off x="0" y="0"/>
+          <a:ext cx="0" cy="0"/>
+          <a:chOff x="0" y="0"/>
+          <a:chExt cx="0" cy="0"/>
+        </a:xfrm>
+      </p:grpSpPr>
+      <p:sp>
+        <p:nvSpPr>
+          <p:cNvPr id="218" name="Google Shape;218;g36b3a12114e_2_12:notes">
+            <a:extLst>
+              <a:ext uri="{FF2B5EF4-FFF2-40B4-BE49-F238E27FC236}">
+                <a16:creationId xmlns:a16="http://schemas.microsoft.com/office/drawing/2014/main" id="{E4433EF1-D9E4-68E7-C876-226BAF125E1B}"/>
+              </a:ext>
+            </a:extLst>
+          </p:cNvPr>
+          <p:cNvSpPr txBox="1">
+            <a:spLocks noGrp="1"/>
+          </p:cNvSpPr>
+          <p:nvPr>
+            <p:ph type="body" idx="1"/>
+          </p:nvPr>
+        </p:nvSpPr>
+        <p:spPr>
+          <a:xfrm>
+            <a:off x="709761" y="4925463"/>
+            <a:ext cx="5679900" cy="4029600"/>
+          </a:xfrm>
+          <a:prstGeom prst="rect">
+            <a:avLst/>
+          </a:prstGeom>
+        </p:spPr>
+        <p:txBody>
+          <a:bodyPr spcFirstLastPara="1" wrap="square" lIns="42600" tIns="21300" rIns="42600" bIns="21300" anchor="t" anchorCtr="0">
+            <a:noAutofit/>
+          </a:bodyPr>
+          <a:lstStyle/>
+          <a:p>
+            <a:pPr marL="0" lvl="0" indent="0" algn="l" rtl="0">
+              <a:spcBef>
+                <a:spcPts val="0"/>
+              </a:spcBef>
+              <a:spcAft>
+                <a:spcPts val="0"/>
+              </a:spcAft>
+              <a:buNone/>
+            </a:pPr>
+            <a:r>
+              <a:rPr lang="de-DE" dirty="0"/>
+              <a:t>Seq0 ax1</a:t>
+            </a:r>
+          </a:p>
+          <a:p>
+            <a:pPr marL="0" lvl="0" indent="0" algn="l" rtl="0">
+              <a:spcBef>
+                <a:spcPts val="0"/>
+              </a:spcBef>
+              <a:spcAft>
+                <a:spcPts val="0"/>
+              </a:spcAft>
+              <a:buNone/>
+            </a:pPr>
+            <a:r>
+              <a:rPr lang="de-DE" dirty="0"/>
+              <a:t>Seq4 ax1</a:t>
+            </a:r>
+            <a:endParaRPr dirty="0"/>
+          </a:p>
+        </p:txBody>
+      </p:sp>
+      <p:sp>
+        <p:nvSpPr>
+          <p:cNvPr id="219" name="Google Shape;219;g36b3a12114e_2_12:notes">
+            <a:extLst>
+              <a:ext uri="{FF2B5EF4-FFF2-40B4-BE49-F238E27FC236}">
+                <a16:creationId xmlns:a16="http://schemas.microsoft.com/office/drawing/2014/main" id="{A615E66A-E8B1-49FB-D243-E461319F23CF}"/>
+              </a:ext>
+            </a:extLst>
+          </p:cNvPr>
+          <p:cNvSpPr>
+            <a:spLocks noGrp="1" noRot="1" noChangeAspect="1"/>
+          </p:cNvSpPr>
+          <p:nvPr>
+            <p:ph type="sldImg" idx="2"/>
+          </p:nvPr>
+        </p:nvSpPr>
+        <p:spPr>
+          <a:xfrm>
+            <a:off x="479425" y="1279525"/>
+            <a:ext cx="6140450" cy="3454400"/>
+          </a:xfrm>
+          <a:custGeom>
+            <a:avLst/>
+            <a:gdLst/>
+            <a:ahLst/>
+            <a:cxnLst/>
+            <a:rect l="l" t="t" r="r" b="b"/>
+            <a:pathLst>
+              <a:path w="120000" h="120000" extrusionOk="0">
+                <a:moveTo>
+                  <a:pt x="0" y="0"/>
+                </a:moveTo>
+                <a:lnTo>
+                  <a:pt x="120000" y="0"/>
+                </a:lnTo>
+                <a:lnTo>
+                  <a:pt x="120000" y="120000"/>
+                </a:lnTo>
+                <a:lnTo>
+                  <a:pt x="0" y="120000"/>
+                </a:lnTo>
+                <a:close/>
+              </a:path>
+            </a:pathLst>
+          </a:custGeom>
+        </p:spPr>
+      </p:sp>
+    </p:spTree>
+    <p:extLst>
+      <p:ext uri="{BB962C8B-B14F-4D97-AF65-F5344CB8AC3E}">
+        <p14:creationId xmlns:p14="http://schemas.microsoft.com/office/powerpoint/2010/main" val="1748954449"/>
+      </p:ext>
+    </p:extLst>
+  </p:cSld>
+  <p:clrMapOvr>
+    <a:masterClrMapping/>
+  </p:clrMapOvr>
+</p:notes>
+</file>
+
+<file path=ppt/notesSlides/notesSlide3.xml><?xml version="1.0" encoding="utf-8"?>
+<p:notes xmlns:a="http://schemas.openxmlformats.org/drawingml/2006/main" xmlns:r="http://schemas.openxmlformats.org/officeDocument/2006/relationships" xmlns:p="http://schemas.openxmlformats.org/presentationml/2006/main" showMasterSp="0" showMasterPhAnim="0">
+  <p:cSld>
+    <p:spTree>
+      <p:nvGrpSpPr>
+        <p:cNvPr id="1" name="Shape 190"/>
+        <p:cNvGrpSpPr/>
+        <p:nvPr/>
+      </p:nvGrpSpPr>
+      <p:grpSpPr>
+        <a:xfrm>
+          <a:off x="0" y="0"/>
+          <a:ext cx="0" cy="0"/>
+          <a:chOff x="0" y="0"/>
+          <a:chExt cx="0" cy="0"/>
+        </a:xfrm>
+      </p:grpSpPr>
+      <p:sp>
+        <p:nvSpPr>
+          <p:cNvPr id="191" name="Google Shape;191;g36c2988baa0_0_26:notes"/>
+          <p:cNvSpPr txBox="1">
+            <a:spLocks noGrp="1"/>
+          </p:cNvSpPr>
+          <p:nvPr>
+            <p:ph type="body" idx="1"/>
+          </p:nvPr>
+        </p:nvSpPr>
+        <p:spPr>
+          <a:xfrm>
+            <a:off x="709761" y="4925463"/>
+            <a:ext cx="5679900" cy="4029600"/>
+          </a:xfrm>
+          <a:prstGeom prst="rect">
+            <a:avLst/>
+          </a:prstGeom>
+        </p:spPr>
+        <p:txBody>
+          <a:bodyPr spcFirstLastPara="1" wrap="square" lIns="42600" tIns="21300" rIns="42600" bIns="21300" anchor="t" anchorCtr="0">
+            <a:noAutofit/>
+          </a:bodyPr>
+          <a:lstStyle/>
+          <a:p>
+            <a:pPr marL="0" lvl="0" indent="0" algn="l" rtl="0">
+              <a:spcBef>
+                <a:spcPts val="0"/>
+              </a:spcBef>
+              <a:spcAft>
+                <a:spcPts val="0"/>
+              </a:spcAft>
+              <a:buNone/>
+            </a:pPr>
+            <a:endParaRPr/>
+          </a:p>
+        </p:txBody>
+      </p:sp>
+      <p:sp>
+        <p:nvSpPr>
+          <p:cNvPr id="192" name="Google Shape;192;g36c2988baa0_0_26:notes"/>
+          <p:cNvSpPr>
+            <a:spLocks noGrp="1" noRot="1" noChangeAspect="1"/>
+          </p:cNvSpPr>
+          <p:nvPr>
+            <p:ph type="sldImg" idx="2"/>
+          </p:nvPr>
+        </p:nvSpPr>
+        <p:spPr>
+          <a:xfrm>
+            <a:off x="479425" y="1279525"/>
+            <a:ext cx="6140450" cy="3454400"/>
+          </a:xfrm>
+          <a:custGeom>
+            <a:avLst/>
+            <a:gdLst/>
+            <a:ahLst/>
+            <a:cxnLst/>
+            <a:rect l="l" t="t" r="r" b="b"/>
+            <a:pathLst>
+              <a:path w="120000" h="120000" extrusionOk="0">
+                <a:moveTo>
+                  <a:pt x="0" y="0"/>
+                </a:moveTo>
+                <a:lnTo>
+                  <a:pt x="120000" y="0"/>
+                </a:lnTo>
+                <a:lnTo>
+                  <a:pt x="120000" y="120000"/>
+                </a:lnTo>
+                <a:lnTo>
+                  <a:pt x="0" y="120000"/>
+                </a:lnTo>
+                <a:close/>
+              </a:path>
+            </a:pathLst>
+          </a:custGeom>
+        </p:spPr>
+      </p:sp>
+    </p:spTree>
+  </p:cSld>
+  <p:clrMapOvr>
+    <a:masterClrMapping/>
+  </p:clrMapOvr>
+</p:notes>
+</file>
+
+<file path=ppt/notesSlides/notesSlide30.xml><?xml version="1.0" encoding="utf-8"?>
+<p:notes xmlns:a="http://schemas.openxmlformats.org/drawingml/2006/main" xmlns:r="http://schemas.openxmlformats.org/officeDocument/2006/relationships" xmlns:p="http://schemas.openxmlformats.org/presentationml/2006/main" showMasterSp="0" showMasterPhAnim="0">
+  <p:cSld>
+    <p:spTree>
+      <p:nvGrpSpPr>
+        <p:cNvPr id="1" name="Shape 217">
+          <a:extLst>
+            <a:ext uri="{FF2B5EF4-FFF2-40B4-BE49-F238E27FC236}">
+              <a16:creationId xmlns:a16="http://schemas.microsoft.com/office/drawing/2014/main" id="{C58B06EA-B2C8-0D6C-AF66-B5EF7B207EA2}"/>
+            </a:ext>
+          </a:extLst>
+        </p:cNvPr>
+        <p:cNvGrpSpPr/>
+        <p:nvPr/>
+      </p:nvGrpSpPr>
+      <p:grpSpPr>
+        <a:xfrm>
+          <a:off x="0" y="0"/>
+          <a:ext cx="0" cy="0"/>
+          <a:chOff x="0" y="0"/>
+          <a:chExt cx="0" cy="0"/>
+        </a:xfrm>
+      </p:grpSpPr>
+      <p:sp>
+        <p:nvSpPr>
+          <p:cNvPr id="218" name="Google Shape;218;g36b3a12114e_2_12:notes">
+            <a:extLst>
+              <a:ext uri="{FF2B5EF4-FFF2-40B4-BE49-F238E27FC236}">
+                <a16:creationId xmlns:a16="http://schemas.microsoft.com/office/drawing/2014/main" id="{62EFD6FF-89D2-2B9D-DFFB-6CD7EA74307F}"/>
+              </a:ext>
+            </a:extLst>
+          </p:cNvPr>
+          <p:cNvSpPr txBox="1">
+            <a:spLocks noGrp="1"/>
+          </p:cNvSpPr>
+          <p:nvPr>
+            <p:ph type="body" idx="1"/>
+          </p:nvPr>
+        </p:nvSpPr>
+        <p:spPr>
+          <a:xfrm>
+            <a:off x="709761" y="4925463"/>
+            <a:ext cx="5679900" cy="4029600"/>
+          </a:xfrm>
+          <a:prstGeom prst="rect">
+            <a:avLst/>
+          </a:prstGeom>
+        </p:spPr>
+        <p:txBody>
+          <a:bodyPr spcFirstLastPara="1" wrap="square" lIns="42600" tIns="21300" rIns="42600" bIns="21300" anchor="t" anchorCtr="0">
+            <a:noAutofit/>
+          </a:bodyPr>
+          <a:lstStyle/>
+          <a:p>
+            <a:pPr marL="0" lvl="0" indent="0" algn="l" rtl="0">
+              <a:spcBef>
+                <a:spcPts val="0"/>
+              </a:spcBef>
+              <a:spcAft>
+                <a:spcPts val="0"/>
+              </a:spcAft>
+              <a:buNone/>
+            </a:pPr>
+            <a:endParaRPr dirty="0"/>
+          </a:p>
+        </p:txBody>
+      </p:sp>
+      <p:sp>
+        <p:nvSpPr>
+          <p:cNvPr id="219" name="Google Shape;219;g36b3a12114e_2_12:notes">
+            <a:extLst>
+              <a:ext uri="{FF2B5EF4-FFF2-40B4-BE49-F238E27FC236}">
+                <a16:creationId xmlns:a16="http://schemas.microsoft.com/office/drawing/2014/main" id="{E3D83751-A8C4-53FE-D987-1A97381D64C1}"/>
+              </a:ext>
+            </a:extLst>
+          </p:cNvPr>
+          <p:cNvSpPr>
+            <a:spLocks noGrp="1" noRot="1" noChangeAspect="1"/>
+          </p:cNvSpPr>
+          <p:nvPr>
+            <p:ph type="sldImg" idx="2"/>
+          </p:nvPr>
+        </p:nvSpPr>
+        <p:spPr>
+          <a:xfrm>
+            <a:off x="479425" y="1279525"/>
+            <a:ext cx="6140450" cy="3454400"/>
+          </a:xfrm>
+          <a:custGeom>
+            <a:avLst/>
+            <a:gdLst/>
+            <a:ahLst/>
+            <a:cxnLst/>
+            <a:rect l="l" t="t" r="r" b="b"/>
+            <a:pathLst>
+              <a:path w="120000" h="120000" extrusionOk="0">
+                <a:moveTo>
+                  <a:pt x="0" y="0"/>
+                </a:moveTo>
+                <a:lnTo>
+                  <a:pt x="120000" y="0"/>
+                </a:lnTo>
+                <a:lnTo>
+                  <a:pt x="120000" y="120000"/>
+                </a:lnTo>
+                <a:lnTo>
+                  <a:pt x="0" y="120000"/>
+                </a:lnTo>
+                <a:close/>
+              </a:path>
+            </a:pathLst>
+          </a:custGeom>
+        </p:spPr>
+      </p:sp>
+    </p:spTree>
+    <p:extLst>
+      <p:ext uri="{BB962C8B-B14F-4D97-AF65-F5344CB8AC3E}">
+        <p14:creationId xmlns:p14="http://schemas.microsoft.com/office/powerpoint/2010/main" val="4053256016"/>
+      </p:ext>
+    </p:extLst>
+  </p:cSld>
+  <p:clrMapOvr>
+    <a:masterClrMapping/>
+  </p:clrMapOvr>
+</p:notes>
+</file>
+
+<file path=ppt/notesSlides/notesSlide31.xml><?xml version="1.0" encoding="utf-8"?>
+<p:notes xmlns:a="http://schemas.openxmlformats.org/drawingml/2006/main" xmlns:r="http://schemas.openxmlformats.org/officeDocument/2006/relationships" xmlns:p="http://schemas.openxmlformats.org/presentationml/2006/main" showMasterSp="0" showMasterPhAnim="0">
+  <p:cSld>
+    <p:spTree>
+      <p:nvGrpSpPr>
+        <p:cNvPr id="1" name="Shape 217">
+          <a:extLst>
+            <a:ext uri="{FF2B5EF4-FFF2-40B4-BE49-F238E27FC236}">
+              <a16:creationId xmlns:a16="http://schemas.microsoft.com/office/drawing/2014/main" id="{45474B6F-E202-8830-EDD8-62908A99B473}"/>
+            </a:ext>
+          </a:extLst>
+        </p:cNvPr>
+        <p:cNvGrpSpPr/>
+        <p:nvPr/>
+      </p:nvGrpSpPr>
+      <p:grpSpPr>
+        <a:xfrm>
+          <a:off x="0" y="0"/>
+          <a:ext cx="0" cy="0"/>
+          <a:chOff x="0" y="0"/>
+          <a:chExt cx="0" cy="0"/>
+        </a:xfrm>
+      </p:grpSpPr>
+      <p:sp>
+        <p:nvSpPr>
+          <p:cNvPr id="218" name="Google Shape;218;g36b3a12114e_2_12:notes">
+            <a:extLst>
+              <a:ext uri="{FF2B5EF4-FFF2-40B4-BE49-F238E27FC236}">
+                <a16:creationId xmlns:a16="http://schemas.microsoft.com/office/drawing/2014/main" id="{C42260BA-7BF2-F5E0-5A95-375C58B3A9EA}"/>
+              </a:ext>
+            </a:extLst>
+          </p:cNvPr>
+          <p:cNvSpPr txBox="1">
+            <a:spLocks noGrp="1"/>
+          </p:cNvSpPr>
+          <p:nvPr>
+            <p:ph type="body" idx="1"/>
+          </p:nvPr>
+        </p:nvSpPr>
+        <p:spPr>
+          <a:xfrm>
+            <a:off x="709761" y="4925463"/>
+            <a:ext cx="5679900" cy="4029600"/>
+          </a:xfrm>
+          <a:prstGeom prst="rect">
+            <a:avLst/>
+          </a:prstGeom>
+        </p:spPr>
+        <p:txBody>
+          <a:bodyPr spcFirstLastPara="1" wrap="square" lIns="42600" tIns="21300" rIns="42600" bIns="21300" anchor="t" anchorCtr="0">
+            <a:noAutofit/>
+          </a:bodyPr>
+          <a:lstStyle/>
+          <a:p>
+            <a:pPr marL="0" lvl="0" indent="0" algn="l" rtl="0">
+              <a:spcBef>
+                <a:spcPts val="0"/>
+              </a:spcBef>
+              <a:spcAft>
+                <a:spcPts val="0"/>
+              </a:spcAft>
+              <a:buNone/>
+            </a:pPr>
+            <a:endParaRPr dirty="0"/>
+          </a:p>
+        </p:txBody>
+      </p:sp>
+      <p:sp>
+        <p:nvSpPr>
+          <p:cNvPr id="219" name="Google Shape;219;g36b3a12114e_2_12:notes">
+            <a:extLst>
+              <a:ext uri="{FF2B5EF4-FFF2-40B4-BE49-F238E27FC236}">
+                <a16:creationId xmlns:a16="http://schemas.microsoft.com/office/drawing/2014/main" id="{85C62886-0FCE-560C-5D28-856F727E3759}"/>
+              </a:ext>
+            </a:extLst>
+          </p:cNvPr>
+          <p:cNvSpPr>
+            <a:spLocks noGrp="1" noRot="1" noChangeAspect="1"/>
+          </p:cNvSpPr>
+          <p:nvPr>
+            <p:ph type="sldImg" idx="2"/>
+          </p:nvPr>
+        </p:nvSpPr>
+        <p:spPr>
+          <a:xfrm>
+            <a:off x="479425" y="1279525"/>
+            <a:ext cx="6140450" cy="3454400"/>
+          </a:xfrm>
+          <a:custGeom>
+            <a:avLst/>
+            <a:gdLst/>
+            <a:ahLst/>
+            <a:cxnLst/>
+            <a:rect l="l" t="t" r="r" b="b"/>
+            <a:pathLst>
+              <a:path w="120000" h="120000" extrusionOk="0">
+                <a:moveTo>
+                  <a:pt x="0" y="0"/>
+                </a:moveTo>
+                <a:lnTo>
+                  <a:pt x="120000" y="0"/>
+                </a:lnTo>
+                <a:lnTo>
+                  <a:pt x="120000" y="120000"/>
+                </a:lnTo>
+                <a:lnTo>
+                  <a:pt x="0" y="120000"/>
+                </a:lnTo>
+                <a:close/>
+              </a:path>
+            </a:pathLst>
+          </a:custGeom>
+        </p:spPr>
+      </p:sp>
+    </p:spTree>
+    <p:extLst>
+      <p:ext uri="{BB962C8B-B14F-4D97-AF65-F5344CB8AC3E}">
+        <p14:creationId xmlns:p14="http://schemas.microsoft.com/office/powerpoint/2010/main" val="2020380078"/>
+      </p:ext>
+    </p:extLst>
+  </p:cSld>
+  <p:clrMapOvr>
+    <a:masterClrMapping/>
+  </p:clrMapOvr>
+</p:notes>
+</file>
+
+<file path=ppt/notesSlides/notesSlide32.xml><?xml version="1.0" encoding="utf-8"?>
 <p:notes xmlns:a="http://schemas.openxmlformats.org/drawingml/2006/main" xmlns:r="http://schemas.openxmlformats.org/officeDocument/2006/relationships" xmlns:p="http://schemas.openxmlformats.org/presentationml/2006/main" showMasterSp="0" showMasterPhAnim="0">
   <p:cSld>
     <p:spTree>
@@ -4174,7 +5419,7 @@
 </p:notes>
 </file>
 
-<file path=ppt/notesSlides/notesSlide27.xml><?xml version="1.0" encoding="utf-8"?>
+<file path=ppt/notesSlides/notesSlide33.xml><?xml version="1.0" encoding="utf-8"?>
 <p:notes xmlns:a="http://schemas.openxmlformats.org/drawingml/2006/main" xmlns:r="http://schemas.openxmlformats.org/officeDocument/2006/relationships" xmlns:p="http://schemas.openxmlformats.org/presentationml/2006/main" showMasterSp="0" showMasterPhAnim="0">
   <p:cSld>
     <p:spTree>
@@ -4301,7 +5546,7 @@
 </p:notes>
 </file>
 
-<file path=ppt/notesSlides/notesSlide28.xml><?xml version="1.0" encoding="utf-8"?>
+<file path=ppt/notesSlides/notesSlide34.xml><?xml version="1.0" encoding="utf-8"?>
 <p:notes xmlns:a="http://schemas.openxmlformats.org/drawingml/2006/main" xmlns:r="http://schemas.openxmlformats.org/officeDocument/2006/relationships" xmlns:p="http://schemas.openxmlformats.org/presentationml/2006/main" showMasterSp="0" showMasterPhAnim="0">
   <p:cSld>
     <p:spTree>
@@ -4428,7 +5673,7 @@
 </p:notes>
 </file>
 
-<file path=ppt/notesSlides/notesSlide29.xml><?xml version="1.0" encoding="utf-8"?>
+<file path=ppt/notesSlides/notesSlide35.xml><?xml version="1.0" encoding="utf-8"?>
 <p:notes xmlns:a="http://schemas.openxmlformats.org/drawingml/2006/main" xmlns:r="http://schemas.openxmlformats.org/officeDocument/2006/relationships" xmlns:p="http://schemas.openxmlformats.org/presentationml/2006/main" showMasterSp="0" showMasterPhAnim="0">
   <p:cSld>
     <p:spTree>
@@ -4555,111 +5800,7 @@
 </p:notes>
 </file>
 
-<file path=ppt/notesSlides/notesSlide3.xml><?xml version="1.0" encoding="utf-8"?>
-<p:notes xmlns:a="http://schemas.openxmlformats.org/drawingml/2006/main" xmlns:r="http://schemas.openxmlformats.org/officeDocument/2006/relationships" xmlns:p="http://schemas.openxmlformats.org/presentationml/2006/main" showMasterSp="0" showMasterPhAnim="0">
-  <p:cSld>
-    <p:spTree>
-      <p:nvGrpSpPr>
-        <p:cNvPr id="1" name="Shape 190"/>
-        <p:cNvGrpSpPr/>
-        <p:nvPr/>
-      </p:nvGrpSpPr>
-      <p:grpSpPr>
-        <a:xfrm>
-          <a:off x="0" y="0"/>
-          <a:ext cx="0" cy="0"/>
-          <a:chOff x="0" y="0"/>
-          <a:chExt cx="0" cy="0"/>
-        </a:xfrm>
-      </p:grpSpPr>
-      <p:sp>
-        <p:nvSpPr>
-          <p:cNvPr id="191" name="Google Shape;191;g36c2988baa0_0_26:notes"/>
-          <p:cNvSpPr txBox="1">
-            <a:spLocks noGrp="1"/>
-          </p:cNvSpPr>
-          <p:nvPr>
-            <p:ph type="body" idx="1"/>
-          </p:nvPr>
-        </p:nvSpPr>
-        <p:spPr>
-          <a:xfrm>
-            <a:off x="709761" y="4925463"/>
-            <a:ext cx="5679900" cy="4029600"/>
-          </a:xfrm>
-          <a:prstGeom prst="rect">
-            <a:avLst/>
-          </a:prstGeom>
-        </p:spPr>
-        <p:txBody>
-          <a:bodyPr spcFirstLastPara="1" wrap="square" lIns="42600" tIns="21300" rIns="42600" bIns="21300" anchor="t" anchorCtr="0">
-            <a:noAutofit/>
-          </a:bodyPr>
-          <a:lstStyle/>
-          <a:p>
-            <a:pPr marL="0" lvl="0" indent="0" algn="l" rtl="0">
-              <a:spcBef>
-                <a:spcPts val="0"/>
-              </a:spcBef>
-              <a:spcAft>
-                <a:spcPts val="0"/>
-              </a:spcAft>
-              <a:buNone/>
-            </a:pPr>
-            <a:endParaRPr/>
-          </a:p>
-        </p:txBody>
-      </p:sp>
-      <p:sp>
-        <p:nvSpPr>
-          <p:cNvPr id="192" name="Google Shape;192;g36c2988baa0_0_26:notes"/>
-          <p:cNvSpPr>
-            <a:spLocks noGrp="1" noRot="1" noChangeAspect="1"/>
-          </p:cNvSpPr>
-          <p:nvPr>
-            <p:ph type="sldImg" idx="2"/>
-          </p:nvPr>
-        </p:nvSpPr>
-        <p:spPr>
-          <a:xfrm>
-            <a:off x="479425" y="1279525"/>
-            <a:ext cx="6140450" cy="3454400"/>
-          </a:xfrm>
-          <a:custGeom>
-            <a:avLst/>
-            <a:gdLst/>
-            <a:ahLst/>
-            <a:cxnLst/>
-            <a:rect l="l" t="t" r="r" b="b"/>
-            <a:pathLst>
-              <a:path w="120000" h="120000" extrusionOk="0">
-                <a:moveTo>
-                  <a:pt x="0" y="0"/>
-                </a:moveTo>
-                <a:lnTo>
-                  <a:pt x="120000" y="0"/>
-                </a:lnTo>
-                <a:lnTo>
-                  <a:pt x="120000" y="120000"/>
-                </a:lnTo>
-                <a:lnTo>
-                  <a:pt x="0" y="120000"/>
-                </a:lnTo>
-                <a:close/>
-              </a:path>
-            </a:pathLst>
-          </a:custGeom>
-        </p:spPr>
-      </p:sp>
-    </p:spTree>
-  </p:cSld>
-  <p:clrMapOvr>
-    <a:masterClrMapping/>
-  </p:clrMapOvr>
-</p:notes>
-</file>
-
-<file path=ppt/notesSlides/notesSlide30.xml><?xml version="1.0" encoding="utf-8"?>
+<file path=ppt/notesSlides/notesSlide36.xml><?xml version="1.0" encoding="utf-8"?>
 <p:notes xmlns:a="http://schemas.openxmlformats.org/drawingml/2006/main" xmlns:r="http://schemas.openxmlformats.org/officeDocument/2006/relationships" xmlns:p="http://schemas.openxmlformats.org/presentationml/2006/main" showMasterSp="0" showMasterPhAnim="0">
   <p:cSld>
     <p:spTree>
@@ -4786,7 +5927,7 @@
 </p:notes>
 </file>
 
-<file path=ppt/notesSlides/notesSlide31.xml><?xml version="1.0" encoding="utf-8"?>
+<file path=ppt/notesSlides/notesSlide37.xml><?xml version="1.0" encoding="utf-8"?>
 <p:notes xmlns:a="http://schemas.openxmlformats.org/drawingml/2006/main" xmlns:r="http://schemas.openxmlformats.org/officeDocument/2006/relationships" xmlns:p="http://schemas.openxmlformats.org/presentationml/2006/main" showMasterSp="0" showMasterPhAnim="0">
   <p:cSld>
     <p:spTree>
@@ -4913,7 +6054,7 @@
 </p:notes>
 </file>
 
-<file path=ppt/notesSlides/notesSlide32.xml><?xml version="1.0" encoding="utf-8"?>
+<file path=ppt/notesSlides/notesSlide38.xml><?xml version="1.0" encoding="utf-8"?>
 <p:notes xmlns:a="http://schemas.openxmlformats.org/drawingml/2006/main" xmlns:r="http://schemas.openxmlformats.org/officeDocument/2006/relationships" xmlns:p="http://schemas.openxmlformats.org/presentationml/2006/main" showMasterSp="0" showMasterPhAnim="0">
   <p:cSld>
     <p:spTree>
@@ -5042,7 +6183,7 @@
 </p:notes>
 </file>
 
-<file path=ppt/notesSlides/notesSlide33.xml><?xml version="1.0" encoding="utf-8"?>
+<file path=ppt/notesSlides/notesSlide39.xml><?xml version="1.0" encoding="utf-8"?>
 <p:notes xmlns:a="http://schemas.openxmlformats.org/drawingml/2006/main" xmlns:r="http://schemas.openxmlformats.org/officeDocument/2006/relationships" xmlns:p="http://schemas.openxmlformats.org/presentationml/2006/main" showMasterSp="0" showMasterPhAnim="0">
   <p:cSld>
     <p:spTree>
@@ -5171,7 +6312,111 @@
 </p:notes>
 </file>
 
-<file path=ppt/notesSlides/notesSlide34.xml><?xml version="1.0" encoding="utf-8"?>
+<file path=ppt/notesSlides/notesSlide4.xml><?xml version="1.0" encoding="utf-8"?>
+<p:notes xmlns:a="http://schemas.openxmlformats.org/drawingml/2006/main" xmlns:r="http://schemas.openxmlformats.org/officeDocument/2006/relationships" xmlns:p="http://schemas.openxmlformats.org/presentationml/2006/main" showMasterSp="0" showMasterPhAnim="0">
+  <p:cSld>
+    <p:spTree>
+      <p:nvGrpSpPr>
+        <p:cNvPr id="1" name="Shape 217"/>
+        <p:cNvGrpSpPr/>
+        <p:nvPr/>
+      </p:nvGrpSpPr>
+      <p:grpSpPr>
+        <a:xfrm>
+          <a:off x="0" y="0"/>
+          <a:ext cx="0" cy="0"/>
+          <a:chOff x="0" y="0"/>
+          <a:chExt cx="0" cy="0"/>
+        </a:xfrm>
+      </p:grpSpPr>
+      <p:sp>
+        <p:nvSpPr>
+          <p:cNvPr id="218" name="Google Shape;218;g36b3a12114e_2_12:notes"/>
+          <p:cNvSpPr txBox="1">
+            <a:spLocks noGrp="1"/>
+          </p:cNvSpPr>
+          <p:nvPr>
+            <p:ph type="body" idx="1"/>
+          </p:nvPr>
+        </p:nvSpPr>
+        <p:spPr>
+          <a:xfrm>
+            <a:off x="709761" y="4925463"/>
+            <a:ext cx="5679900" cy="4029600"/>
+          </a:xfrm>
+          <a:prstGeom prst="rect">
+            <a:avLst/>
+          </a:prstGeom>
+        </p:spPr>
+        <p:txBody>
+          <a:bodyPr spcFirstLastPara="1" wrap="square" lIns="42600" tIns="21300" rIns="42600" bIns="21300" anchor="t" anchorCtr="0">
+            <a:noAutofit/>
+          </a:bodyPr>
+          <a:lstStyle/>
+          <a:p>
+            <a:pPr marL="0" lvl="0" indent="0" algn="l" rtl="0">
+              <a:spcBef>
+                <a:spcPts val="0"/>
+              </a:spcBef>
+              <a:spcAft>
+                <a:spcPts val="0"/>
+              </a:spcAft>
+              <a:buNone/>
+            </a:pPr>
+            <a:endParaRPr dirty="0"/>
+          </a:p>
+        </p:txBody>
+      </p:sp>
+      <p:sp>
+        <p:nvSpPr>
+          <p:cNvPr id="219" name="Google Shape;219;g36b3a12114e_2_12:notes"/>
+          <p:cNvSpPr>
+            <a:spLocks noGrp="1" noRot="1" noChangeAspect="1"/>
+          </p:cNvSpPr>
+          <p:nvPr>
+            <p:ph type="sldImg" idx="2"/>
+          </p:nvPr>
+        </p:nvSpPr>
+        <p:spPr>
+          <a:xfrm>
+            <a:off x="479425" y="1279525"/>
+            <a:ext cx="6140450" cy="3454400"/>
+          </a:xfrm>
+          <a:custGeom>
+            <a:avLst/>
+            <a:gdLst/>
+            <a:ahLst/>
+            <a:cxnLst/>
+            <a:rect l="l" t="t" r="r" b="b"/>
+            <a:pathLst>
+              <a:path w="120000" h="120000" extrusionOk="0">
+                <a:moveTo>
+                  <a:pt x="0" y="0"/>
+                </a:moveTo>
+                <a:lnTo>
+                  <a:pt x="120000" y="0"/>
+                </a:lnTo>
+                <a:lnTo>
+                  <a:pt x="120000" y="120000"/>
+                </a:lnTo>
+                <a:lnTo>
+                  <a:pt x="0" y="120000"/>
+                </a:lnTo>
+                <a:close/>
+              </a:path>
+            </a:pathLst>
+          </a:custGeom>
+        </p:spPr>
+      </p:sp>
+    </p:spTree>
+  </p:cSld>
+  <p:clrMapOvr>
+    <a:masterClrMapping/>
+  </p:clrMapOvr>
+</p:notes>
+</file>
+
+<file path=ppt/notesSlides/notesSlide40.xml><?xml version="1.0" encoding="utf-8"?>
 <p:notes xmlns:a="http://schemas.openxmlformats.org/drawingml/2006/main" xmlns:r="http://schemas.openxmlformats.org/officeDocument/2006/relationships" xmlns:p="http://schemas.openxmlformats.org/presentationml/2006/main" showMasterSp="0" showMasterPhAnim="0">
   <p:cSld>
     <p:spTree>
@@ -5277,7 +6522,7 @@
 </p:notes>
 </file>
 
-<file path=ppt/notesSlides/notesSlide35.xml><?xml version="1.0" encoding="utf-8"?>
+<file path=ppt/notesSlides/notesSlide41.xml><?xml version="1.0" encoding="utf-8"?>
 <p:notes xmlns:a="http://schemas.openxmlformats.org/drawingml/2006/main" xmlns:r="http://schemas.openxmlformats.org/officeDocument/2006/relationships" xmlns:p="http://schemas.openxmlformats.org/presentationml/2006/main" showMasterSp="0" showMasterPhAnim="0">
   <p:cSld>
     <p:spTree>
@@ -5406,7 +6651,7 @@
 </p:notes>
 </file>
 
-<file path=ppt/notesSlides/notesSlide36.xml><?xml version="1.0" encoding="utf-8"?>
+<file path=ppt/notesSlides/notesSlide42.xml><?xml version="1.0" encoding="utf-8"?>
 <p:notes xmlns:a="http://schemas.openxmlformats.org/drawingml/2006/main" xmlns:r="http://schemas.openxmlformats.org/officeDocument/2006/relationships" xmlns:p="http://schemas.openxmlformats.org/presentationml/2006/main" showMasterSp="0" showMasterPhAnim="0">
   <p:cSld>
     <p:spTree>
@@ -5510,7 +6755,7 @@
 </p:notes>
 </file>
 
-<file path=ppt/notesSlides/notesSlide37.xml><?xml version="1.0" encoding="utf-8"?>
+<file path=ppt/notesSlides/notesSlide43.xml><?xml version="1.0" encoding="utf-8"?>
 <p:notes xmlns:a="http://schemas.openxmlformats.org/drawingml/2006/main" xmlns:r="http://schemas.openxmlformats.org/officeDocument/2006/relationships" xmlns:p="http://schemas.openxmlformats.org/presentationml/2006/main" showMasterSp="0" showMasterPhAnim="0">
   <p:cSld>
     <p:spTree>
@@ -5693,7 +6938,7 @@
 </p:notes>
 </file>
 
-<file path=ppt/notesSlides/notesSlide38.xml><?xml version="1.0" encoding="utf-8"?>
+<file path=ppt/notesSlides/notesSlide44.xml><?xml version="1.0" encoding="utf-8"?>
 <p:notes xmlns:a="http://schemas.openxmlformats.org/drawingml/2006/main" xmlns:r="http://schemas.openxmlformats.org/officeDocument/2006/relationships" xmlns:p="http://schemas.openxmlformats.org/presentationml/2006/main" showMasterSp="0" showMasterPhAnim="0">
   <p:cSld>
     <p:spTree>
@@ -5797,7 +7042,7 @@
 </p:notes>
 </file>
 
-<file path=ppt/notesSlides/notesSlide39.xml><?xml version="1.0" encoding="utf-8"?>
+<file path=ppt/notesSlides/notesSlide45.xml><?xml version="1.0" encoding="utf-8"?>
 <p:notes xmlns:a="http://schemas.openxmlformats.org/drawingml/2006/main" xmlns:r="http://schemas.openxmlformats.org/officeDocument/2006/relationships" xmlns:p="http://schemas.openxmlformats.org/presentationml/2006/main" showMasterSp="0" showMasterPhAnim="0">
   <p:cSld>
     <p:spTree>
@@ -5901,111 +7146,7 @@
 </p:notes>
 </file>
 
-<file path=ppt/notesSlides/notesSlide4.xml><?xml version="1.0" encoding="utf-8"?>
-<p:notes xmlns:a="http://schemas.openxmlformats.org/drawingml/2006/main" xmlns:r="http://schemas.openxmlformats.org/officeDocument/2006/relationships" xmlns:p="http://schemas.openxmlformats.org/presentationml/2006/main" showMasterSp="0" showMasterPhAnim="0">
-  <p:cSld>
-    <p:spTree>
-      <p:nvGrpSpPr>
-        <p:cNvPr id="1" name="Shape 217"/>
-        <p:cNvGrpSpPr/>
-        <p:nvPr/>
-      </p:nvGrpSpPr>
-      <p:grpSpPr>
-        <a:xfrm>
-          <a:off x="0" y="0"/>
-          <a:ext cx="0" cy="0"/>
-          <a:chOff x="0" y="0"/>
-          <a:chExt cx="0" cy="0"/>
-        </a:xfrm>
-      </p:grpSpPr>
-      <p:sp>
-        <p:nvSpPr>
-          <p:cNvPr id="218" name="Google Shape;218;g36b3a12114e_2_12:notes"/>
-          <p:cNvSpPr txBox="1">
-            <a:spLocks noGrp="1"/>
-          </p:cNvSpPr>
-          <p:nvPr>
-            <p:ph type="body" idx="1"/>
-          </p:nvPr>
-        </p:nvSpPr>
-        <p:spPr>
-          <a:xfrm>
-            <a:off x="709761" y="4925463"/>
-            <a:ext cx="5679900" cy="4029600"/>
-          </a:xfrm>
-          <a:prstGeom prst="rect">
-            <a:avLst/>
-          </a:prstGeom>
-        </p:spPr>
-        <p:txBody>
-          <a:bodyPr spcFirstLastPara="1" wrap="square" lIns="42600" tIns="21300" rIns="42600" bIns="21300" anchor="t" anchorCtr="0">
-            <a:noAutofit/>
-          </a:bodyPr>
-          <a:lstStyle/>
-          <a:p>
-            <a:pPr marL="0" lvl="0" indent="0" algn="l" rtl="0">
-              <a:spcBef>
-                <a:spcPts val="0"/>
-              </a:spcBef>
-              <a:spcAft>
-                <a:spcPts val="0"/>
-              </a:spcAft>
-              <a:buNone/>
-            </a:pPr>
-            <a:endParaRPr dirty="0"/>
-          </a:p>
-        </p:txBody>
-      </p:sp>
-      <p:sp>
-        <p:nvSpPr>
-          <p:cNvPr id="219" name="Google Shape;219;g36b3a12114e_2_12:notes"/>
-          <p:cNvSpPr>
-            <a:spLocks noGrp="1" noRot="1" noChangeAspect="1"/>
-          </p:cNvSpPr>
-          <p:nvPr>
-            <p:ph type="sldImg" idx="2"/>
-          </p:nvPr>
-        </p:nvSpPr>
-        <p:spPr>
-          <a:xfrm>
-            <a:off x="479425" y="1279525"/>
-            <a:ext cx="6140450" cy="3454400"/>
-          </a:xfrm>
-          <a:custGeom>
-            <a:avLst/>
-            <a:gdLst/>
-            <a:ahLst/>
-            <a:cxnLst/>
-            <a:rect l="l" t="t" r="r" b="b"/>
-            <a:pathLst>
-              <a:path w="120000" h="120000" extrusionOk="0">
-                <a:moveTo>
-                  <a:pt x="0" y="0"/>
-                </a:moveTo>
-                <a:lnTo>
-                  <a:pt x="120000" y="0"/>
-                </a:lnTo>
-                <a:lnTo>
-                  <a:pt x="120000" y="120000"/>
-                </a:lnTo>
-                <a:lnTo>
-                  <a:pt x="0" y="120000"/>
-                </a:lnTo>
-                <a:close/>
-              </a:path>
-            </a:pathLst>
-          </a:custGeom>
-        </p:spPr>
-      </p:sp>
-    </p:spTree>
-  </p:cSld>
-  <p:clrMapOvr>
-    <a:masterClrMapping/>
-  </p:clrMapOvr>
-</p:notes>
-</file>
-
-<file path=ppt/notesSlides/notesSlide40.xml><?xml version="1.0" encoding="utf-8"?>
+<file path=ppt/notesSlides/notesSlide46.xml><?xml version="1.0" encoding="utf-8"?>
 <p:notes xmlns:a="http://schemas.openxmlformats.org/drawingml/2006/main" xmlns:r="http://schemas.openxmlformats.org/officeDocument/2006/relationships" xmlns:p="http://schemas.openxmlformats.org/presentationml/2006/main" showMasterSp="0" showMasterPhAnim="0">
   <p:cSld>
     <p:spTree>
@@ -6109,7 +7250,7 @@
 </p:notes>
 </file>
 
-<file path=ppt/notesSlides/notesSlide41.xml><?xml version="1.0" encoding="utf-8"?>
+<file path=ppt/notesSlides/notesSlide47.xml><?xml version="1.0" encoding="utf-8"?>
 <p:notes xmlns:a="http://schemas.openxmlformats.org/drawingml/2006/main" xmlns:r="http://schemas.openxmlformats.org/officeDocument/2006/relationships" xmlns:p="http://schemas.openxmlformats.org/presentationml/2006/main" showMasterSp="0" showMasterPhAnim="0">
   <p:cSld>
     <p:spTree>
@@ -6248,7 +7389,7 @@
 </p:notes>
 </file>
 
-<file path=ppt/notesSlides/notesSlide42.xml><?xml version="1.0" encoding="utf-8"?>
+<file path=ppt/notesSlides/notesSlide48.xml><?xml version="1.0" encoding="utf-8"?>
 <p:notes xmlns:a="http://schemas.openxmlformats.org/drawingml/2006/main" xmlns:r="http://schemas.openxmlformats.org/officeDocument/2006/relationships" xmlns:p="http://schemas.openxmlformats.org/presentationml/2006/main" showMasterSp="0" showMasterPhAnim="0">
   <p:cSld>
     <p:spTree>
@@ -6378,7 +7519,7 @@
 </p:notes>
 </file>
 
-<file path=ppt/notesSlides/notesSlide43.xml><?xml version="1.0" encoding="utf-8"?>
+<file path=ppt/notesSlides/notesSlide49.xml><?xml version="1.0" encoding="utf-8"?>
 <p:notes xmlns:a="http://schemas.openxmlformats.org/drawingml/2006/main" xmlns:r="http://schemas.openxmlformats.org/officeDocument/2006/relationships" xmlns:p="http://schemas.openxmlformats.org/presentationml/2006/main" showMasterSp="0" showMasterPhAnim="0">
   <p:cSld>
     <p:spTree>
@@ -8278,7 +9419,7 @@
             </a:pPr>
             <a:fld id="{00000000-1234-1234-1234-123412341234}" type="slidenum">
               <a:rPr lang="de-DE"/>
-              <a:t>‹Nr.›</a:t>
+              <a:t>‹#›</a:t>
             </a:fld>
             <a:endParaRPr/>
           </a:p>
@@ -8923,7 +10064,7 @@
             </a:pPr>
             <a:fld id="{00000000-1234-1234-1234-123412341234}" type="slidenum">
               <a:rPr lang="de-DE"/>
-              <a:t>‹Nr.›</a:t>
+              <a:t>‹#›</a:t>
             </a:fld>
             <a:endParaRPr/>
           </a:p>
@@ -9058,7 +10199,7 @@
             </a:pPr>
             <a:fld id="{00000000-1234-1234-1234-123412341234}" type="slidenum">
               <a:rPr lang="de-DE"/>
-              <a:t>‹Nr.›</a:t>
+              <a:t>‹#›</a:t>
             </a:fld>
             <a:endParaRPr/>
           </a:p>
@@ -10254,7 +11395,7 @@
             </a:pPr>
             <a:fld id="{00000000-1234-1234-1234-123412341234}" type="slidenum">
               <a:rPr lang="de-DE"/>
-              <a:t>‹Nr.›</a:t>
+              <a:t>‹#›</a:t>
             </a:fld>
             <a:endParaRPr/>
           </a:p>
@@ -10570,7 +11711,7 @@
             </a:pPr>
             <a:fld id="{00000000-1234-1234-1234-123412341234}" type="slidenum">
               <a:rPr lang="de-DE"/>
-              <a:t>‹Nr.›</a:t>
+              <a:t>‹#›</a:t>
             </a:fld>
             <a:endParaRPr/>
           </a:p>
@@ -14147,7 +15288,7 @@
             </a:pPr>
             <a:fld id="{00000000-1234-1234-1234-123412341234}" type="slidenum">
               <a:rPr lang="de-DE"/>
-              <a:t>‹Nr.›</a:t>
+              <a:t>‹#›</a:t>
             </a:fld>
             <a:endParaRPr/>
           </a:p>
@@ -15103,7 +16244,7 @@
             </a:pPr>
             <a:fld id="{00000000-1234-1234-1234-123412341234}" type="slidenum">
               <a:rPr lang="de-DE"/>
-              <a:t>‹Nr.›</a:t>
+              <a:t>‹#›</a:t>
             </a:fld>
             <a:endParaRPr/>
           </a:p>
@@ -15649,7 +16790,7 @@
             </a:pPr>
             <a:fld id="{00000000-1234-1234-1234-123412341234}" type="slidenum">
               <a:rPr lang="de-DE"/>
-              <a:t>‹Nr.›</a:t>
+              <a:t>‹#›</a:t>
             </a:fld>
             <a:endParaRPr/>
           </a:p>
@@ -15917,7 +17058,7 @@
             </a:pPr>
             <a:fld id="{00000000-1234-1234-1234-123412341234}" type="slidenum">
               <a:rPr lang="de-DE"/>
-              <a:t>‹Nr.›</a:t>
+              <a:t>‹#›</a:t>
             </a:fld>
             <a:endParaRPr/>
           </a:p>
@@ -16529,7 +17670,7 @@
             </a:pPr>
             <a:fld id="{00000000-1234-1234-1234-123412341234}" type="slidenum">
               <a:rPr lang="de-DE"/>
-              <a:t>‹Nr.›</a:t>
+              <a:t>‹#›</a:t>
             </a:fld>
             <a:endParaRPr/>
           </a:p>
@@ -17440,7 +18581,7 @@
             </a:pPr>
             <a:fld id="{00000000-1234-1234-1234-123412341234}" type="slidenum">
               <a:rPr lang="de-DE"/>
-              <a:t>‹Nr.›</a:t>
+              <a:t>‹#›</a:t>
             </a:fld>
             <a:endParaRPr/>
           </a:p>
@@ -19340,6 +20481,386 @@
         <p:cNvPr id="1" name="Shape 220">
           <a:extLst>
             <a:ext uri="{FF2B5EF4-FFF2-40B4-BE49-F238E27FC236}">
+              <a16:creationId xmlns:a16="http://schemas.microsoft.com/office/drawing/2014/main" id="{2CF7557A-4707-BE8B-9E4C-E59E71C5EDB4}"/>
+            </a:ext>
+          </a:extLst>
+        </p:cNvPr>
+        <p:cNvGrpSpPr/>
+        <p:nvPr/>
+      </p:nvGrpSpPr>
+      <p:grpSpPr>
+        <a:xfrm>
+          <a:off x="0" y="0"/>
+          <a:ext cx="0" cy="0"/>
+          <a:chOff x="0" y="0"/>
+          <a:chExt cx="0" cy="0"/>
+        </a:xfrm>
+      </p:grpSpPr>
+      <p:sp>
+        <p:nvSpPr>
+          <p:cNvPr id="221" name="Google Shape;221;p17">
+            <a:extLst>
+              <a:ext uri="{FF2B5EF4-FFF2-40B4-BE49-F238E27FC236}">
+                <a16:creationId xmlns:a16="http://schemas.microsoft.com/office/drawing/2014/main" id="{AB34922C-BF5D-A646-011F-8167E91B2312}"/>
+              </a:ext>
+            </a:extLst>
+          </p:cNvPr>
+          <p:cNvSpPr txBox="1">
+            <a:spLocks noGrp="1"/>
+          </p:cNvSpPr>
+          <p:nvPr>
+            <p:ph type="title"/>
+          </p:nvPr>
+        </p:nvSpPr>
+        <p:spPr>
+          <a:xfrm>
+            <a:off x="560" y="1"/>
+            <a:ext cx="5745900" cy="520200"/>
+          </a:xfrm>
+          <a:prstGeom prst="rect">
+            <a:avLst/>
+          </a:prstGeom>
+          <a:noFill/>
+          <a:ln>
+            <a:noFill/>
+          </a:ln>
+        </p:spPr>
+        <p:txBody>
+          <a:bodyPr spcFirstLastPara="1" wrap="square" lIns="144000" tIns="0" rIns="91425" bIns="0" anchor="ctr" anchorCtr="0">
+            <a:normAutofit/>
+          </a:bodyPr>
+          <a:lstStyle/>
+          <a:p>
+            <a:pPr lvl="0"/>
+            <a:r>
+              <a:rPr lang="en-US" dirty="0"/>
+              <a:t>Methodology</a:t>
+            </a:r>
+            <a:endParaRPr lang="en-US" noProof="0" dirty="0"/>
+          </a:p>
+        </p:txBody>
+      </p:sp>
+      <p:sp>
+        <p:nvSpPr>
+          <p:cNvPr id="222" name="Google Shape;222;p17">
+            <a:extLst>
+              <a:ext uri="{FF2B5EF4-FFF2-40B4-BE49-F238E27FC236}">
+                <a16:creationId xmlns:a16="http://schemas.microsoft.com/office/drawing/2014/main" id="{FEFF67F4-F005-FDA0-924F-2A41CD312160}"/>
+              </a:ext>
+            </a:extLst>
+          </p:cNvPr>
+          <p:cNvSpPr txBox="1">
+            <a:spLocks noGrp="1"/>
+          </p:cNvSpPr>
+          <p:nvPr>
+            <p:ph type="body" idx="4294967295"/>
+          </p:nvPr>
+        </p:nvSpPr>
+        <p:spPr>
+          <a:xfrm>
+            <a:off x="359999" y="752800"/>
+            <a:ext cx="8424000" cy="3637890"/>
+          </a:xfrm>
+          <a:prstGeom prst="rect">
+            <a:avLst/>
+          </a:prstGeom>
+          <a:noFill/>
+          <a:ln>
+            <a:noFill/>
+          </a:ln>
+        </p:spPr>
+        <p:txBody>
+          <a:bodyPr spcFirstLastPara="1" wrap="square" lIns="91425" tIns="45700" rIns="91425" bIns="45700" anchor="t" anchorCtr="0">
+            <a:normAutofit/>
+          </a:bodyPr>
+          <a:lstStyle/>
+          <a:p>
+            <a:pPr lvl="0" indent="-338400">
+              <a:lnSpc>
+                <a:spcPct val="95000"/>
+              </a:lnSpc>
+              <a:spcBef>
+                <a:spcPts val="1200"/>
+              </a:spcBef>
+              <a:buNone/>
+            </a:pPr>
+            <a:r>
+              <a:rPr lang="en-US" sz="1700" dirty="0"/>
+              <a:t>Clustering with DBSCAN</a:t>
+            </a:r>
+          </a:p>
+          <a:p>
+            <a:pPr indent="-338400">
+              <a:lnSpc>
+                <a:spcPct val="95000"/>
+              </a:lnSpc>
+              <a:spcBef>
+                <a:spcPts val="1200"/>
+              </a:spcBef>
+            </a:pPr>
+            <a:r>
+              <a:rPr lang="en-US" sz="1700" dirty="0"/>
+              <a:t>“Density-Based Spatial Clustering of Applications with Noise”</a:t>
+            </a:r>
+          </a:p>
+          <a:p>
+            <a:pPr indent="-338400">
+              <a:lnSpc>
+                <a:spcPct val="95000"/>
+              </a:lnSpc>
+              <a:spcBef>
+                <a:spcPts val="1200"/>
+              </a:spcBef>
+            </a:pPr>
+            <a:r>
+              <a:rPr lang="en-US" sz="1700" dirty="0"/>
+              <a:t>Training an autoencoder to reproduce the input</a:t>
+            </a:r>
+          </a:p>
+          <a:p>
+            <a:pPr indent="-338400">
+              <a:lnSpc>
+                <a:spcPct val="95000"/>
+              </a:lnSpc>
+              <a:spcBef>
+                <a:spcPts val="1200"/>
+              </a:spcBef>
+            </a:pPr>
+            <a:r>
+              <a:rPr lang="en-US" sz="1700" dirty="0"/>
+              <a:t>The trained encoder-part is used to transform inputs </a:t>
+            </a:r>
+            <a:br>
+              <a:rPr lang="en-US" sz="1700" dirty="0"/>
+            </a:br>
+            <a:r>
+              <a:rPr lang="en-US" sz="1700" dirty="0"/>
+              <a:t>into latent-space</a:t>
+            </a:r>
+          </a:p>
+          <a:p>
+            <a:pPr indent="-338400">
+              <a:lnSpc>
+                <a:spcPct val="95000"/>
+              </a:lnSpc>
+              <a:spcBef>
+                <a:spcPts val="1200"/>
+              </a:spcBef>
+            </a:pPr>
+            <a:endParaRPr lang="en-US" sz="1700" dirty="0"/>
+          </a:p>
+          <a:p>
+            <a:pPr indent="-338400">
+              <a:lnSpc>
+                <a:spcPct val="95000"/>
+              </a:lnSpc>
+              <a:spcBef>
+                <a:spcPts val="1200"/>
+              </a:spcBef>
+            </a:pPr>
+            <a:r>
+              <a:rPr lang="en-US" sz="1700" dirty="0"/>
+              <a:t>Grouping together points that are closely packed</a:t>
+            </a:r>
+          </a:p>
+          <a:p>
+            <a:pPr indent="-338400">
+              <a:lnSpc>
+                <a:spcPct val="95000"/>
+              </a:lnSpc>
+              <a:spcBef>
+                <a:spcPts val="1200"/>
+              </a:spcBef>
+            </a:pPr>
+            <a:r>
+              <a:rPr lang="en-US" sz="1700" dirty="0"/>
+              <a:t>Marking those as outliers that lie alone in low-density regions</a:t>
+            </a:r>
+          </a:p>
+          <a:p>
+            <a:pPr indent="-338400">
+              <a:lnSpc>
+                <a:spcPct val="95000"/>
+              </a:lnSpc>
+              <a:spcBef>
+                <a:spcPts val="1200"/>
+              </a:spcBef>
+            </a:pPr>
+            <a:endParaRPr lang="en-US" sz="1700" dirty="0"/>
+          </a:p>
+        </p:txBody>
+      </p:sp>
+      <p:sp>
+        <p:nvSpPr>
+          <p:cNvPr id="223" name="Google Shape;223;p17">
+            <a:extLst>
+              <a:ext uri="{FF2B5EF4-FFF2-40B4-BE49-F238E27FC236}">
+                <a16:creationId xmlns:a16="http://schemas.microsoft.com/office/drawing/2014/main" id="{01ED259F-69C7-A279-CD1E-B33ED029BDD3}"/>
+              </a:ext>
+            </a:extLst>
+          </p:cNvPr>
+          <p:cNvSpPr txBox="1">
+            <a:spLocks noGrp="1"/>
+          </p:cNvSpPr>
+          <p:nvPr>
+            <p:ph type="sldNum" idx="12"/>
+          </p:nvPr>
+        </p:nvSpPr>
+        <p:spPr>
+          <a:xfrm>
+            <a:off x="8001764" y="4972052"/>
+            <a:ext cx="857400" cy="171300"/>
+          </a:xfrm>
+          <a:prstGeom prst="rect">
+            <a:avLst/>
+          </a:prstGeom>
+          <a:noFill/>
+          <a:ln>
+            <a:noFill/>
+          </a:ln>
+        </p:spPr>
+        <p:txBody>
+          <a:bodyPr spcFirstLastPara="1" wrap="square" lIns="91425" tIns="45700" rIns="0" bIns="45700" anchor="ctr" anchorCtr="0">
+            <a:noAutofit/>
+          </a:bodyPr>
+          <a:lstStyle/>
+          <a:p>
+            <a:pPr marL="0" lvl="0" indent="0" algn="r" rtl="0">
+              <a:spcBef>
+                <a:spcPts val="0"/>
+              </a:spcBef>
+              <a:spcAft>
+                <a:spcPts val="0"/>
+              </a:spcAft>
+              <a:buNone/>
+            </a:pPr>
+            <a:fld id="{00000000-1234-1234-1234-123412341234}" type="slidenum">
+              <a:rPr lang="en-US" noProof="0" smtClean="0"/>
+              <a:t>12</a:t>
+            </a:fld>
+            <a:endParaRPr lang="en-US" noProof="0" dirty="0"/>
+          </a:p>
+        </p:txBody>
+      </p:sp>
+      <p:sp>
+        <p:nvSpPr>
+          <p:cNvPr id="224" name="Google Shape;224;p17">
+            <a:extLst>
+              <a:ext uri="{FF2B5EF4-FFF2-40B4-BE49-F238E27FC236}">
+                <a16:creationId xmlns:a16="http://schemas.microsoft.com/office/drawing/2014/main" id="{114A4445-CE01-E257-21E4-D3886A458F24}"/>
+              </a:ext>
+            </a:extLst>
+          </p:cNvPr>
+          <p:cNvSpPr txBox="1"/>
+          <p:nvPr/>
+        </p:nvSpPr>
+        <p:spPr>
+          <a:xfrm>
+            <a:off x="87475" y="4904250"/>
+            <a:ext cx="3967500" cy="306900"/>
+          </a:xfrm>
+          <a:prstGeom prst="rect">
+            <a:avLst/>
+          </a:prstGeom>
+          <a:noFill/>
+          <a:ln>
+            <a:noFill/>
+          </a:ln>
+        </p:spPr>
+        <p:txBody>
+          <a:bodyPr spcFirstLastPara="1" wrap="square" lIns="91425" tIns="91425" rIns="91425" bIns="91425" anchor="t" anchorCtr="0">
+            <a:spAutoFit/>
+          </a:bodyPr>
+          <a:lstStyle/>
+          <a:p>
+            <a:pPr marL="0" lvl="0" indent="0" algn="l" rtl="0">
+              <a:spcBef>
+                <a:spcPts val="0"/>
+              </a:spcBef>
+              <a:spcAft>
+                <a:spcPts val="0"/>
+              </a:spcAft>
+              <a:buNone/>
+            </a:pPr>
+            <a:r>
+              <a:rPr lang="en-US" sz="794" b="1" noProof="0" dirty="0">
+                <a:solidFill>
+                  <a:schemeClr val="lt1"/>
+                </a:solidFill>
+              </a:rPr>
+              <a:t>Peak Detection in Time Series | N. Weidemann, N. Wijemanne</a:t>
+            </a:r>
+          </a:p>
+        </p:txBody>
+      </p:sp>
+      <p:pic>
+        <p:nvPicPr>
+          <p:cNvPr id="4" name="Picture 4">
+            <a:extLst>
+              <a:ext uri="{FF2B5EF4-FFF2-40B4-BE49-F238E27FC236}">
+                <a16:creationId xmlns:a16="http://schemas.microsoft.com/office/drawing/2014/main" id="{19369C6B-C0E6-C348-BB61-E9CE47636801}"/>
+              </a:ext>
+            </a:extLst>
+          </p:cNvPr>
+          <p:cNvPicPr>
+            <a:picLocks noChangeAspect="1" noChangeArrowheads="1"/>
+          </p:cNvPicPr>
+          <p:nvPr/>
+        </p:nvPicPr>
+        <p:blipFill rotWithShape="1">
+          <a:blip r:embed="rId3">
+            <a:extLst>
+              <a:ext uri="{28A0092B-C50C-407E-A947-70E740481C1C}">
+                <a14:useLocalDpi xmlns:a14="http://schemas.microsoft.com/office/drawing/2010/main" val="0"/>
+              </a:ext>
+            </a:extLst>
+          </a:blip>
+          <a:srcRect l="53184" t="6186" r="344"/>
+          <a:stretch>
+            <a:fillRect/>
+          </a:stretch>
+        </p:blipFill>
+        <p:spPr bwMode="auto">
+          <a:xfrm>
+            <a:off x="6984158" y="951571"/>
+            <a:ext cx="1446306" cy="1975329"/>
+          </a:xfrm>
+          <a:prstGeom prst="rect">
+            <a:avLst/>
+          </a:prstGeom>
+          <a:noFill/>
+          <a:extLst>
+            <a:ext uri="{909E8E84-426E-40DD-AFC4-6F175D3DCCD1}">
+              <a14:hiddenFill xmlns:a14="http://schemas.microsoft.com/office/drawing/2010/main">
+                <a:solidFill>
+                  <a:srgbClr val="FFFFFF"/>
+                </a:solidFill>
+              </a14:hiddenFill>
+            </a:ext>
+          </a:extLst>
+        </p:spPr>
+      </p:pic>
+    </p:spTree>
+    <p:extLst>
+      <p:ext uri="{BB962C8B-B14F-4D97-AF65-F5344CB8AC3E}">
+        <p14:creationId xmlns:p14="http://schemas.microsoft.com/office/powerpoint/2010/main" val="3880413557"/>
+      </p:ext>
+    </p:extLst>
+  </p:cSld>
+  <p:clrMapOvr>
+    <a:masterClrMapping/>
+  </p:clrMapOvr>
+</p:sld>
+</file>
+
+<file path=ppt/slides/slide13.xml><?xml version="1.0" encoding="utf-8"?>
+<p:sld xmlns:a="http://schemas.openxmlformats.org/drawingml/2006/main" xmlns:r="http://schemas.openxmlformats.org/officeDocument/2006/relationships" xmlns:p="http://schemas.openxmlformats.org/presentationml/2006/main">
+  <p:cSld>
+    <p:spTree>
+      <p:nvGrpSpPr>
+        <p:cNvPr id="1" name="Shape 220">
+          <a:extLst>
+            <a:ext uri="{FF2B5EF4-FFF2-40B4-BE49-F238E27FC236}">
               <a16:creationId xmlns:a16="http://schemas.microsoft.com/office/drawing/2014/main" id="{E73B6B48-5DBE-2AF8-57CC-4C3B632636D8}"/>
             </a:ext>
           </a:extLst>
@@ -19417,8 +20938,8 @@
         </p:nvSpPr>
         <p:spPr>
           <a:xfrm>
-            <a:off x="359999" y="752800"/>
-            <a:ext cx="8424000" cy="3637890"/>
+            <a:off x="359998" y="752800"/>
+            <a:ext cx="5518287" cy="3637890"/>
           </a:xfrm>
           <a:prstGeom prst="rect">
             <a:avLst/>
@@ -19445,7 +20966,7 @@
             </a:pPr>
             <a:r>
               <a:rPr lang="en-US" sz="1700" dirty="0"/>
-              <a:t>Clustering with DBSCAN</a:t>
+              <a:t>Isolation Tree</a:t>
             </a:r>
           </a:p>
           <a:p>
@@ -19459,7 +20980,7 @@
             </a:pPr>
             <a:r>
               <a:rPr lang="en-US" sz="1700" dirty="0"/>
-              <a:t>“Density-Based Spatial Clustering of Applications with Noise”</a:t>
+              <a:t>Robust for detecting outliers and noise within the data, both positive and negative. </a:t>
             </a:r>
           </a:p>
           <a:p>
@@ -19473,7 +20994,7 @@
             </a:pPr>
             <a:r>
               <a:rPr lang="en-US" sz="1700" dirty="0"/>
-              <a:t>Training an autoencoder to reproduce the input</a:t>
+              <a:t>Does not assume the distribution of the data and useful for high dimensional datasets. </a:t>
             </a:r>
           </a:p>
           <a:p>
@@ -19485,55 +21006,20 @@
                 <a:spcPts val="1200"/>
               </a:spcBef>
             </a:pPr>
+            <a:endParaRPr lang="en-US" sz="1700" dirty="0"/>
+          </a:p>
+          <a:p>
+            <a:pPr indent="-338400">
+              <a:lnSpc>
+                <a:spcPct val="95000"/>
+              </a:lnSpc>
+              <a:spcBef>
+                <a:spcPts val="1200"/>
+              </a:spcBef>
+            </a:pPr>
             <a:r>
               <a:rPr lang="en-US" sz="1700" dirty="0"/>
-              <a:t>The trained encoder-part is used to transform inputs </a:t>
-            </a:r>
-            <a:br>
-              <a:rPr lang="en-US" sz="1700" dirty="0"/>
-            </a:br>
-            <a:r>
-              <a:rPr lang="en-US" sz="1700" dirty="0"/>
-              <a:t>into latent-space</a:t>
-            </a:r>
-          </a:p>
-          <a:p>
-            <a:pPr indent="-338400">
-              <a:lnSpc>
-                <a:spcPct val="95000"/>
-              </a:lnSpc>
-              <a:spcBef>
-                <a:spcPts val="1200"/>
-              </a:spcBef>
-            </a:pPr>
-            <a:endParaRPr lang="en-US" sz="1700" dirty="0"/>
-          </a:p>
-          <a:p>
-            <a:pPr indent="-338400">
-              <a:lnSpc>
-                <a:spcPct val="95000"/>
-              </a:lnSpc>
-              <a:spcBef>
-                <a:spcPts val="1200"/>
-              </a:spcBef>
-            </a:pPr>
-            <a:r>
-              <a:rPr lang="en-US" sz="1700" dirty="0"/>
-              <a:t>Grouping together points that are closely packed</a:t>
-            </a:r>
-          </a:p>
-          <a:p>
-            <a:pPr indent="-338400">
-              <a:lnSpc>
-                <a:spcPct val="95000"/>
-              </a:lnSpc>
-              <a:spcBef>
-                <a:spcPts val="1200"/>
-              </a:spcBef>
-            </a:pPr>
-            <a:r>
-              <a:rPr lang="en-US" sz="1700" dirty="0"/>
-              <a:t>Marking those as outliers that lie alone in low-density regions</a:t>
+              <a:t>However, since it was not built for timeseries data, feature engineering was done to provide more temporal context. </a:t>
             </a:r>
           </a:p>
           <a:p>
@@ -19595,7 +21081,7 @@
             </a:pPr>
             <a:fld id="{00000000-1234-1234-1234-123412341234}" type="slidenum">
               <a:rPr lang="en-US" noProof="0" smtClean="0"/>
-              <a:t>12</a:t>
+              <a:t>13</a:t>
             </a:fld>
             <a:endParaRPr lang="en-US" noProof="0" dirty="0"/>
           </a:p>
@@ -19654,10 +21140,10 @@
       </p:sp>
       <p:pic>
         <p:nvPicPr>
-          <p:cNvPr id="4" name="Picture 4">
+          <p:cNvPr id="1028" name="Picture 4" descr="Anomaly Detection: Isolation Forest Tree">
             <a:extLst>
               <a:ext uri="{FF2B5EF4-FFF2-40B4-BE49-F238E27FC236}">
-                <a16:creationId xmlns:a16="http://schemas.microsoft.com/office/drawing/2014/main" id="{0DDB024A-1BD4-417C-3BD5-62730B80A568}"/>
+                <a16:creationId xmlns:a16="http://schemas.microsoft.com/office/drawing/2014/main" id="{85FCBFA1-8EC9-4D76-2D00-F1FE5BD7E32D}"/>
               </a:ext>
             </a:extLst>
           </p:cNvPr>
@@ -19674,15 +21160,15 @@
               </a:ext>
             </a:extLst>
           </a:blip>
-          <a:srcRect l="53184" t="6186" r="344"/>
+          <a:srcRect r="8408"/>
           <a:stretch>
             <a:fillRect/>
           </a:stretch>
         </p:blipFill>
         <p:spPr bwMode="auto">
           <a:xfrm>
-            <a:off x="6984158" y="951571"/>
-            <a:ext cx="1446306" cy="1975329"/>
+            <a:off x="5746461" y="900650"/>
+            <a:ext cx="3315038" cy="2158809"/>
           </a:xfrm>
           <a:prstGeom prst="rect">
             <a:avLst/>
@@ -19712,7 +21198,366 @@
 </p:sld>
 </file>
 
-<file path=ppt/slides/slide13.xml><?xml version="1.0" encoding="utf-8"?>
+<file path=ppt/slides/slide14.xml><?xml version="1.0" encoding="utf-8"?>
+<p:sld xmlns:a="http://schemas.openxmlformats.org/drawingml/2006/main" xmlns:r="http://schemas.openxmlformats.org/officeDocument/2006/relationships" xmlns:p="http://schemas.openxmlformats.org/presentationml/2006/main">
+  <p:cSld>
+    <p:spTree>
+      <p:nvGrpSpPr>
+        <p:cNvPr id="1" name="Shape 220">
+          <a:extLst>
+            <a:ext uri="{FF2B5EF4-FFF2-40B4-BE49-F238E27FC236}">
+              <a16:creationId xmlns:a16="http://schemas.microsoft.com/office/drawing/2014/main" id="{996F92FD-FB96-1F89-0FC0-EE3A46F257A8}"/>
+            </a:ext>
+          </a:extLst>
+        </p:cNvPr>
+        <p:cNvGrpSpPr/>
+        <p:nvPr/>
+      </p:nvGrpSpPr>
+      <p:grpSpPr>
+        <a:xfrm>
+          <a:off x="0" y="0"/>
+          <a:ext cx="0" cy="0"/>
+          <a:chOff x="0" y="0"/>
+          <a:chExt cx="0" cy="0"/>
+        </a:xfrm>
+      </p:grpSpPr>
+      <p:sp>
+        <p:nvSpPr>
+          <p:cNvPr id="221" name="Google Shape;221;p17">
+            <a:extLst>
+              <a:ext uri="{FF2B5EF4-FFF2-40B4-BE49-F238E27FC236}">
+                <a16:creationId xmlns:a16="http://schemas.microsoft.com/office/drawing/2014/main" id="{A1CEEF5A-A71E-E769-6F5B-4A5FDE236957}"/>
+              </a:ext>
+            </a:extLst>
+          </p:cNvPr>
+          <p:cNvSpPr txBox="1">
+            <a:spLocks noGrp="1"/>
+          </p:cNvSpPr>
+          <p:nvPr>
+            <p:ph type="title"/>
+          </p:nvPr>
+        </p:nvSpPr>
+        <p:spPr>
+          <a:xfrm>
+            <a:off x="560" y="1"/>
+            <a:ext cx="5745900" cy="520200"/>
+          </a:xfrm>
+          <a:prstGeom prst="rect">
+            <a:avLst/>
+          </a:prstGeom>
+          <a:noFill/>
+          <a:ln>
+            <a:noFill/>
+          </a:ln>
+        </p:spPr>
+        <p:txBody>
+          <a:bodyPr spcFirstLastPara="1" wrap="square" lIns="144000" tIns="0" rIns="91425" bIns="0" anchor="ctr" anchorCtr="0">
+            <a:normAutofit/>
+          </a:bodyPr>
+          <a:lstStyle/>
+          <a:p>
+            <a:pPr lvl="0"/>
+            <a:r>
+              <a:rPr lang="en-US" dirty="0"/>
+              <a:t>Methodology</a:t>
+            </a:r>
+            <a:endParaRPr lang="en-US" noProof="0" dirty="0"/>
+          </a:p>
+        </p:txBody>
+      </p:sp>
+      <p:sp>
+        <p:nvSpPr>
+          <p:cNvPr id="222" name="Google Shape;222;p17">
+            <a:extLst>
+              <a:ext uri="{FF2B5EF4-FFF2-40B4-BE49-F238E27FC236}">
+                <a16:creationId xmlns:a16="http://schemas.microsoft.com/office/drawing/2014/main" id="{3BC9DF07-4608-3B03-98AD-2E7B9D8596F4}"/>
+              </a:ext>
+            </a:extLst>
+          </p:cNvPr>
+          <p:cNvSpPr txBox="1">
+            <a:spLocks noGrp="1"/>
+          </p:cNvSpPr>
+          <p:nvPr>
+            <p:ph type="body" idx="4294967295"/>
+          </p:nvPr>
+        </p:nvSpPr>
+        <p:spPr>
+          <a:xfrm>
+            <a:off x="359998" y="752800"/>
+            <a:ext cx="5518287" cy="3637890"/>
+          </a:xfrm>
+          <a:prstGeom prst="rect">
+            <a:avLst/>
+          </a:prstGeom>
+          <a:noFill/>
+          <a:ln>
+            <a:noFill/>
+          </a:ln>
+        </p:spPr>
+        <p:txBody>
+          <a:bodyPr spcFirstLastPara="1" wrap="square" lIns="91425" tIns="45700" rIns="91425" bIns="45700" anchor="t" anchorCtr="0">
+            <a:normAutofit/>
+          </a:bodyPr>
+          <a:lstStyle/>
+          <a:p>
+            <a:pPr lvl="0" indent="-338400">
+              <a:lnSpc>
+                <a:spcPct val="95000"/>
+              </a:lnSpc>
+              <a:spcBef>
+                <a:spcPts val="1200"/>
+              </a:spcBef>
+              <a:buNone/>
+            </a:pPr>
+            <a:r>
+              <a:rPr lang="en-US" sz="1700" dirty="0"/>
+              <a:t>Encoder-Decoder </a:t>
+            </a:r>
+          </a:p>
+          <a:p>
+            <a:pPr indent="-338400">
+              <a:lnSpc>
+                <a:spcPct val="95000"/>
+              </a:lnSpc>
+              <a:spcBef>
+                <a:spcPts val="1200"/>
+              </a:spcBef>
+            </a:pPr>
+            <a:r>
+              <a:rPr lang="en-US" sz="1700" dirty="0"/>
+              <a:t>Detects anomalies for multivariate timeseries data by learning non-linear patterns </a:t>
+            </a:r>
+          </a:p>
+          <a:p>
+            <a:pPr indent="-338400">
+              <a:lnSpc>
+                <a:spcPct val="95000"/>
+              </a:lnSpc>
+              <a:spcBef>
+                <a:spcPts val="1200"/>
+              </a:spcBef>
+            </a:pPr>
+            <a:r>
+              <a:rPr lang="en-US" sz="1700" dirty="0"/>
+              <a:t>LSTMs – designed for sequences</a:t>
+            </a:r>
+          </a:p>
+          <a:p>
+            <a:pPr indent="-338400">
+              <a:lnSpc>
+                <a:spcPct val="95000"/>
+              </a:lnSpc>
+              <a:spcBef>
+                <a:spcPts val="1200"/>
+              </a:spcBef>
+            </a:pPr>
+            <a:r>
+              <a:rPr lang="en-US" sz="1700" dirty="0"/>
+              <a:t>Peaks – deviations with high reconstruction error</a:t>
+            </a:r>
+          </a:p>
+          <a:p>
+            <a:pPr indent="-338400">
+              <a:lnSpc>
+                <a:spcPct val="95000"/>
+              </a:lnSpc>
+              <a:spcBef>
+                <a:spcPts val="1200"/>
+              </a:spcBef>
+            </a:pPr>
+            <a:endParaRPr lang="en-US" sz="1700" dirty="0"/>
+          </a:p>
+          <a:p>
+            <a:pPr indent="-338400">
+              <a:lnSpc>
+                <a:spcPct val="95000"/>
+              </a:lnSpc>
+              <a:spcBef>
+                <a:spcPts val="1200"/>
+              </a:spcBef>
+            </a:pPr>
+            <a:r>
+              <a:rPr lang="en-US" sz="1700" dirty="0"/>
+              <a:t>However, high computational cost, requires a lot of hyperparameter tuning, and hard to interpret. </a:t>
+            </a:r>
+          </a:p>
+          <a:p>
+            <a:pPr indent="-338400">
+              <a:lnSpc>
+                <a:spcPct val="95000"/>
+              </a:lnSpc>
+              <a:spcBef>
+                <a:spcPts val="1200"/>
+              </a:spcBef>
+            </a:pPr>
+            <a:endParaRPr lang="en-US" sz="1700" dirty="0"/>
+          </a:p>
+        </p:txBody>
+      </p:sp>
+      <p:sp>
+        <p:nvSpPr>
+          <p:cNvPr id="223" name="Google Shape;223;p17">
+            <a:extLst>
+              <a:ext uri="{FF2B5EF4-FFF2-40B4-BE49-F238E27FC236}">
+                <a16:creationId xmlns:a16="http://schemas.microsoft.com/office/drawing/2014/main" id="{DEB32481-5AC2-3708-F190-FEC6105DC058}"/>
+              </a:ext>
+            </a:extLst>
+          </p:cNvPr>
+          <p:cNvSpPr txBox="1">
+            <a:spLocks noGrp="1"/>
+          </p:cNvSpPr>
+          <p:nvPr>
+            <p:ph type="sldNum" idx="12"/>
+          </p:nvPr>
+        </p:nvSpPr>
+        <p:spPr>
+          <a:xfrm>
+            <a:off x="8001764" y="4972052"/>
+            <a:ext cx="857400" cy="171300"/>
+          </a:xfrm>
+          <a:prstGeom prst="rect">
+            <a:avLst/>
+          </a:prstGeom>
+          <a:noFill/>
+          <a:ln>
+            <a:noFill/>
+          </a:ln>
+        </p:spPr>
+        <p:txBody>
+          <a:bodyPr spcFirstLastPara="1" wrap="square" lIns="91425" tIns="45700" rIns="0" bIns="45700" anchor="ctr" anchorCtr="0">
+            <a:noAutofit/>
+          </a:bodyPr>
+          <a:lstStyle/>
+          <a:p>
+            <a:pPr marL="0" lvl="0" indent="0" algn="r" rtl="0">
+              <a:spcBef>
+                <a:spcPts val="0"/>
+              </a:spcBef>
+              <a:spcAft>
+                <a:spcPts val="0"/>
+              </a:spcAft>
+              <a:buNone/>
+            </a:pPr>
+            <a:fld id="{00000000-1234-1234-1234-123412341234}" type="slidenum">
+              <a:rPr lang="en-US" noProof="0" smtClean="0"/>
+              <a:t>14</a:t>
+            </a:fld>
+            <a:endParaRPr lang="en-US" noProof="0" dirty="0"/>
+          </a:p>
+        </p:txBody>
+      </p:sp>
+      <p:sp>
+        <p:nvSpPr>
+          <p:cNvPr id="224" name="Google Shape;224;p17">
+            <a:extLst>
+              <a:ext uri="{FF2B5EF4-FFF2-40B4-BE49-F238E27FC236}">
+                <a16:creationId xmlns:a16="http://schemas.microsoft.com/office/drawing/2014/main" id="{37C02EAA-D125-C3D7-3B3F-9268A642D64A}"/>
+              </a:ext>
+            </a:extLst>
+          </p:cNvPr>
+          <p:cNvSpPr txBox="1"/>
+          <p:nvPr/>
+        </p:nvSpPr>
+        <p:spPr>
+          <a:xfrm>
+            <a:off x="87475" y="4904250"/>
+            <a:ext cx="3967500" cy="306900"/>
+          </a:xfrm>
+          <a:prstGeom prst="rect">
+            <a:avLst/>
+          </a:prstGeom>
+          <a:noFill/>
+          <a:ln>
+            <a:noFill/>
+          </a:ln>
+        </p:spPr>
+        <p:txBody>
+          <a:bodyPr spcFirstLastPara="1" wrap="square" lIns="91425" tIns="91425" rIns="91425" bIns="91425" anchor="t" anchorCtr="0">
+            <a:spAutoFit/>
+          </a:bodyPr>
+          <a:lstStyle/>
+          <a:p>
+            <a:pPr marL="0" lvl="0" indent="0" algn="l" rtl="0">
+              <a:spcBef>
+                <a:spcPts val="0"/>
+              </a:spcBef>
+              <a:spcAft>
+                <a:spcPts val="0"/>
+              </a:spcAft>
+              <a:buNone/>
+            </a:pPr>
+            <a:r>
+              <a:rPr lang="en-US" sz="794" b="1" noProof="0" dirty="0">
+                <a:solidFill>
+                  <a:schemeClr val="lt1"/>
+                </a:solidFill>
+              </a:rPr>
+              <a:t>Peak Detection in Time Series | N. Weidemann, N. Wijemanne</a:t>
+            </a:r>
+          </a:p>
+        </p:txBody>
+      </p:sp>
+      <p:pic>
+        <p:nvPicPr>
+          <p:cNvPr id="2052" name="Picture 4">
+            <a:extLst>
+              <a:ext uri="{FF2B5EF4-FFF2-40B4-BE49-F238E27FC236}">
+                <a16:creationId xmlns:a16="http://schemas.microsoft.com/office/drawing/2014/main" id="{AD602E60-B768-5DF6-CB82-81BA53962FEE}"/>
+              </a:ext>
+            </a:extLst>
+          </p:cNvPr>
+          <p:cNvPicPr>
+            <a:picLocks noChangeAspect="1" noChangeArrowheads="1"/>
+          </p:cNvPicPr>
+          <p:nvPr/>
+        </p:nvPicPr>
+        <p:blipFill>
+          <a:blip r:embed="rId3">
+            <a:extLst>
+              <a:ext uri="{28A0092B-C50C-407E-A947-70E740481C1C}">
+                <a14:useLocalDpi xmlns:a14="http://schemas.microsoft.com/office/drawing/2010/main" val="0"/>
+              </a:ext>
+            </a:extLst>
+          </a:blip>
+          <a:srcRect/>
+          <a:stretch>
+            <a:fillRect/>
+          </a:stretch>
+        </p:blipFill>
+        <p:spPr bwMode="auto">
+          <a:xfrm>
+            <a:off x="5858618" y="1285660"/>
+            <a:ext cx="2925384" cy="2674448"/>
+          </a:xfrm>
+          <a:prstGeom prst="rect">
+            <a:avLst/>
+          </a:prstGeom>
+          <a:noFill/>
+          <a:extLst>
+            <a:ext uri="{909E8E84-426E-40DD-AFC4-6F175D3DCCD1}">
+              <a14:hiddenFill xmlns:a14="http://schemas.microsoft.com/office/drawing/2010/main">
+                <a:solidFill>
+                  <a:srgbClr val="FFFFFF"/>
+                </a:solidFill>
+              </a14:hiddenFill>
+            </a:ext>
+          </a:extLst>
+        </p:spPr>
+      </p:pic>
+    </p:spTree>
+    <p:extLst>
+      <p:ext uri="{BB962C8B-B14F-4D97-AF65-F5344CB8AC3E}">
+        <p14:creationId xmlns:p14="http://schemas.microsoft.com/office/powerpoint/2010/main" val="3414887532"/>
+      </p:ext>
+    </p:extLst>
+  </p:cSld>
+  <p:clrMapOvr>
+    <a:masterClrMapping/>
+  </p:clrMapOvr>
+</p:sld>
+</file>
+
+<file path=ppt/slides/slide15.xml><?xml version="1.0" encoding="utf-8"?>
 <p:sld xmlns:a="http://schemas.openxmlformats.org/drawingml/2006/main" xmlns:r="http://schemas.openxmlformats.org/officeDocument/2006/relationships" xmlns:p="http://schemas.openxmlformats.org/presentationml/2006/main">
   <p:cSld>
     <p:spTree>
@@ -20019,7 +21864,7 @@
             </a:pPr>
             <a:fld id="{00000000-1234-1234-1234-123412341234}" type="slidenum">
               <a:rPr lang="en-US" noProof="0" smtClean="0"/>
-              <a:t>13</a:t>
+              <a:t>15</a:t>
             </a:fld>
             <a:endParaRPr lang="en-US" noProof="0" dirty="0"/>
           </a:p>
@@ -20089,7 +21934,7 @@
 </p:sld>
 </file>
 
-<file path=ppt/slides/slide14.xml><?xml version="1.0" encoding="utf-8"?>
+<file path=ppt/slides/slide16.xml><?xml version="1.0" encoding="utf-8"?>
 <p:sld xmlns:a="http://schemas.openxmlformats.org/drawingml/2006/main" xmlns:r="http://schemas.openxmlformats.org/officeDocument/2006/relationships" xmlns:p="http://schemas.openxmlformats.org/presentationml/2006/main">
   <p:cSld>
     <p:spTree>
@@ -20269,7 +22114,7 @@
             </a:pPr>
             <a:fld id="{00000000-1234-1234-1234-123412341234}" type="slidenum">
               <a:rPr lang="en-US" noProof="0" smtClean="0"/>
-              <a:t>14</a:t>
+              <a:t>16</a:t>
             </a:fld>
             <a:endParaRPr lang="en-US" noProof="0" dirty="0"/>
           </a:p>
@@ -20339,7 +22184,7 @@
 </p:sld>
 </file>
 
-<file path=ppt/slides/slide15.xml><?xml version="1.0" encoding="utf-8"?>
+<file path=ppt/slides/slide17.xml><?xml version="1.0" encoding="utf-8"?>
 <p:sld xmlns:a="http://schemas.openxmlformats.org/drawingml/2006/main" xmlns:r="http://schemas.openxmlformats.org/officeDocument/2006/relationships" xmlns:p="http://schemas.openxmlformats.org/presentationml/2006/main">
   <p:cSld>
     <p:spTree>
@@ -20578,7 +22423,7 @@
             </a:pPr>
             <a:fld id="{00000000-1234-1234-1234-123412341234}" type="slidenum">
               <a:rPr lang="en-US" noProof="0" smtClean="0"/>
-              <a:t>15</a:t>
+              <a:t>17</a:t>
             </a:fld>
             <a:endParaRPr lang="en-US" noProof="0" dirty="0"/>
           </a:p>
@@ -20648,7 +22493,7 @@
 </p:sld>
 </file>
 
-<file path=ppt/slides/slide16.xml><?xml version="1.0" encoding="utf-8"?>
+<file path=ppt/slides/slide18.xml><?xml version="1.0" encoding="utf-8"?>
 <p:sld xmlns:a="http://schemas.openxmlformats.org/drawingml/2006/main" xmlns:r="http://schemas.openxmlformats.org/officeDocument/2006/relationships" xmlns:p="http://schemas.openxmlformats.org/presentationml/2006/main">
   <p:cSld>
     <p:spTree>
@@ -20760,7 +22605,7 @@
             </a:pPr>
             <a:fld id="{00000000-1234-1234-1234-123412341234}" type="slidenum">
               <a:rPr lang="en-US" noProof="0" smtClean="0"/>
-              <a:t>16</a:t>
+              <a:t>18</a:t>
             </a:fld>
             <a:endParaRPr lang="en-US" noProof="0" dirty="0"/>
           </a:p>
@@ -21255,7 +23100,7 @@
 </p:sld>
 </file>
 
-<file path=ppt/slides/slide17.xml><?xml version="1.0" encoding="utf-8"?>
+<file path=ppt/slides/slide19.xml><?xml version="1.0" encoding="utf-8"?>
 <p:sld xmlns:a="http://schemas.openxmlformats.org/drawingml/2006/main" xmlns:r="http://schemas.openxmlformats.org/officeDocument/2006/relationships" xmlns:p="http://schemas.openxmlformats.org/presentationml/2006/main">
   <p:cSld>
     <p:spTree>
@@ -21494,7 +23339,7 @@
             </a:pPr>
             <a:fld id="{00000000-1234-1234-1234-123412341234}" type="slidenum">
               <a:rPr lang="en-US" noProof="0" smtClean="0"/>
-              <a:t>17</a:t>
+              <a:t>19</a:t>
             </a:fld>
             <a:endParaRPr lang="en-US" noProof="0" dirty="0"/>
           </a:p>
@@ -21555,922 +23400,6 @@
     <p:extLst>
       <p:ext uri="{BB962C8B-B14F-4D97-AF65-F5344CB8AC3E}">
         <p14:creationId xmlns:p14="http://schemas.microsoft.com/office/powerpoint/2010/main" val="2681990087"/>
-      </p:ext>
-    </p:extLst>
-  </p:cSld>
-  <p:clrMapOvr>
-    <a:masterClrMapping/>
-  </p:clrMapOvr>
-</p:sld>
-</file>
-
-<file path=ppt/slides/slide18.xml><?xml version="1.0" encoding="utf-8"?>
-<p:sld xmlns:a="http://schemas.openxmlformats.org/drawingml/2006/main" xmlns:r="http://schemas.openxmlformats.org/officeDocument/2006/relationships" xmlns:p="http://schemas.openxmlformats.org/presentationml/2006/main">
-  <p:cSld>
-    <p:spTree>
-      <p:nvGrpSpPr>
-        <p:cNvPr id="1" name="Shape 220">
-          <a:extLst>
-            <a:ext uri="{FF2B5EF4-FFF2-40B4-BE49-F238E27FC236}">
-              <a16:creationId xmlns:a16="http://schemas.microsoft.com/office/drawing/2014/main" id="{50FAB15A-0BF5-4AE5-CAAE-3283AFA0F430}"/>
-            </a:ext>
-          </a:extLst>
-        </p:cNvPr>
-        <p:cNvGrpSpPr/>
-        <p:nvPr/>
-      </p:nvGrpSpPr>
-      <p:grpSpPr>
-        <a:xfrm>
-          <a:off x="0" y="0"/>
-          <a:ext cx="0" cy="0"/>
-          <a:chOff x="0" y="0"/>
-          <a:chExt cx="0" cy="0"/>
-        </a:xfrm>
-      </p:grpSpPr>
-      <p:sp>
-        <p:nvSpPr>
-          <p:cNvPr id="221" name="Google Shape;221;p17">
-            <a:extLst>
-              <a:ext uri="{FF2B5EF4-FFF2-40B4-BE49-F238E27FC236}">
-                <a16:creationId xmlns:a16="http://schemas.microsoft.com/office/drawing/2014/main" id="{6163FF6D-9C73-A54E-1A67-BE2EFD3550F2}"/>
-              </a:ext>
-            </a:extLst>
-          </p:cNvPr>
-          <p:cNvSpPr txBox="1">
-            <a:spLocks noGrp="1"/>
-          </p:cNvSpPr>
-          <p:nvPr>
-            <p:ph type="title"/>
-          </p:nvPr>
-        </p:nvSpPr>
-        <p:spPr>
-          <a:xfrm>
-            <a:off x="560" y="1"/>
-            <a:ext cx="5745900" cy="520200"/>
-          </a:xfrm>
-          <a:prstGeom prst="rect">
-            <a:avLst/>
-          </a:prstGeom>
-          <a:noFill/>
-          <a:ln>
-            <a:noFill/>
-          </a:ln>
-        </p:spPr>
-        <p:txBody>
-          <a:bodyPr spcFirstLastPara="1" wrap="square" lIns="144000" tIns="0" rIns="91425" bIns="0" anchor="ctr" anchorCtr="0">
-            <a:normAutofit/>
-          </a:bodyPr>
-          <a:lstStyle/>
-          <a:p>
-            <a:pPr lvl="0"/>
-            <a:r>
-              <a:rPr lang="en-US" noProof="0" dirty="0"/>
-              <a:t>Results – Threshold-Based Detection</a:t>
-            </a:r>
-          </a:p>
-        </p:txBody>
-      </p:sp>
-      <p:sp>
-        <p:nvSpPr>
-          <p:cNvPr id="223" name="Google Shape;223;p17">
-            <a:extLst>
-              <a:ext uri="{FF2B5EF4-FFF2-40B4-BE49-F238E27FC236}">
-                <a16:creationId xmlns:a16="http://schemas.microsoft.com/office/drawing/2014/main" id="{20BCA239-9C33-5A12-749B-83A50512D786}"/>
-              </a:ext>
-            </a:extLst>
-          </p:cNvPr>
-          <p:cNvSpPr txBox="1">
-            <a:spLocks noGrp="1"/>
-          </p:cNvSpPr>
-          <p:nvPr>
-            <p:ph type="sldNum" idx="12"/>
-          </p:nvPr>
-        </p:nvSpPr>
-        <p:spPr>
-          <a:xfrm>
-            <a:off x="8001764" y="4972052"/>
-            <a:ext cx="857400" cy="171300"/>
-          </a:xfrm>
-          <a:prstGeom prst="rect">
-            <a:avLst/>
-          </a:prstGeom>
-          <a:noFill/>
-          <a:ln>
-            <a:noFill/>
-          </a:ln>
-        </p:spPr>
-        <p:txBody>
-          <a:bodyPr spcFirstLastPara="1" wrap="square" lIns="91425" tIns="45700" rIns="0" bIns="45700" anchor="ctr" anchorCtr="0">
-            <a:noAutofit/>
-          </a:bodyPr>
-          <a:lstStyle/>
-          <a:p>
-            <a:pPr marL="0" lvl="0" indent="0" algn="r" rtl="0">
-              <a:spcBef>
-                <a:spcPts val="0"/>
-              </a:spcBef>
-              <a:spcAft>
-                <a:spcPts val="0"/>
-              </a:spcAft>
-              <a:buNone/>
-            </a:pPr>
-            <a:fld id="{00000000-1234-1234-1234-123412341234}" type="slidenum">
-              <a:rPr lang="en-US" noProof="0" smtClean="0"/>
-              <a:t>18</a:t>
-            </a:fld>
-            <a:endParaRPr lang="en-US" noProof="0" dirty="0"/>
-          </a:p>
-        </p:txBody>
-      </p:sp>
-      <p:sp>
-        <p:nvSpPr>
-          <p:cNvPr id="224" name="Google Shape;224;p17">
-            <a:extLst>
-              <a:ext uri="{FF2B5EF4-FFF2-40B4-BE49-F238E27FC236}">
-                <a16:creationId xmlns:a16="http://schemas.microsoft.com/office/drawing/2014/main" id="{C4852767-3BA5-93BB-8B73-9A152E1EFB08}"/>
-              </a:ext>
-            </a:extLst>
-          </p:cNvPr>
-          <p:cNvSpPr txBox="1"/>
-          <p:nvPr/>
-        </p:nvSpPr>
-        <p:spPr>
-          <a:xfrm>
-            <a:off x="87475" y="4904250"/>
-            <a:ext cx="3967500" cy="306900"/>
-          </a:xfrm>
-          <a:prstGeom prst="rect">
-            <a:avLst/>
-          </a:prstGeom>
-          <a:noFill/>
-          <a:ln>
-            <a:noFill/>
-          </a:ln>
-        </p:spPr>
-        <p:txBody>
-          <a:bodyPr spcFirstLastPara="1" wrap="square" lIns="91425" tIns="91425" rIns="91425" bIns="91425" anchor="t" anchorCtr="0">
-            <a:spAutoFit/>
-          </a:bodyPr>
-          <a:lstStyle/>
-          <a:p>
-            <a:pPr marL="0" lvl="0" indent="0" algn="l" rtl="0">
-              <a:spcBef>
-                <a:spcPts val="0"/>
-              </a:spcBef>
-              <a:spcAft>
-                <a:spcPts val="0"/>
-              </a:spcAft>
-              <a:buNone/>
-            </a:pPr>
-            <a:r>
-              <a:rPr lang="en-US" sz="794" b="1" noProof="0" dirty="0">
-                <a:solidFill>
-                  <a:schemeClr val="lt1"/>
-                </a:solidFill>
-              </a:rPr>
-              <a:t>Peak Detection in Time Series | N. Weidemann, N. Wijemanne</a:t>
-            </a:r>
-          </a:p>
-        </p:txBody>
-      </p:sp>
-      <p:pic>
-        <p:nvPicPr>
-          <p:cNvPr id="7" name="Grafik 6" descr="Ein Bild, das Diagramm, Reihe, Text, Screenshot enthält.&#10;&#10;KI-generierte Inhalte können fehlerhaft sein.">
-            <a:extLst>
-              <a:ext uri="{FF2B5EF4-FFF2-40B4-BE49-F238E27FC236}">
-                <a16:creationId xmlns:a16="http://schemas.microsoft.com/office/drawing/2014/main" id="{BFB9F86F-1B24-C82F-F370-495759A031B0}"/>
-              </a:ext>
-            </a:extLst>
-          </p:cNvPr>
-          <p:cNvPicPr>
-            <a:picLocks noChangeAspect="1"/>
-          </p:cNvPicPr>
-          <p:nvPr/>
-        </p:nvPicPr>
-        <p:blipFill>
-          <a:blip r:embed="rId3"/>
-          <a:stretch>
-            <a:fillRect/>
-          </a:stretch>
-        </p:blipFill>
-        <p:spPr>
-          <a:xfrm>
-            <a:off x="4448620" y="2720935"/>
-            <a:ext cx="4410544" cy="1880050"/>
-          </a:xfrm>
-          <a:prstGeom prst="rect">
-            <a:avLst/>
-          </a:prstGeom>
-        </p:spPr>
-      </p:pic>
-      <p:pic>
-        <p:nvPicPr>
-          <p:cNvPr id="2" name="Grafik 1" descr="Ein Bild, das Text, Diagramm, Reihe, Schrift enthält.&#10;&#10;KI-generierte Inhalte können fehlerhaft sein.">
-            <a:extLst>
-              <a:ext uri="{FF2B5EF4-FFF2-40B4-BE49-F238E27FC236}">
-                <a16:creationId xmlns:a16="http://schemas.microsoft.com/office/drawing/2014/main" id="{CB8CDA7D-A4EC-ADB8-EDC2-C5B80F18FBFD}"/>
-              </a:ext>
-            </a:extLst>
-          </p:cNvPr>
-          <p:cNvPicPr>
-            <a:picLocks noChangeAspect="1"/>
-          </p:cNvPicPr>
-          <p:nvPr/>
-        </p:nvPicPr>
-        <p:blipFill>
-          <a:blip r:embed="rId4"/>
-          <a:stretch>
-            <a:fillRect/>
-          </a:stretch>
-        </p:blipFill>
-        <p:spPr>
-          <a:xfrm>
-            <a:off x="4448620" y="753381"/>
-            <a:ext cx="4410544" cy="1865728"/>
-          </a:xfrm>
-          <a:prstGeom prst="rect">
-            <a:avLst/>
-          </a:prstGeom>
-        </p:spPr>
-      </p:pic>
-      <p:sp>
-        <p:nvSpPr>
-          <p:cNvPr id="8" name="Google Shape;222;p17">
-            <a:extLst>
-              <a:ext uri="{FF2B5EF4-FFF2-40B4-BE49-F238E27FC236}">
-                <a16:creationId xmlns:a16="http://schemas.microsoft.com/office/drawing/2014/main" id="{D0070120-4FEF-8594-7A7C-FD5906D09088}"/>
-              </a:ext>
-            </a:extLst>
-          </p:cNvPr>
-          <p:cNvSpPr txBox="1">
-            <a:spLocks/>
-          </p:cNvSpPr>
-          <p:nvPr/>
-        </p:nvSpPr>
-        <p:spPr>
-          <a:xfrm>
-            <a:off x="359999" y="752800"/>
-            <a:ext cx="4212001" cy="3848186"/>
-          </a:xfrm>
-          <a:prstGeom prst="rect">
-            <a:avLst/>
-          </a:prstGeom>
-          <a:noFill/>
-          <a:ln>
-            <a:noFill/>
-          </a:ln>
-        </p:spPr>
-        <p:txBody>
-          <a:bodyPr spcFirstLastPara="1" wrap="square" lIns="91425" tIns="45700" rIns="91425" bIns="45700" anchor="t" anchorCtr="0">
-            <a:noAutofit/>
-          </a:bodyPr>
-          <a:lstStyle>
-            <a:defPPr marR="0" lvl="0" algn="l" rtl="0">
-              <a:lnSpc>
-                <a:spcPct val="100000"/>
-              </a:lnSpc>
-              <a:spcBef>
-                <a:spcPts val="0"/>
-              </a:spcBef>
-              <a:spcAft>
-                <a:spcPts val="0"/>
-              </a:spcAft>
-            </a:defPPr>
-            <a:lvl1pPr marL="457200" marR="0" lvl="0" indent="-339471" algn="l" rtl="0">
-              <a:lnSpc>
-                <a:spcPct val="90000"/>
-              </a:lnSpc>
-              <a:spcBef>
-                <a:spcPts val="749"/>
-              </a:spcBef>
-              <a:spcAft>
-                <a:spcPts val="0"/>
-              </a:spcAft>
-              <a:buClr>
-                <a:srgbClr val="0068B4"/>
-              </a:buClr>
-              <a:buSzPts val="1746"/>
-              <a:buFont typeface="Arial"/>
-              <a:buChar char="•"/>
-              <a:defRPr sz="1745" b="0" i="0" u="none" strike="noStrike" cap="none">
-                <a:solidFill>
-                  <a:schemeClr val="dk1"/>
-                </a:solidFill>
-                <a:latin typeface="Arial"/>
-                <a:ea typeface="Arial"/>
-                <a:cs typeface="Arial"/>
-                <a:sym typeface="Arial"/>
-              </a:defRPr>
-            </a:lvl1pPr>
-            <a:lvl2pPr marL="914400" marR="0" lvl="1" indent="-329437" algn="l" rtl="0">
-              <a:lnSpc>
-                <a:spcPct val="90000"/>
-              </a:lnSpc>
-              <a:spcBef>
-                <a:spcPts val="375"/>
-              </a:spcBef>
-              <a:spcAft>
-                <a:spcPts val="0"/>
-              </a:spcAft>
-              <a:buClr>
-                <a:srgbClr val="0068B4"/>
-              </a:buClr>
-              <a:buSzPts val="1588"/>
-              <a:buFont typeface="Arial"/>
-              <a:buChar char="•"/>
-              <a:defRPr sz="1588" b="0" i="0" u="none" strike="noStrike" cap="none">
-                <a:solidFill>
-                  <a:schemeClr val="dk1"/>
-                </a:solidFill>
-                <a:latin typeface="Arial"/>
-                <a:ea typeface="Arial"/>
-                <a:cs typeface="Arial"/>
-                <a:sym typeface="Arial"/>
-              </a:defRPr>
-            </a:lvl2pPr>
-            <a:lvl3pPr marL="1371600" marR="0" lvl="2" indent="-319341" algn="l" rtl="0">
-              <a:lnSpc>
-                <a:spcPct val="90000"/>
-              </a:lnSpc>
-              <a:spcBef>
-                <a:spcPts val="375"/>
-              </a:spcBef>
-              <a:spcAft>
-                <a:spcPts val="0"/>
-              </a:spcAft>
-              <a:buClr>
-                <a:srgbClr val="0068B4"/>
-              </a:buClr>
-              <a:buSzPts val="1429"/>
-              <a:buFont typeface="Arial"/>
-              <a:buChar char="•"/>
-              <a:defRPr sz="1429" b="0" i="0" u="none" strike="noStrike" cap="none">
-                <a:solidFill>
-                  <a:schemeClr val="dk1"/>
-                </a:solidFill>
-                <a:latin typeface="Arial"/>
-                <a:ea typeface="Arial"/>
-                <a:cs typeface="Arial"/>
-                <a:sym typeface="Arial"/>
-              </a:defRPr>
-            </a:lvl3pPr>
-            <a:lvl4pPr marL="1828800" marR="0" lvl="3" indent="-314261" algn="l" rtl="0">
-              <a:lnSpc>
-                <a:spcPct val="90000"/>
-              </a:lnSpc>
-              <a:spcBef>
-                <a:spcPts val="375"/>
-              </a:spcBef>
-              <a:spcAft>
-                <a:spcPts val="0"/>
-              </a:spcAft>
-              <a:buClr>
-                <a:srgbClr val="0068B4"/>
-              </a:buClr>
-              <a:buSzPts val="1349"/>
-              <a:buFont typeface="Arial"/>
-              <a:buChar char="•"/>
-              <a:defRPr sz="1349" b="0" i="0" u="none" strike="noStrike" cap="none">
-                <a:solidFill>
-                  <a:schemeClr val="dk1"/>
-                </a:solidFill>
-                <a:latin typeface="Arial"/>
-                <a:ea typeface="Arial"/>
-                <a:cs typeface="Arial"/>
-                <a:sym typeface="Arial"/>
-              </a:defRPr>
-            </a:lvl4pPr>
-            <a:lvl5pPr marL="2286000" marR="0" lvl="4" indent="-314261" algn="l" rtl="0">
-              <a:lnSpc>
-                <a:spcPct val="90000"/>
-              </a:lnSpc>
-              <a:spcBef>
-                <a:spcPts val="375"/>
-              </a:spcBef>
-              <a:spcAft>
-                <a:spcPts val="0"/>
-              </a:spcAft>
-              <a:buClr>
-                <a:srgbClr val="0068B4"/>
-              </a:buClr>
-              <a:buSzPts val="1349"/>
-              <a:buFont typeface="Arial"/>
-              <a:buChar char="•"/>
-              <a:defRPr sz="1349" b="0" i="0" u="none" strike="noStrike" cap="none">
-                <a:solidFill>
-                  <a:schemeClr val="dk1"/>
-                </a:solidFill>
-                <a:latin typeface="Arial"/>
-                <a:ea typeface="Arial"/>
-                <a:cs typeface="Arial"/>
-                <a:sym typeface="Arial"/>
-              </a:defRPr>
-            </a:lvl5pPr>
-            <a:lvl6pPr marL="2743200" marR="0" lvl="5" indent="-314261" algn="l" rtl="0">
-              <a:lnSpc>
-                <a:spcPct val="90000"/>
-              </a:lnSpc>
-              <a:spcBef>
-                <a:spcPts val="375"/>
-              </a:spcBef>
-              <a:spcAft>
-                <a:spcPts val="0"/>
-              </a:spcAft>
-              <a:buClr>
-                <a:schemeClr val="dk1"/>
-              </a:buClr>
-              <a:buSzPts val="1349"/>
-              <a:buFont typeface="Arial"/>
-              <a:buChar char="•"/>
-              <a:defRPr sz="1349" b="0" i="0" u="none" strike="noStrike" cap="none">
-                <a:solidFill>
-                  <a:schemeClr val="dk1"/>
-                </a:solidFill>
-                <a:latin typeface="Arial"/>
-                <a:ea typeface="Arial"/>
-                <a:cs typeface="Arial"/>
-                <a:sym typeface="Arial"/>
-              </a:defRPr>
-            </a:lvl6pPr>
-            <a:lvl7pPr marL="3200400" marR="0" lvl="6" indent="-314261" algn="l" rtl="0">
-              <a:lnSpc>
-                <a:spcPct val="90000"/>
-              </a:lnSpc>
-              <a:spcBef>
-                <a:spcPts val="375"/>
-              </a:spcBef>
-              <a:spcAft>
-                <a:spcPts val="0"/>
-              </a:spcAft>
-              <a:buClr>
-                <a:schemeClr val="dk1"/>
-              </a:buClr>
-              <a:buSzPts val="1349"/>
-              <a:buFont typeface="Arial"/>
-              <a:buChar char="•"/>
-              <a:defRPr sz="1349" b="0" i="0" u="none" strike="noStrike" cap="none">
-                <a:solidFill>
-                  <a:schemeClr val="dk1"/>
-                </a:solidFill>
-                <a:latin typeface="Arial"/>
-                <a:ea typeface="Arial"/>
-                <a:cs typeface="Arial"/>
-                <a:sym typeface="Arial"/>
-              </a:defRPr>
-            </a:lvl7pPr>
-            <a:lvl8pPr marL="3657600" marR="0" lvl="7" indent="-314261" algn="l" rtl="0">
-              <a:lnSpc>
-                <a:spcPct val="90000"/>
-              </a:lnSpc>
-              <a:spcBef>
-                <a:spcPts val="375"/>
-              </a:spcBef>
-              <a:spcAft>
-                <a:spcPts val="0"/>
-              </a:spcAft>
-              <a:buClr>
-                <a:schemeClr val="dk1"/>
-              </a:buClr>
-              <a:buSzPts val="1349"/>
-              <a:buFont typeface="Arial"/>
-              <a:buChar char="•"/>
-              <a:defRPr sz="1349" b="0" i="0" u="none" strike="noStrike" cap="none">
-                <a:solidFill>
-                  <a:schemeClr val="dk1"/>
-                </a:solidFill>
-                <a:latin typeface="Arial"/>
-                <a:ea typeface="Arial"/>
-                <a:cs typeface="Arial"/>
-                <a:sym typeface="Arial"/>
-              </a:defRPr>
-            </a:lvl8pPr>
-            <a:lvl9pPr marL="4114800" marR="0" lvl="8" indent="-314261" algn="l" rtl="0">
-              <a:lnSpc>
-                <a:spcPct val="90000"/>
-              </a:lnSpc>
-              <a:spcBef>
-                <a:spcPts val="375"/>
-              </a:spcBef>
-              <a:spcAft>
-                <a:spcPts val="0"/>
-              </a:spcAft>
-              <a:buClr>
-                <a:schemeClr val="dk1"/>
-              </a:buClr>
-              <a:buSzPts val="1349"/>
-              <a:buFont typeface="Arial"/>
-              <a:buChar char="•"/>
-              <a:defRPr sz="1349" b="0" i="0" u="none" strike="noStrike" cap="none">
-                <a:solidFill>
-                  <a:schemeClr val="dk1"/>
-                </a:solidFill>
-                <a:latin typeface="Arial"/>
-                <a:ea typeface="Arial"/>
-                <a:cs typeface="Arial"/>
-                <a:sym typeface="Arial"/>
-              </a:defRPr>
-            </a:lvl9pPr>
-          </a:lstStyle>
-          <a:p>
-            <a:pPr lvl="0" indent="-338400">
-              <a:lnSpc>
-                <a:spcPct val="95000"/>
-              </a:lnSpc>
-              <a:spcBef>
-                <a:spcPts val="1200"/>
-              </a:spcBef>
-              <a:buNone/>
-            </a:pPr>
-            <a:r>
-              <a:rPr lang="en-US" sz="1700" dirty="0"/>
-              <a:t>Analysis of the results</a:t>
-            </a:r>
-          </a:p>
-          <a:p>
-            <a:pPr lvl="0" indent="-338400">
-              <a:lnSpc>
-                <a:spcPct val="95000"/>
-              </a:lnSpc>
-              <a:spcBef>
-                <a:spcPts val="1200"/>
-              </a:spcBef>
-            </a:pPr>
-            <a:r>
-              <a:rPr lang="en-US" sz="1700" dirty="0"/>
-              <a:t>Very high precision (no false-positives)</a:t>
-            </a:r>
-          </a:p>
-          <a:p>
-            <a:pPr lvl="0" indent="-338400">
-              <a:lnSpc>
-                <a:spcPct val="95000"/>
-              </a:lnSpc>
-              <a:spcBef>
-                <a:spcPts val="1200"/>
-              </a:spcBef>
-            </a:pPr>
-            <a:r>
-              <a:rPr lang="en-US" sz="1700" dirty="0"/>
-              <a:t>Most of the true peaks were detected but not all (especially peaks with a smaller amplitude)</a:t>
-            </a:r>
-          </a:p>
-          <a:p>
-            <a:pPr lvl="0" indent="-338400">
-              <a:lnSpc>
-                <a:spcPct val="95000"/>
-              </a:lnSpc>
-              <a:spcBef>
-                <a:spcPts val="1200"/>
-              </a:spcBef>
-            </a:pPr>
-            <a:r>
-              <a:rPr lang="en-US" sz="1700" dirty="0"/>
-              <a:t>Characteristic of predicting one precise position and not an area</a:t>
-            </a:r>
-          </a:p>
-          <a:p>
-            <a:pPr indent="-338400">
-              <a:lnSpc>
-                <a:spcPct val="95000"/>
-              </a:lnSpc>
-              <a:spcBef>
-                <a:spcPts val="1200"/>
-              </a:spcBef>
-            </a:pPr>
-            <a:r>
-              <a:rPr lang="en-US" sz="1700" dirty="0"/>
-              <a:t>Can detect positive and negative peaks</a:t>
-            </a:r>
-          </a:p>
-          <a:p>
-            <a:pPr indent="-338400">
-              <a:lnSpc>
-                <a:spcPct val="95000"/>
-              </a:lnSpc>
-              <a:spcBef>
-                <a:spcPts val="1200"/>
-              </a:spcBef>
-            </a:pPr>
-            <a:r>
-              <a:rPr lang="en-US" sz="1700" dirty="0"/>
-              <a:t>Not a perfect alignment of the predicted position and the extremes</a:t>
-            </a:r>
-          </a:p>
-        </p:txBody>
-      </p:sp>
-    </p:spTree>
-    <p:extLst>
-      <p:ext uri="{BB962C8B-B14F-4D97-AF65-F5344CB8AC3E}">
-        <p14:creationId xmlns:p14="http://schemas.microsoft.com/office/powerpoint/2010/main" val="2879916801"/>
-      </p:ext>
-    </p:extLst>
-  </p:cSld>
-  <p:clrMapOvr>
-    <a:masterClrMapping/>
-  </p:clrMapOvr>
-</p:sld>
-</file>
-
-<file path=ppt/slides/slide19.xml><?xml version="1.0" encoding="utf-8"?>
-<p:sld xmlns:a="http://schemas.openxmlformats.org/drawingml/2006/main" xmlns:r="http://schemas.openxmlformats.org/officeDocument/2006/relationships" xmlns:p="http://schemas.openxmlformats.org/presentationml/2006/main">
-  <p:cSld>
-    <p:spTree>
-      <p:nvGrpSpPr>
-        <p:cNvPr id="1" name="Shape 220">
-          <a:extLst>
-            <a:ext uri="{FF2B5EF4-FFF2-40B4-BE49-F238E27FC236}">
-              <a16:creationId xmlns:a16="http://schemas.microsoft.com/office/drawing/2014/main" id="{CB7B7B60-C527-AD12-3582-779CA2ADF7E4}"/>
-            </a:ext>
-          </a:extLst>
-        </p:cNvPr>
-        <p:cNvGrpSpPr/>
-        <p:nvPr/>
-      </p:nvGrpSpPr>
-      <p:grpSpPr>
-        <a:xfrm>
-          <a:off x="0" y="0"/>
-          <a:ext cx="0" cy="0"/>
-          <a:chOff x="0" y="0"/>
-          <a:chExt cx="0" cy="0"/>
-        </a:xfrm>
-      </p:grpSpPr>
-      <p:sp>
-        <p:nvSpPr>
-          <p:cNvPr id="221" name="Google Shape;221;p17">
-            <a:extLst>
-              <a:ext uri="{FF2B5EF4-FFF2-40B4-BE49-F238E27FC236}">
-                <a16:creationId xmlns:a16="http://schemas.microsoft.com/office/drawing/2014/main" id="{C19CC9EE-9531-3EF2-8246-FA384FF8FB33}"/>
-              </a:ext>
-            </a:extLst>
-          </p:cNvPr>
-          <p:cNvSpPr txBox="1">
-            <a:spLocks noGrp="1"/>
-          </p:cNvSpPr>
-          <p:nvPr>
-            <p:ph type="title"/>
-          </p:nvPr>
-        </p:nvSpPr>
-        <p:spPr>
-          <a:xfrm>
-            <a:off x="560" y="1"/>
-            <a:ext cx="5745900" cy="520200"/>
-          </a:xfrm>
-          <a:prstGeom prst="rect">
-            <a:avLst/>
-          </a:prstGeom>
-          <a:noFill/>
-          <a:ln>
-            <a:noFill/>
-          </a:ln>
-        </p:spPr>
-        <p:txBody>
-          <a:bodyPr spcFirstLastPara="1" wrap="square" lIns="144000" tIns="0" rIns="91425" bIns="0" anchor="ctr" anchorCtr="0">
-            <a:normAutofit/>
-          </a:bodyPr>
-          <a:lstStyle/>
-          <a:p>
-            <a:pPr marL="0" lvl="0" indent="0" algn="l" rtl="0">
-              <a:lnSpc>
-                <a:spcPct val="90000"/>
-              </a:lnSpc>
-              <a:spcBef>
-                <a:spcPts val="0"/>
-              </a:spcBef>
-              <a:spcAft>
-                <a:spcPts val="0"/>
-              </a:spcAft>
-              <a:buClr>
-                <a:srgbClr val="0068B4"/>
-              </a:buClr>
-              <a:buSzPts val="1800"/>
-              <a:buFont typeface="Arial"/>
-              <a:buNone/>
-            </a:pPr>
-            <a:r>
-              <a:rPr lang="en-US" noProof="0" dirty="0"/>
-              <a:t>Results – Wavelet Transform</a:t>
-            </a:r>
-          </a:p>
-        </p:txBody>
-      </p:sp>
-      <p:sp>
-        <p:nvSpPr>
-          <p:cNvPr id="222" name="Google Shape;222;p17">
-            <a:extLst>
-              <a:ext uri="{FF2B5EF4-FFF2-40B4-BE49-F238E27FC236}">
-                <a16:creationId xmlns:a16="http://schemas.microsoft.com/office/drawing/2014/main" id="{A6AF5205-CFB5-3BD2-5989-FD728605A707}"/>
-              </a:ext>
-            </a:extLst>
-          </p:cNvPr>
-          <p:cNvSpPr txBox="1">
-            <a:spLocks noGrp="1"/>
-          </p:cNvSpPr>
-          <p:nvPr>
-            <p:ph type="body" idx="4294967295"/>
-          </p:nvPr>
-        </p:nvSpPr>
-        <p:spPr>
-          <a:xfrm>
-            <a:off x="359999" y="752800"/>
-            <a:ext cx="8424000" cy="3637890"/>
-          </a:xfrm>
-          <a:prstGeom prst="rect">
-            <a:avLst/>
-          </a:prstGeom>
-          <a:noFill/>
-          <a:ln>
-            <a:noFill/>
-          </a:ln>
-        </p:spPr>
-        <p:txBody>
-          <a:bodyPr spcFirstLastPara="1" wrap="square" lIns="91425" tIns="45700" rIns="91425" bIns="45700" anchor="t" anchorCtr="0">
-            <a:normAutofit/>
-          </a:bodyPr>
-          <a:lstStyle/>
-          <a:p>
-            <a:pPr lvl="0" indent="-338400" algn="l" rtl="0">
-              <a:lnSpc>
-                <a:spcPct val="95000"/>
-              </a:lnSpc>
-              <a:spcBef>
-                <a:spcPts val="1200"/>
-              </a:spcBef>
-              <a:spcAft>
-                <a:spcPts val="0"/>
-              </a:spcAft>
-              <a:buNone/>
-            </a:pPr>
-            <a:r>
-              <a:rPr lang="en-US" sz="1700" noProof="0" dirty="0"/>
-              <a:t>Selected parameters</a:t>
-            </a:r>
-          </a:p>
-          <a:p>
-            <a:pPr lvl="0" indent="-338400">
-              <a:lnSpc>
-                <a:spcPct val="95000"/>
-              </a:lnSpc>
-              <a:spcBef>
-                <a:spcPts val="1200"/>
-              </a:spcBef>
-            </a:pPr>
-            <a:r>
-              <a:rPr lang="en-US" sz="1700" noProof="0" dirty="0"/>
-              <a:t>Torque as an input feature</a:t>
-            </a:r>
-          </a:p>
-          <a:p>
-            <a:pPr lvl="0" indent="-338400">
-              <a:lnSpc>
-                <a:spcPct val="95000"/>
-              </a:lnSpc>
-              <a:spcBef>
-                <a:spcPts val="1200"/>
-              </a:spcBef>
-            </a:pPr>
-            <a:r>
-              <a:rPr lang="en-US" sz="1700" noProof="0" dirty="0"/>
-              <a:t>Using the Ricker-Wavelet with widths between 100 and 150</a:t>
-            </a:r>
-          </a:p>
-          <a:p>
-            <a:pPr lvl="0" indent="-338400">
-              <a:lnSpc>
-                <a:spcPct val="95000"/>
-              </a:lnSpc>
-              <a:spcBef>
-                <a:spcPts val="1200"/>
-              </a:spcBef>
-            </a:pPr>
-            <a:r>
-              <a:rPr lang="en-US" sz="1700" noProof="0" dirty="0"/>
-              <a:t>Best tradeoff between amplitude and prominence with a more realistic peak count</a:t>
-            </a:r>
-          </a:p>
-          <a:p>
-            <a:pPr lvl="0" indent="-338400" algn="l" rtl="0">
-              <a:lnSpc>
-                <a:spcPct val="95000"/>
-              </a:lnSpc>
-              <a:spcBef>
-                <a:spcPts val="1200"/>
-              </a:spcBef>
-              <a:spcAft>
-                <a:spcPts val="0"/>
-              </a:spcAft>
-              <a:buNone/>
-            </a:pPr>
-            <a:endParaRPr lang="en-US" sz="1700" noProof="0" dirty="0"/>
-          </a:p>
-        </p:txBody>
-      </p:sp>
-      <p:sp>
-        <p:nvSpPr>
-          <p:cNvPr id="223" name="Google Shape;223;p17">
-            <a:extLst>
-              <a:ext uri="{FF2B5EF4-FFF2-40B4-BE49-F238E27FC236}">
-                <a16:creationId xmlns:a16="http://schemas.microsoft.com/office/drawing/2014/main" id="{3194F5C5-848B-6C06-202B-FB74C07B0B03}"/>
-              </a:ext>
-            </a:extLst>
-          </p:cNvPr>
-          <p:cNvSpPr txBox="1">
-            <a:spLocks noGrp="1"/>
-          </p:cNvSpPr>
-          <p:nvPr>
-            <p:ph type="sldNum" idx="12"/>
-          </p:nvPr>
-        </p:nvSpPr>
-        <p:spPr>
-          <a:xfrm>
-            <a:off x="8001764" y="4972052"/>
-            <a:ext cx="857400" cy="171300"/>
-          </a:xfrm>
-          <a:prstGeom prst="rect">
-            <a:avLst/>
-          </a:prstGeom>
-          <a:noFill/>
-          <a:ln>
-            <a:noFill/>
-          </a:ln>
-        </p:spPr>
-        <p:txBody>
-          <a:bodyPr spcFirstLastPara="1" wrap="square" lIns="91425" tIns="45700" rIns="0" bIns="45700" anchor="ctr" anchorCtr="0">
-            <a:noAutofit/>
-          </a:bodyPr>
-          <a:lstStyle/>
-          <a:p>
-            <a:pPr marL="0" lvl="0" indent="0" algn="r" rtl="0">
-              <a:spcBef>
-                <a:spcPts val="0"/>
-              </a:spcBef>
-              <a:spcAft>
-                <a:spcPts val="0"/>
-              </a:spcAft>
-              <a:buNone/>
-            </a:pPr>
-            <a:fld id="{00000000-1234-1234-1234-123412341234}" type="slidenum">
-              <a:rPr lang="en-US" noProof="0" smtClean="0"/>
-              <a:t>19</a:t>
-            </a:fld>
-            <a:endParaRPr lang="en-US" noProof="0" dirty="0"/>
-          </a:p>
-        </p:txBody>
-      </p:sp>
-      <p:sp>
-        <p:nvSpPr>
-          <p:cNvPr id="224" name="Google Shape;224;p17">
-            <a:extLst>
-              <a:ext uri="{FF2B5EF4-FFF2-40B4-BE49-F238E27FC236}">
-                <a16:creationId xmlns:a16="http://schemas.microsoft.com/office/drawing/2014/main" id="{A76CA1C2-1589-EEC6-E455-2990266FD7BC}"/>
-              </a:ext>
-            </a:extLst>
-          </p:cNvPr>
-          <p:cNvSpPr txBox="1"/>
-          <p:nvPr/>
-        </p:nvSpPr>
-        <p:spPr>
-          <a:xfrm>
-            <a:off x="87475" y="4904250"/>
-            <a:ext cx="3967500" cy="306900"/>
-          </a:xfrm>
-          <a:prstGeom prst="rect">
-            <a:avLst/>
-          </a:prstGeom>
-          <a:noFill/>
-          <a:ln>
-            <a:noFill/>
-          </a:ln>
-        </p:spPr>
-        <p:txBody>
-          <a:bodyPr spcFirstLastPara="1" wrap="square" lIns="91425" tIns="91425" rIns="91425" bIns="91425" anchor="t" anchorCtr="0">
-            <a:spAutoFit/>
-          </a:bodyPr>
-          <a:lstStyle/>
-          <a:p>
-            <a:pPr marL="0" lvl="0" indent="0" algn="l" rtl="0">
-              <a:spcBef>
-                <a:spcPts val="0"/>
-              </a:spcBef>
-              <a:spcAft>
-                <a:spcPts val="0"/>
-              </a:spcAft>
-              <a:buNone/>
-            </a:pPr>
-            <a:r>
-              <a:rPr lang="en-US" sz="794" b="1" noProof="0" dirty="0">
-                <a:solidFill>
-                  <a:schemeClr val="lt1"/>
-                </a:solidFill>
-              </a:rPr>
-              <a:t>Peak Detection in Time Series | N. Weidemann, N. Wijemanne</a:t>
-            </a:r>
-          </a:p>
-        </p:txBody>
-      </p:sp>
-    </p:spTree>
-    <p:extLst>
-      <p:ext uri="{BB962C8B-B14F-4D97-AF65-F5344CB8AC3E}">
-        <p14:creationId xmlns:p14="http://schemas.microsoft.com/office/powerpoint/2010/main" val="3872412677"/>
       </p:ext>
     </p:extLst>
   </p:cSld>
@@ -22853,6 +23782,922 @@
         <p:cNvPr id="1" name="Shape 220">
           <a:extLst>
             <a:ext uri="{FF2B5EF4-FFF2-40B4-BE49-F238E27FC236}">
+              <a16:creationId xmlns:a16="http://schemas.microsoft.com/office/drawing/2014/main" id="{50FAB15A-0BF5-4AE5-CAAE-3283AFA0F430}"/>
+            </a:ext>
+          </a:extLst>
+        </p:cNvPr>
+        <p:cNvGrpSpPr/>
+        <p:nvPr/>
+      </p:nvGrpSpPr>
+      <p:grpSpPr>
+        <a:xfrm>
+          <a:off x="0" y="0"/>
+          <a:ext cx="0" cy="0"/>
+          <a:chOff x="0" y="0"/>
+          <a:chExt cx="0" cy="0"/>
+        </a:xfrm>
+      </p:grpSpPr>
+      <p:sp>
+        <p:nvSpPr>
+          <p:cNvPr id="221" name="Google Shape;221;p17">
+            <a:extLst>
+              <a:ext uri="{FF2B5EF4-FFF2-40B4-BE49-F238E27FC236}">
+                <a16:creationId xmlns:a16="http://schemas.microsoft.com/office/drawing/2014/main" id="{6163FF6D-9C73-A54E-1A67-BE2EFD3550F2}"/>
+              </a:ext>
+            </a:extLst>
+          </p:cNvPr>
+          <p:cNvSpPr txBox="1">
+            <a:spLocks noGrp="1"/>
+          </p:cNvSpPr>
+          <p:nvPr>
+            <p:ph type="title"/>
+          </p:nvPr>
+        </p:nvSpPr>
+        <p:spPr>
+          <a:xfrm>
+            <a:off x="560" y="1"/>
+            <a:ext cx="5745900" cy="520200"/>
+          </a:xfrm>
+          <a:prstGeom prst="rect">
+            <a:avLst/>
+          </a:prstGeom>
+          <a:noFill/>
+          <a:ln>
+            <a:noFill/>
+          </a:ln>
+        </p:spPr>
+        <p:txBody>
+          <a:bodyPr spcFirstLastPara="1" wrap="square" lIns="144000" tIns="0" rIns="91425" bIns="0" anchor="ctr" anchorCtr="0">
+            <a:normAutofit/>
+          </a:bodyPr>
+          <a:lstStyle/>
+          <a:p>
+            <a:pPr lvl="0"/>
+            <a:r>
+              <a:rPr lang="en-US" noProof="0" dirty="0"/>
+              <a:t>Results – Threshold-Based Detection</a:t>
+            </a:r>
+          </a:p>
+        </p:txBody>
+      </p:sp>
+      <p:sp>
+        <p:nvSpPr>
+          <p:cNvPr id="223" name="Google Shape;223;p17">
+            <a:extLst>
+              <a:ext uri="{FF2B5EF4-FFF2-40B4-BE49-F238E27FC236}">
+                <a16:creationId xmlns:a16="http://schemas.microsoft.com/office/drawing/2014/main" id="{20BCA239-9C33-5A12-749B-83A50512D786}"/>
+              </a:ext>
+            </a:extLst>
+          </p:cNvPr>
+          <p:cNvSpPr txBox="1">
+            <a:spLocks noGrp="1"/>
+          </p:cNvSpPr>
+          <p:nvPr>
+            <p:ph type="sldNum" idx="12"/>
+          </p:nvPr>
+        </p:nvSpPr>
+        <p:spPr>
+          <a:xfrm>
+            <a:off x="8001764" y="4972052"/>
+            <a:ext cx="857400" cy="171300"/>
+          </a:xfrm>
+          <a:prstGeom prst="rect">
+            <a:avLst/>
+          </a:prstGeom>
+          <a:noFill/>
+          <a:ln>
+            <a:noFill/>
+          </a:ln>
+        </p:spPr>
+        <p:txBody>
+          <a:bodyPr spcFirstLastPara="1" wrap="square" lIns="91425" tIns="45700" rIns="0" bIns="45700" anchor="ctr" anchorCtr="0">
+            <a:noAutofit/>
+          </a:bodyPr>
+          <a:lstStyle/>
+          <a:p>
+            <a:pPr marL="0" lvl="0" indent="0" algn="r" rtl="0">
+              <a:spcBef>
+                <a:spcPts val="0"/>
+              </a:spcBef>
+              <a:spcAft>
+                <a:spcPts val="0"/>
+              </a:spcAft>
+              <a:buNone/>
+            </a:pPr>
+            <a:fld id="{00000000-1234-1234-1234-123412341234}" type="slidenum">
+              <a:rPr lang="en-US" noProof="0" smtClean="0"/>
+              <a:t>20</a:t>
+            </a:fld>
+            <a:endParaRPr lang="en-US" noProof="0" dirty="0"/>
+          </a:p>
+        </p:txBody>
+      </p:sp>
+      <p:sp>
+        <p:nvSpPr>
+          <p:cNvPr id="224" name="Google Shape;224;p17">
+            <a:extLst>
+              <a:ext uri="{FF2B5EF4-FFF2-40B4-BE49-F238E27FC236}">
+                <a16:creationId xmlns:a16="http://schemas.microsoft.com/office/drawing/2014/main" id="{C4852767-3BA5-93BB-8B73-9A152E1EFB08}"/>
+              </a:ext>
+            </a:extLst>
+          </p:cNvPr>
+          <p:cNvSpPr txBox="1"/>
+          <p:nvPr/>
+        </p:nvSpPr>
+        <p:spPr>
+          <a:xfrm>
+            <a:off x="87475" y="4904250"/>
+            <a:ext cx="3967500" cy="306900"/>
+          </a:xfrm>
+          <a:prstGeom prst="rect">
+            <a:avLst/>
+          </a:prstGeom>
+          <a:noFill/>
+          <a:ln>
+            <a:noFill/>
+          </a:ln>
+        </p:spPr>
+        <p:txBody>
+          <a:bodyPr spcFirstLastPara="1" wrap="square" lIns="91425" tIns="91425" rIns="91425" bIns="91425" anchor="t" anchorCtr="0">
+            <a:spAutoFit/>
+          </a:bodyPr>
+          <a:lstStyle/>
+          <a:p>
+            <a:pPr marL="0" lvl="0" indent="0" algn="l" rtl="0">
+              <a:spcBef>
+                <a:spcPts val="0"/>
+              </a:spcBef>
+              <a:spcAft>
+                <a:spcPts val="0"/>
+              </a:spcAft>
+              <a:buNone/>
+            </a:pPr>
+            <a:r>
+              <a:rPr lang="en-US" sz="794" b="1" noProof="0" dirty="0">
+                <a:solidFill>
+                  <a:schemeClr val="lt1"/>
+                </a:solidFill>
+              </a:rPr>
+              <a:t>Peak Detection in Time Series | N. Weidemann, N. Wijemanne</a:t>
+            </a:r>
+          </a:p>
+        </p:txBody>
+      </p:sp>
+      <p:pic>
+        <p:nvPicPr>
+          <p:cNvPr id="7" name="Grafik 6" descr="Ein Bild, das Diagramm, Reihe, Text, Screenshot enthält.&#10;&#10;KI-generierte Inhalte können fehlerhaft sein.">
+            <a:extLst>
+              <a:ext uri="{FF2B5EF4-FFF2-40B4-BE49-F238E27FC236}">
+                <a16:creationId xmlns:a16="http://schemas.microsoft.com/office/drawing/2014/main" id="{BFB9F86F-1B24-C82F-F370-495759A031B0}"/>
+              </a:ext>
+            </a:extLst>
+          </p:cNvPr>
+          <p:cNvPicPr>
+            <a:picLocks noChangeAspect="1"/>
+          </p:cNvPicPr>
+          <p:nvPr/>
+        </p:nvPicPr>
+        <p:blipFill>
+          <a:blip r:embed="rId3"/>
+          <a:stretch>
+            <a:fillRect/>
+          </a:stretch>
+        </p:blipFill>
+        <p:spPr>
+          <a:xfrm>
+            <a:off x="4448620" y="2720935"/>
+            <a:ext cx="4410544" cy="1880050"/>
+          </a:xfrm>
+          <a:prstGeom prst="rect">
+            <a:avLst/>
+          </a:prstGeom>
+        </p:spPr>
+      </p:pic>
+      <p:pic>
+        <p:nvPicPr>
+          <p:cNvPr id="2" name="Grafik 1" descr="Ein Bild, das Text, Diagramm, Reihe, Schrift enthält.&#10;&#10;KI-generierte Inhalte können fehlerhaft sein.">
+            <a:extLst>
+              <a:ext uri="{FF2B5EF4-FFF2-40B4-BE49-F238E27FC236}">
+                <a16:creationId xmlns:a16="http://schemas.microsoft.com/office/drawing/2014/main" id="{CB8CDA7D-A4EC-ADB8-EDC2-C5B80F18FBFD}"/>
+              </a:ext>
+            </a:extLst>
+          </p:cNvPr>
+          <p:cNvPicPr>
+            <a:picLocks noChangeAspect="1"/>
+          </p:cNvPicPr>
+          <p:nvPr/>
+        </p:nvPicPr>
+        <p:blipFill>
+          <a:blip r:embed="rId4"/>
+          <a:stretch>
+            <a:fillRect/>
+          </a:stretch>
+        </p:blipFill>
+        <p:spPr>
+          <a:xfrm>
+            <a:off x="4448620" y="753381"/>
+            <a:ext cx="4410544" cy="1865728"/>
+          </a:xfrm>
+          <a:prstGeom prst="rect">
+            <a:avLst/>
+          </a:prstGeom>
+        </p:spPr>
+      </p:pic>
+      <p:sp>
+        <p:nvSpPr>
+          <p:cNvPr id="8" name="Google Shape;222;p17">
+            <a:extLst>
+              <a:ext uri="{FF2B5EF4-FFF2-40B4-BE49-F238E27FC236}">
+                <a16:creationId xmlns:a16="http://schemas.microsoft.com/office/drawing/2014/main" id="{D0070120-4FEF-8594-7A7C-FD5906D09088}"/>
+              </a:ext>
+            </a:extLst>
+          </p:cNvPr>
+          <p:cNvSpPr txBox="1">
+            <a:spLocks/>
+          </p:cNvSpPr>
+          <p:nvPr/>
+        </p:nvSpPr>
+        <p:spPr>
+          <a:xfrm>
+            <a:off x="359999" y="752800"/>
+            <a:ext cx="4212001" cy="3848186"/>
+          </a:xfrm>
+          <a:prstGeom prst="rect">
+            <a:avLst/>
+          </a:prstGeom>
+          <a:noFill/>
+          <a:ln>
+            <a:noFill/>
+          </a:ln>
+        </p:spPr>
+        <p:txBody>
+          <a:bodyPr spcFirstLastPara="1" wrap="square" lIns="91425" tIns="45700" rIns="91425" bIns="45700" anchor="t" anchorCtr="0">
+            <a:noAutofit/>
+          </a:bodyPr>
+          <a:lstStyle>
+            <a:defPPr marR="0" lvl="0" algn="l" rtl="0">
+              <a:lnSpc>
+                <a:spcPct val="100000"/>
+              </a:lnSpc>
+              <a:spcBef>
+                <a:spcPts val="0"/>
+              </a:spcBef>
+              <a:spcAft>
+                <a:spcPts val="0"/>
+              </a:spcAft>
+            </a:defPPr>
+            <a:lvl1pPr marL="457200" marR="0" lvl="0" indent="-339471" algn="l" rtl="0">
+              <a:lnSpc>
+                <a:spcPct val="90000"/>
+              </a:lnSpc>
+              <a:spcBef>
+                <a:spcPts val="749"/>
+              </a:spcBef>
+              <a:spcAft>
+                <a:spcPts val="0"/>
+              </a:spcAft>
+              <a:buClr>
+                <a:srgbClr val="0068B4"/>
+              </a:buClr>
+              <a:buSzPts val="1746"/>
+              <a:buFont typeface="Arial"/>
+              <a:buChar char="•"/>
+              <a:defRPr sz="1745" b="0" i="0" u="none" strike="noStrike" cap="none">
+                <a:solidFill>
+                  <a:schemeClr val="dk1"/>
+                </a:solidFill>
+                <a:latin typeface="Arial"/>
+                <a:ea typeface="Arial"/>
+                <a:cs typeface="Arial"/>
+                <a:sym typeface="Arial"/>
+              </a:defRPr>
+            </a:lvl1pPr>
+            <a:lvl2pPr marL="914400" marR="0" lvl="1" indent="-329437" algn="l" rtl="0">
+              <a:lnSpc>
+                <a:spcPct val="90000"/>
+              </a:lnSpc>
+              <a:spcBef>
+                <a:spcPts val="375"/>
+              </a:spcBef>
+              <a:spcAft>
+                <a:spcPts val="0"/>
+              </a:spcAft>
+              <a:buClr>
+                <a:srgbClr val="0068B4"/>
+              </a:buClr>
+              <a:buSzPts val="1588"/>
+              <a:buFont typeface="Arial"/>
+              <a:buChar char="•"/>
+              <a:defRPr sz="1588" b="0" i="0" u="none" strike="noStrike" cap="none">
+                <a:solidFill>
+                  <a:schemeClr val="dk1"/>
+                </a:solidFill>
+                <a:latin typeface="Arial"/>
+                <a:ea typeface="Arial"/>
+                <a:cs typeface="Arial"/>
+                <a:sym typeface="Arial"/>
+              </a:defRPr>
+            </a:lvl2pPr>
+            <a:lvl3pPr marL="1371600" marR="0" lvl="2" indent="-319341" algn="l" rtl="0">
+              <a:lnSpc>
+                <a:spcPct val="90000"/>
+              </a:lnSpc>
+              <a:spcBef>
+                <a:spcPts val="375"/>
+              </a:spcBef>
+              <a:spcAft>
+                <a:spcPts val="0"/>
+              </a:spcAft>
+              <a:buClr>
+                <a:srgbClr val="0068B4"/>
+              </a:buClr>
+              <a:buSzPts val="1429"/>
+              <a:buFont typeface="Arial"/>
+              <a:buChar char="•"/>
+              <a:defRPr sz="1429" b="0" i="0" u="none" strike="noStrike" cap="none">
+                <a:solidFill>
+                  <a:schemeClr val="dk1"/>
+                </a:solidFill>
+                <a:latin typeface="Arial"/>
+                <a:ea typeface="Arial"/>
+                <a:cs typeface="Arial"/>
+                <a:sym typeface="Arial"/>
+              </a:defRPr>
+            </a:lvl3pPr>
+            <a:lvl4pPr marL="1828800" marR="0" lvl="3" indent="-314261" algn="l" rtl="0">
+              <a:lnSpc>
+                <a:spcPct val="90000"/>
+              </a:lnSpc>
+              <a:spcBef>
+                <a:spcPts val="375"/>
+              </a:spcBef>
+              <a:spcAft>
+                <a:spcPts val="0"/>
+              </a:spcAft>
+              <a:buClr>
+                <a:srgbClr val="0068B4"/>
+              </a:buClr>
+              <a:buSzPts val="1349"/>
+              <a:buFont typeface="Arial"/>
+              <a:buChar char="•"/>
+              <a:defRPr sz="1349" b="0" i="0" u="none" strike="noStrike" cap="none">
+                <a:solidFill>
+                  <a:schemeClr val="dk1"/>
+                </a:solidFill>
+                <a:latin typeface="Arial"/>
+                <a:ea typeface="Arial"/>
+                <a:cs typeface="Arial"/>
+                <a:sym typeface="Arial"/>
+              </a:defRPr>
+            </a:lvl4pPr>
+            <a:lvl5pPr marL="2286000" marR="0" lvl="4" indent="-314261" algn="l" rtl="0">
+              <a:lnSpc>
+                <a:spcPct val="90000"/>
+              </a:lnSpc>
+              <a:spcBef>
+                <a:spcPts val="375"/>
+              </a:spcBef>
+              <a:spcAft>
+                <a:spcPts val="0"/>
+              </a:spcAft>
+              <a:buClr>
+                <a:srgbClr val="0068B4"/>
+              </a:buClr>
+              <a:buSzPts val="1349"/>
+              <a:buFont typeface="Arial"/>
+              <a:buChar char="•"/>
+              <a:defRPr sz="1349" b="0" i="0" u="none" strike="noStrike" cap="none">
+                <a:solidFill>
+                  <a:schemeClr val="dk1"/>
+                </a:solidFill>
+                <a:latin typeface="Arial"/>
+                <a:ea typeface="Arial"/>
+                <a:cs typeface="Arial"/>
+                <a:sym typeface="Arial"/>
+              </a:defRPr>
+            </a:lvl5pPr>
+            <a:lvl6pPr marL="2743200" marR="0" lvl="5" indent="-314261" algn="l" rtl="0">
+              <a:lnSpc>
+                <a:spcPct val="90000"/>
+              </a:lnSpc>
+              <a:spcBef>
+                <a:spcPts val="375"/>
+              </a:spcBef>
+              <a:spcAft>
+                <a:spcPts val="0"/>
+              </a:spcAft>
+              <a:buClr>
+                <a:schemeClr val="dk1"/>
+              </a:buClr>
+              <a:buSzPts val="1349"/>
+              <a:buFont typeface="Arial"/>
+              <a:buChar char="•"/>
+              <a:defRPr sz="1349" b="0" i="0" u="none" strike="noStrike" cap="none">
+                <a:solidFill>
+                  <a:schemeClr val="dk1"/>
+                </a:solidFill>
+                <a:latin typeface="Arial"/>
+                <a:ea typeface="Arial"/>
+                <a:cs typeface="Arial"/>
+                <a:sym typeface="Arial"/>
+              </a:defRPr>
+            </a:lvl6pPr>
+            <a:lvl7pPr marL="3200400" marR="0" lvl="6" indent="-314261" algn="l" rtl="0">
+              <a:lnSpc>
+                <a:spcPct val="90000"/>
+              </a:lnSpc>
+              <a:spcBef>
+                <a:spcPts val="375"/>
+              </a:spcBef>
+              <a:spcAft>
+                <a:spcPts val="0"/>
+              </a:spcAft>
+              <a:buClr>
+                <a:schemeClr val="dk1"/>
+              </a:buClr>
+              <a:buSzPts val="1349"/>
+              <a:buFont typeface="Arial"/>
+              <a:buChar char="•"/>
+              <a:defRPr sz="1349" b="0" i="0" u="none" strike="noStrike" cap="none">
+                <a:solidFill>
+                  <a:schemeClr val="dk1"/>
+                </a:solidFill>
+                <a:latin typeface="Arial"/>
+                <a:ea typeface="Arial"/>
+                <a:cs typeface="Arial"/>
+                <a:sym typeface="Arial"/>
+              </a:defRPr>
+            </a:lvl7pPr>
+            <a:lvl8pPr marL="3657600" marR="0" lvl="7" indent="-314261" algn="l" rtl="0">
+              <a:lnSpc>
+                <a:spcPct val="90000"/>
+              </a:lnSpc>
+              <a:spcBef>
+                <a:spcPts val="375"/>
+              </a:spcBef>
+              <a:spcAft>
+                <a:spcPts val="0"/>
+              </a:spcAft>
+              <a:buClr>
+                <a:schemeClr val="dk1"/>
+              </a:buClr>
+              <a:buSzPts val="1349"/>
+              <a:buFont typeface="Arial"/>
+              <a:buChar char="•"/>
+              <a:defRPr sz="1349" b="0" i="0" u="none" strike="noStrike" cap="none">
+                <a:solidFill>
+                  <a:schemeClr val="dk1"/>
+                </a:solidFill>
+                <a:latin typeface="Arial"/>
+                <a:ea typeface="Arial"/>
+                <a:cs typeface="Arial"/>
+                <a:sym typeface="Arial"/>
+              </a:defRPr>
+            </a:lvl8pPr>
+            <a:lvl9pPr marL="4114800" marR="0" lvl="8" indent="-314261" algn="l" rtl="0">
+              <a:lnSpc>
+                <a:spcPct val="90000"/>
+              </a:lnSpc>
+              <a:spcBef>
+                <a:spcPts val="375"/>
+              </a:spcBef>
+              <a:spcAft>
+                <a:spcPts val="0"/>
+              </a:spcAft>
+              <a:buClr>
+                <a:schemeClr val="dk1"/>
+              </a:buClr>
+              <a:buSzPts val="1349"/>
+              <a:buFont typeface="Arial"/>
+              <a:buChar char="•"/>
+              <a:defRPr sz="1349" b="0" i="0" u="none" strike="noStrike" cap="none">
+                <a:solidFill>
+                  <a:schemeClr val="dk1"/>
+                </a:solidFill>
+                <a:latin typeface="Arial"/>
+                <a:ea typeface="Arial"/>
+                <a:cs typeface="Arial"/>
+                <a:sym typeface="Arial"/>
+              </a:defRPr>
+            </a:lvl9pPr>
+          </a:lstStyle>
+          <a:p>
+            <a:pPr lvl="0" indent="-338400">
+              <a:lnSpc>
+                <a:spcPct val="95000"/>
+              </a:lnSpc>
+              <a:spcBef>
+                <a:spcPts val="1200"/>
+              </a:spcBef>
+              <a:buNone/>
+            </a:pPr>
+            <a:r>
+              <a:rPr lang="en-US" sz="1700" dirty="0"/>
+              <a:t>Analysis of the results</a:t>
+            </a:r>
+          </a:p>
+          <a:p>
+            <a:pPr lvl="0" indent="-338400">
+              <a:lnSpc>
+                <a:spcPct val="95000"/>
+              </a:lnSpc>
+              <a:spcBef>
+                <a:spcPts val="1200"/>
+              </a:spcBef>
+            </a:pPr>
+            <a:r>
+              <a:rPr lang="en-US" sz="1700" dirty="0"/>
+              <a:t>Very high precision (no false-positives)</a:t>
+            </a:r>
+          </a:p>
+          <a:p>
+            <a:pPr lvl="0" indent="-338400">
+              <a:lnSpc>
+                <a:spcPct val="95000"/>
+              </a:lnSpc>
+              <a:spcBef>
+                <a:spcPts val="1200"/>
+              </a:spcBef>
+            </a:pPr>
+            <a:r>
+              <a:rPr lang="en-US" sz="1700" dirty="0"/>
+              <a:t>Most of the true peaks were detected but not all (especially peaks with a smaller amplitude)</a:t>
+            </a:r>
+          </a:p>
+          <a:p>
+            <a:pPr lvl="0" indent="-338400">
+              <a:lnSpc>
+                <a:spcPct val="95000"/>
+              </a:lnSpc>
+              <a:spcBef>
+                <a:spcPts val="1200"/>
+              </a:spcBef>
+            </a:pPr>
+            <a:r>
+              <a:rPr lang="en-US" sz="1700" dirty="0"/>
+              <a:t>Characteristic of predicting one precise position and not an area</a:t>
+            </a:r>
+          </a:p>
+          <a:p>
+            <a:pPr indent="-338400">
+              <a:lnSpc>
+                <a:spcPct val="95000"/>
+              </a:lnSpc>
+              <a:spcBef>
+                <a:spcPts val="1200"/>
+              </a:spcBef>
+            </a:pPr>
+            <a:r>
+              <a:rPr lang="en-US" sz="1700" dirty="0"/>
+              <a:t>Can detect positive and negative peaks</a:t>
+            </a:r>
+          </a:p>
+          <a:p>
+            <a:pPr indent="-338400">
+              <a:lnSpc>
+                <a:spcPct val="95000"/>
+              </a:lnSpc>
+              <a:spcBef>
+                <a:spcPts val="1200"/>
+              </a:spcBef>
+            </a:pPr>
+            <a:r>
+              <a:rPr lang="en-US" sz="1700" dirty="0"/>
+              <a:t>Not a perfect alignment of the predicted position and the extremes</a:t>
+            </a:r>
+          </a:p>
+        </p:txBody>
+      </p:sp>
+    </p:spTree>
+    <p:extLst>
+      <p:ext uri="{BB962C8B-B14F-4D97-AF65-F5344CB8AC3E}">
+        <p14:creationId xmlns:p14="http://schemas.microsoft.com/office/powerpoint/2010/main" val="2879916801"/>
+      </p:ext>
+    </p:extLst>
+  </p:cSld>
+  <p:clrMapOvr>
+    <a:masterClrMapping/>
+  </p:clrMapOvr>
+</p:sld>
+</file>
+
+<file path=ppt/slides/slide21.xml><?xml version="1.0" encoding="utf-8"?>
+<p:sld xmlns:a="http://schemas.openxmlformats.org/drawingml/2006/main" xmlns:r="http://schemas.openxmlformats.org/officeDocument/2006/relationships" xmlns:p="http://schemas.openxmlformats.org/presentationml/2006/main">
+  <p:cSld>
+    <p:spTree>
+      <p:nvGrpSpPr>
+        <p:cNvPr id="1" name="Shape 220">
+          <a:extLst>
+            <a:ext uri="{FF2B5EF4-FFF2-40B4-BE49-F238E27FC236}">
+              <a16:creationId xmlns:a16="http://schemas.microsoft.com/office/drawing/2014/main" id="{CB7B7B60-C527-AD12-3582-779CA2ADF7E4}"/>
+            </a:ext>
+          </a:extLst>
+        </p:cNvPr>
+        <p:cNvGrpSpPr/>
+        <p:nvPr/>
+      </p:nvGrpSpPr>
+      <p:grpSpPr>
+        <a:xfrm>
+          <a:off x="0" y="0"/>
+          <a:ext cx="0" cy="0"/>
+          <a:chOff x="0" y="0"/>
+          <a:chExt cx="0" cy="0"/>
+        </a:xfrm>
+      </p:grpSpPr>
+      <p:sp>
+        <p:nvSpPr>
+          <p:cNvPr id="221" name="Google Shape;221;p17">
+            <a:extLst>
+              <a:ext uri="{FF2B5EF4-FFF2-40B4-BE49-F238E27FC236}">
+                <a16:creationId xmlns:a16="http://schemas.microsoft.com/office/drawing/2014/main" id="{C19CC9EE-9531-3EF2-8246-FA384FF8FB33}"/>
+              </a:ext>
+            </a:extLst>
+          </p:cNvPr>
+          <p:cNvSpPr txBox="1">
+            <a:spLocks noGrp="1"/>
+          </p:cNvSpPr>
+          <p:nvPr>
+            <p:ph type="title"/>
+          </p:nvPr>
+        </p:nvSpPr>
+        <p:spPr>
+          <a:xfrm>
+            <a:off x="560" y="1"/>
+            <a:ext cx="5745900" cy="520200"/>
+          </a:xfrm>
+          <a:prstGeom prst="rect">
+            <a:avLst/>
+          </a:prstGeom>
+          <a:noFill/>
+          <a:ln>
+            <a:noFill/>
+          </a:ln>
+        </p:spPr>
+        <p:txBody>
+          <a:bodyPr spcFirstLastPara="1" wrap="square" lIns="144000" tIns="0" rIns="91425" bIns="0" anchor="ctr" anchorCtr="0">
+            <a:normAutofit/>
+          </a:bodyPr>
+          <a:lstStyle/>
+          <a:p>
+            <a:pPr marL="0" lvl="0" indent="0" algn="l" rtl="0">
+              <a:lnSpc>
+                <a:spcPct val="90000"/>
+              </a:lnSpc>
+              <a:spcBef>
+                <a:spcPts val="0"/>
+              </a:spcBef>
+              <a:spcAft>
+                <a:spcPts val="0"/>
+              </a:spcAft>
+              <a:buClr>
+                <a:srgbClr val="0068B4"/>
+              </a:buClr>
+              <a:buSzPts val="1800"/>
+              <a:buFont typeface="Arial"/>
+              <a:buNone/>
+            </a:pPr>
+            <a:r>
+              <a:rPr lang="en-US" noProof="0" dirty="0"/>
+              <a:t>Results – Wavelet Transform</a:t>
+            </a:r>
+          </a:p>
+        </p:txBody>
+      </p:sp>
+      <p:sp>
+        <p:nvSpPr>
+          <p:cNvPr id="222" name="Google Shape;222;p17">
+            <a:extLst>
+              <a:ext uri="{FF2B5EF4-FFF2-40B4-BE49-F238E27FC236}">
+                <a16:creationId xmlns:a16="http://schemas.microsoft.com/office/drawing/2014/main" id="{A6AF5205-CFB5-3BD2-5989-FD728605A707}"/>
+              </a:ext>
+            </a:extLst>
+          </p:cNvPr>
+          <p:cNvSpPr txBox="1">
+            <a:spLocks noGrp="1"/>
+          </p:cNvSpPr>
+          <p:nvPr>
+            <p:ph type="body" idx="4294967295"/>
+          </p:nvPr>
+        </p:nvSpPr>
+        <p:spPr>
+          <a:xfrm>
+            <a:off x="359999" y="752800"/>
+            <a:ext cx="8424000" cy="3637890"/>
+          </a:xfrm>
+          <a:prstGeom prst="rect">
+            <a:avLst/>
+          </a:prstGeom>
+          <a:noFill/>
+          <a:ln>
+            <a:noFill/>
+          </a:ln>
+        </p:spPr>
+        <p:txBody>
+          <a:bodyPr spcFirstLastPara="1" wrap="square" lIns="91425" tIns="45700" rIns="91425" bIns="45700" anchor="t" anchorCtr="0">
+            <a:normAutofit/>
+          </a:bodyPr>
+          <a:lstStyle/>
+          <a:p>
+            <a:pPr lvl="0" indent="-338400" algn="l" rtl="0">
+              <a:lnSpc>
+                <a:spcPct val="95000"/>
+              </a:lnSpc>
+              <a:spcBef>
+                <a:spcPts val="1200"/>
+              </a:spcBef>
+              <a:spcAft>
+                <a:spcPts val="0"/>
+              </a:spcAft>
+              <a:buNone/>
+            </a:pPr>
+            <a:r>
+              <a:rPr lang="en-US" sz="1700" noProof="0" dirty="0"/>
+              <a:t>Selected parameters</a:t>
+            </a:r>
+          </a:p>
+          <a:p>
+            <a:pPr lvl="0" indent="-338400">
+              <a:lnSpc>
+                <a:spcPct val="95000"/>
+              </a:lnSpc>
+              <a:spcBef>
+                <a:spcPts val="1200"/>
+              </a:spcBef>
+            </a:pPr>
+            <a:r>
+              <a:rPr lang="en-US" sz="1700" noProof="0" dirty="0"/>
+              <a:t>Torque as an input feature</a:t>
+            </a:r>
+          </a:p>
+          <a:p>
+            <a:pPr lvl="0" indent="-338400">
+              <a:lnSpc>
+                <a:spcPct val="95000"/>
+              </a:lnSpc>
+              <a:spcBef>
+                <a:spcPts val="1200"/>
+              </a:spcBef>
+            </a:pPr>
+            <a:r>
+              <a:rPr lang="en-US" sz="1700" noProof="0" dirty="0"/>
+              <a:t>Using the Ricker-Wavelet with widths between 100 and 150</a:t>
+            </a:r>
+          </a:p>
+          <a:p>
+            <a:pPr lvl="0" indent="-338400">
+              <a:lnSpc>
+                <a:spcPct val="95000"/>
+              </a:lnSpc>
+              <a:spcBef>
+                <a:spcPts val="1200"/>
+              </a:spcBef>
+            </a:pPr>
+            <a:r>
+              <a:rPr lang="en-US" sz="1700" noProof="0" dirty="0"/>
+              <a:t>Best tradeoff between amplitude and prominence with a more realistic peak count</a:t>
+            </a:r>
+          </a:p>
+          <a:p>
+            <a:pPr lvl="0" indent="-338400" algn="l" rtl="0">
+              <a:lnSpc>
+                <a:spcPct val="95000"/>
+              </a:lnSpc>
+              <a:spcBef>
+                <a:spcPts val="1200"/>
+              </a:spcBef>
+              <a:spcAft>
+                <a:spcPts val="0"/>
+              </a:spcAft>
+              <a:buNone/>
+            </a:pPr>
+            <a:endParaRPr lang="en-US" sz="1700" noProof="0" dirty="0"/>
+          </a:p>
+        </p:txBody>
+      </p:sp>
+      <p:sp>
+        <p:nvSpPr>
+          <p:cNvPr id="223" name="Google Shape;223;p17">
+            <a:extLst>
+              <a:ext uri="{FF2B5EF4-FFF2-40B4-BE49-F238E27FC236}">
+                <a16:creationId xmlns:a16="http://schemas.microsoft.com/office/drawing/2014/main" id="{3194F5C5-848B-6C06-202B-FB74C07B0B03}"/>
+              </a:ext>
+            </a:extLst>
+          </p:cNvPr>
+          <p:cNvSpPr txBox="1">
+            <a:spLocks noGrp="1"/>
+          </p:cNvSpPr>
+          <p:nvPr>
+            <p:ph type="sldNum" idx="12"/>
+          </p:nvPr>
+        </p:nvSpPr>
+        <p:spPr>
+          <a:xfrm>
+            <a:off x="8001764" y="4972052"/>
+            <a:ext cx="857400" cy="171300"/>
+          </a:xfrm>
+          <a:prstGeom prst="rect">
+            <a:avLst/>
+          </a:prstGeom>
+          <a:noFill/>
+          <a:ln>
+            <a:noFill/>
+          </a:ln>
+        </p:spPr>
+        <p:txBody>
+          <a:bodyPr spcFirstLastPara="1" wrap="square" lIns="91425" tIns="45700" rIns="0" bIns="45700" anchor="ctr" anchorCtr="0">
+            <a:noAutofit/>
+          </a:bodyPr>
+          <a:lstStyle/>
+          <a:p>
+            <a:pPr marL="0" lvl="0" indent="0" algn="r" rtl="0">
+              <a:spcBef>
+                <a:spcPts val="0"/>
+              </a:spcBef>
+              <a:spcAft>
+                <a:spcPts val="0"/>
+              </a:spcAft>
+              <a:buNone/>
+            </a:pPr>
+            <a:fld id="{00000000-1234-1234-1234-123412341234}" type="slidenum">
+              <a:rPr lang="en-US" noProof="0" smtClean="0"/>
+              <a:t>21</a:t>
+            </a:fld>
+            <a:endParaRPr lang="en-US" noProof="0" dirty="0"/>
+          </a:p>
+        </p:txBody>
+      </p:sp>
+      <p:sp>
+        <p:nvSpPr>
+          <p:cNvPr id="224" name="Google Shape;224;p17">
+            <a:extLst>
+              <a:ext uri="{FF2B5EF4-FFF2-40B4-BE49-F238E27FC236}">
+                <a16:creationId xmlns:a16="http://schemas.microsoft.com/office/drawing/2014/main" id="{A76CA1C2-1589-EEC6-E455-2990266FD7BC}"/>
+              </a:ext>
+            </a:extLst>
+          </p:cNvPr>
+          <p:cNvSpPr txBox="1"/>
+          <p:nvPr/>
+        </p:nvSpPr>
+        <p:spPr>
+          <a:xfrm>
+            <a:off x="87475" y="4904250"/>
+            <a:ext cx="3967500" cy="306900"/>
+          </a:xfrm>
+          <a:prstGeom prst="rect">
+            <a:avLst/>
+          </a:prstGeom>
+          <a:noFill/>
+          <a:ln>
+            <a:noFill/>
+          </a:ln>
+        </p:spPr>
+        <p:txBody>
+          <a:bodyPr spcFirstLastPara="1" wrap="square" lIns="91425" tIns="91425" rIns="91425" bIns="91425" anchor="t" anchorCtr="0">
+            <a:spAutoFit/>
+          </a:bodyPr>
+          <a:lstStyle/>
+          <a:p>
+            <a:pPr marL="0" lvl="0" indent="0" algn="l" rtl="0">
+              <a:spcBef>
+                <a:spcPts val="0"/>
+              </a:spcBef>
+              <a:spcAft>
+                <a:spcPts val="0"/>
+              </a:spcAft>
+              <a:buNone/>
+            </a:pPr>
+            <a:r>
+              <a:rPr lang="en-US" sz="794" b="1" noProof="0" dirty="0">
+                <a:solidFill>
+                  <a:schemeClr val="lt1"/>
+                </a:solidFill>
+              </a:rPr>
+              <a:t>Peak Detection in Time Series | N. Weidemann, N. Wijemanne</a:t>
+            </a:r>
+          </a:p>
+        </p:txBody>
+      </p:sp>
+    </p:spTree>
+    <p:extLst>
+      <p:ext uri="{BB962C8B-B14F-4D97-AF65-F5344CB8AC3E}">
+        <p14:creationId xmlns:p14="http://schemas.microsoft.com/office/powerpoint/2010/main" val="3872412677"/>
+      </p:ext>
+    </p:extLst>
+  </p:cSld>
+  <p:clrMapOvr>
+    <a:masterClrMapping/>
+  </p:clrMapOvr>
+</p:sld>
+</file>
+
+<file path=ppt/slides/slide22.xml><?xml version="1.0" encoding="utf-8"?>
+<p:sld xmlns:a="http://schemas.openxmlformats.org/drawingml/2006/main" xmlns:r="http://schemas.openxmlformats.org/officeDocument/2006/relationships" xmlns:p="http://schemas.openxmlformats.org/presentationml/2006/main">
+  <p:cSld>
+    <p:spTree>
+      <p:nvGrpSpPr>
+        <p:cNvPr id="1" name="Shape 220">
+          <a:extLst>
+            <a:ext uri="{FF2B5EF4-FFF2-40B4-BE49-F238E27FC236}">
               <a16:creationId xmlns:a16="http://schemas.microsoft.com/office/drawing/2014/main" id="{B5B58963-1D1A-FAA3-C4B4-FA4F87BFFF30}"/>
             </a:ext>
           </a:extLst>
@@ -22957,7 +24802,7 @@
             </a:pPr>
             <a:fld id="{00000000-1234-1234-1234-123412341234}" type="slidenum">
               <a:rPr lang="en-US" noProof="0" smtClean="0"/>
-              <a:t>20</a:t>
+              <a:t>22</a:t>
             </a:fld>
             <a:endParaRPr lang="en-US" noProof="0" dirty="0"/>
           </a:p>
@@ -23438,7 +25283,7 @@
 </p:sld>
 </file>
 
-<file path=ppt/slides/slide21.xml><?xml version="1.0" encoding="utf-8"?>
+<file path=ppt/slides/slide23.xml><?xml version="1.0" encoding="utf-8"?>
 <p:sld xmlns:a="http://schemas.openxmlformats.org/drawingml/2006/main" xmlns:r="http://schemas.openxmlformats.org/officeDocument/2006/relationships" xmlns:p="http://schemas.openxmlformats.org/presentationml/2006/main">
   <p:cSld>
     <p:spTree>
@@ -23699,7 +25544,7 @@
             </a:pPr>
             <a:fld id="{00000000-1234-1234-1234-123412341234}" type="slidenum">
               <a:rPr lang="en-US" noProof="0" smtClean="0"/>
-              <a:t>21</a:t>
+              <a:t>23</a:t>
             </a:fld>
             <a:endParaRPr lang="en-US" noProof="0" dirty="0"/>
           </a:p>
@@ -23769,7 +25614,7 @@
 </p:sld>
 </file>
 
-<file path=ppt/slides/slide22.xml><?xml version="1.0" encoding="utf-8"?>
+<file path=ppt/slides/slide24.xml><?xml version="1.0" encoding="utf-8"?>
 <p:sld xmlns:a="http://schemas.openxmlformats.org/drawingml/2006/main" xmlns:r="http://schemas.openxmlformats.org/officeDocument/2006/relationships" xmlns:p="http://schemas.openxmlformats.org/presentationml/2006/main">
   <p:cSld>
     <p:spTree>
@@ -23979,7 +25824,7 @@
             </a:pPr>
             <a:fld id="{00000000-1234-1234-1234-123412341234}" type="slidenum">
               <a:rPr lang="en-US" noProof="0" smtClean="0"/>
-              <a:t>22</a:t>
+              <a:t>24</a:t>
             </a:fld>
             <a:endParaRPr lang="en-US" noProof="0" dirty="0"/>
           </a:p>
@@ -24049,7 +25894,7 @@
 </p:sld>
 </file>
 
-<file path=ppt/slides/slide23.xml><?xml version="1.0" encoding="utf-8"?>
+<file path=ppt/slides/slide25.xml><?xml version="1.0" encoding="utf-8"?>
 <p:sld xmlns:a="http://schemas.openxmlformats.org/drawingml/2006/main" xmlns:r="http://schemas.openxmlformats.org/officeDocument/2006/relationships" xmlns:p="http://schemas.openxmlformats.org/presentationml/2006/main">
   <p:cSld>
     <p:spTree>
@@ -24177,7 +26022,7 @@
             </a:pPr>
             <a:fld id="{00000000-1234-1234-1234-123412341234}" type="slidenum">
               <a:rPr lang="en-US" noProof="0" smtClean="0"/>
-              <a:t>23</a:t>
+              <a:t>25</a:t>
             </a:fld>
             <a:endParaRPr lang="en-US" noProof="0" dirty="0"/>
           </a:p>
@@ -24659,7 +26504,7 @@
 </p:sld>
 </file>
 
-<file path=ppt/slides/slide24.xml><?xml version="1.0" encoding="utf-8"?>
+<file path=ppt/slides/slide26.xml><?xml version="1.0" encoding="utf-8"?>
 <p:sld xmlns:a="http://schemas.openxmlformats.org/drawingml/2006/main" xmlns:r="http://schemas.openxmlformats.org/officeDocument/2006/relationships" xmlns:p="http://schemas.openxmlformats.org/presentationml/2006/main">
   <p:cSld>
     <p:spTree>
@@ -24898,7 +26743,7 @@
             </a:pPr>
             <a:fld id="{00000000-1234-1234-1234-123412341234}" type="slidenum">
               <a:rPr lang="en-US" noProof="0" smtClean="0"/>
-              <a:t>24</a:t>
+              <a:t>26</a:t>
             </a:fld>
             <a:endParaRPr lang="en-US" noProof="0" dirty="0"/>
           </a:p>
@@ -24968,7 +26813,7 @@
 </p:sld>
 </file>
 
-<file path=ppt/slides/slide25.xml><?xml version="1.0" encoding="utf-8"?>
+<file path=ppt/slides/slide27.xml><?xml version="1.0" encoding="utf-8"?>
 <p:sld xmlns:a="http://schemas.openxmlformats.org/drawingml/2006/main" xmlns:r="http://schemas.openxmlformats.org/officeDocument/2006/relationships" xmlns:p="http://schemas.openxmlformats.org/presentationml/2006/main">
   <p:cSld>
     <p:spTree>
@@ -25080,7 +26925,7 @@
             </a:pPr>
             <a:fld id="{00000000-1234-1234-1234-123412341234}" type="slidenum">
               <a:rPr lang="en-US" noProof="0" smtClean="0"/>
-              <a:t>25</a:t>
+              <a:t>27</a:t>
             </a:fld>
             <a:endParaRPr lang="en-US" noProof="0" dirty="0"/>
           </a:p>
@@ -25575,7 +27420,2190 @@
 </p:sld>
 </file>
 
-<file path=ppt/slides/slide26.xml><?xml version="1.0" encoding="utf-8"?>
+<file path=ppt/slides/slide28.xml><?xml version="1.0" encoding="utf-8"?>
+<p:sld xmlns:a="http://schemas.openxmlformats.org/drawingml/2006/main" xmlns:r="http://schemas.openxmlformats.org/officeDocument/2006/relationships" xmlns:p="http://schemas.openxmlformats.org/presentationml/2006/main">
+  <p:cSld>
+    <p:spTree>
+      <p:nvGrpSpPr>
+        <p:cNvPr id="1" name="Shape 220">
+          <a:extLst>
+            <a:ext uri="{FF2B5EF4-FFF2-40B4-BE49-F238E27FC236}">
+              <a16:creationId xmlns:a16="http://schemas.microsoft.com/office/drawing/2014/main" id="{1A395D55-9EE7-623D-7CD8-DB9DE16BAFB7}"/>
+            </a:ext>
+          </a:extLst>
+        </p:cNvPr>
+        <p:cNvGrpSpPr/>
+        <p:nvPr/>
+      </p:nvGrpSpPr>
+      <p:grpSpPr>
+        <a:xfrm>
+          <a:off x="0" y="0"/>
+          <a:ext cx="0" cy="0"/>
+          <a:chOff x="0" y="0"/>
+          <a:chExt cx="0" cy="0"/>
+        </a:xfrm>
+      </p:grpSpPr>
+      <p:sp>
+        <p:nvSpPr>
+          <p:cNvPr id="221" name="Google Shape;221;p17">
+            <a:extLst>
+              <a:ext uri="{FF2B5EF4-FFF2-40B4-BE49-F238E27FC236}">
+                <a16:creationId xmlns:a16="http://schemas.microsoft.com/office/drawing/2014/main" id="{C65265AD-9A13-5FED-5D38-AF925755788E}"/>
+              </a:ext>
+            </a:extLst>
+          </p:cNvPr>
+          <p:cNvSpPr txBox="1">
+            <a:spLocks noGrp="1"/>
+          </p:cNvSpPr>
+          <p:nvPr>
+            <p:ph type="title"/>
+          </p:nvPr>
+        </p:nvSpPr>
+        <p:spPr>
+          <a:xfrm>
+            <a:off x="560" y="1"/>
+            <a:ext cx="5745900" cy="520200"/>
+          </a:xfrm>
+          <a:prstGeom prst="rect">
+            <a:avLst/>
+          </a:prstGeom>
+          <a:noFill/>
+          <a:ln>
+            <a:noFill/>
+          </a:ln>
+        </p:spPr>
+        <p:txBody>
+          <a:bodyPr spcFirstLastPara="1" wrap="square" lIns="144000" tIns="0" rIns="91425" bIns="0" anchor="ctr" anchorCtr="0">
+            <a:normAutofit/>
+          </a:bodyPr>
+          <a:lstStyle/>
+          <a:p>
+            <a:pPr marL="0" lvl="0" indent="0" algn="l" rtl="0">
+              <a:lnSpc>
+                <a:spcPct val="90000"/>
+              </a:lnSpc>
+              <a:spcBef>
+                <a:spcPts val="0"/>
+              </a:spcBef>
+              <a:spcAft>
+                <a:spcPts val="0"/>
+              </a:spcAft>
+              <a:buClr>
+                <a:srgbClr val="0068B4"/>
+              </a:buClr>
+              <a:buSzPts val="1800"/>
+              <a:buFont typeface="Arial"/>
+              <a:buNone/>
+            </a:pPr>
+            <a:r>
+              <a:rPr lang="en-US" noProof="0" dirty="0"/>
+              <a:t>Results – Isolation Tree</a:t>
+            </a:r>
+          </a:p>
+        </p:txBody>
+      </p:sp>
+      <p:sp>
+        <p:nvSpPr>
+          <p:cNvPr id="222" name="Google Shape;222;p17">
+            <a:extLst>
+              <a:ext uri="{FF2B5EF4-FFF2-40B4-BE49-F238E27FC236}">
+                <a16:creationId xmlns:a16="http://schemas.microsoft.com/office/drawing/2014/main" id="{93B1BE35-D0B8-E162-E96B-1595AFBF6461}"/>
+              </a:ext>
+            </a:extLst>
+          </p:cNvPr>
+          <p:cNvSpPr txBox="1">
+            <a:spLocks noGrp="1"/>
+          </p:cNvSpPr>
+          <p:nvPr>
+            <p:ph type="body" idx="4294967295"/>
+          </p:nvPr>
+        </p:nvSpPr>
+        <p:spPr>
+          <a:xfrm>
+            <a:off x="359999" y="752800"/>
+            <a:ext cx="8424000" cy="3637890"/>
+          </a:xfrm>
+          <a:prstGeom prst="rect">
+            <a:avLst/>
+          </a:prstGeom>
+          <a:noFill/>
+          <a:ln>
+            <a:noFill/>
+          </a:ln>
+        </p:spPr>
+        <p:txBody>
+          <a:bodyPr spcFirstLastPara="1" wrap="square" lIns="91425" tIns="45700" rIns="91425" bIns="45700" anchor="t" anchorCtr="0">
+            <a:normAutofit/>
+          </a:bodyPr>
+          <a:lstStyle/>
+          <a:p>
+            <a:pPr lvl="0" indent="-338400" algn="l" rtl="0">
+              <a:lnSpc>
+                <a:spcPct val="95000"/>
+              </a:lnSpc>
+              <a:spcBef>
+                <a:spcPts val="1200"/>
+              </a:spcBef>
+              <a:spcAft>
+                <a:spcPts val="0"/>
+              </a:spcAft>
+              <a:buNone/>
+            </a:pPr>
+            <a:r>
+              <a:rPr lang="en-US" sz="1700" noProof="0" dirty="0"/>
+              <a:t>Selected parameters</a:t>
+            </a:r>
+          </a:p>
+          <a:p>
+            <a:pPr lvl="0" indent="-338400">
+              <a:lnSpc>
+                <a:spcPct val="95000"/>
+              </a:lnSpc>
+              <a:spcBef>
+                <a:spcPts val="1200"/>
+              </a:spcBef>
+            </a:pPr>
+            <a:r>
+              <a:rPr lang="en-US" sz="1700" noProof="0" dirty="0"/>
+              <a:t>Features: Torque, Moving Average of Torque as input</a:t>
+            </a:r>
+          </a:p>
+          <a:p>
+            <a:pPr lvl="0" indent="-338400">
+              <a:lnSpc>
+                <a:spcPct val="95000"/>
+              </a:lnSpc>
+              <a:spcBef>
+                <a:spcPts val="1200"/>
+              </a:spcBef>
+            </a:pPr>
+            <a:r>
+              <a:rPr lang="en-US" sz="1700" noProof="0" dirty="0"/>
+              <a:t>Parameters: </a:t>
+            </a:r>
+            <a:endParaRPr lang="en-US" sz="1543" noProof="0" dirty="0"/>
+          </a:p>
+          <a:p>
+            <a:pPr lvl="1" indent="-338400">
+              <a:lnSpc>
+                <a:spcPct val="95000"/>
+              </a:lnSpc>
+              <a:spcBef>
+                <a:spcPts val="1200"/>
+              </a:spcBef>
+            </a:pPr>
+            <a:r>
+              <a:rPr lang="en-US" sz="1543" dirty="0"/>
+              <a:t>Contamination: </a:t>
+            </a:r>
+            <a:r>
+              <a:rPr lang="en-US" sz="1700" noProof="0" dirty="0"/>
+              <a:t>0.01</a:t>
+            </a:r>
+          </a:p>
+          <a:p>
+            <a:pPr lvl="1" indent="-338400">
+              <a:lnSpc>
+                <a:spcPct val="95000"/>
+              </a:lnSpc>
+              <a:spcBef>
+                <a:spcPts val="1200"/>
+              </a:spcBef>
+            </a:pPr>
+            <a:r>
+              <a:rPr lang="en-US" sz="1700" noProof="0" dirty="0"/>
+              <a:t>Number of estimators</a:t>
+            </a:r>
+            <a:r>
+              <a:rPr lang="en-US" sz="1700" dirty="0"/>
+              <a:t>: 100</a:t>
+            </a:r>
+            <a:endParaRPr lang="en-US" sz="1700" noProof="0" dirty="0"/>
+          </a:p>
+          <a:p>
+            <a:pPr lvl="0" indent="-338400">
+              <a:lnSpc>
+                <a:spcPct val="95000"/>
+              </a:lnSpc>
+              <a:spcBef>
+                <a:spcPts val="1200"/>
+              </a:spcBef>
+            </a:pPr>
+            <a:r>
+              <a:rPr lang="en-US" sz="1700" noProof="0" dirty="0"/>
+              <a:t>Higher median F1 score (against pseudo labels ) and more realistic peak count</a:t>
+            </a:r>
+          </a:p>
+          <a:p>
+            <a:pPr lvl="0" indent="-338400">
+              <a:lnSpc>
+                <a:spcPct val="95000"/>
+              </a:lnSpc>
+              <a:spcBef>
+                <a:spcPts val="1200"/>
+              </a:spcBef>
+            </a:pPr>
+            <a:r>
+              <a:rPr lang="en-US" sz="1700" dirty="0"/>
+              <a:t>However, better results for certain sequences </a:t>
+            </a:r>
+            <a:r>
+              <a:rPr lang="en-US" sz="1700" dirty="0">
+                <a:sym typeface="Wingdings" panose="05000000000000000000" pitchFamily="2" charset="2"/>
+              </a:rPr>
+              <a:t> Not very generalizable</a:t>
+            </a:r>
+            <a:endParaRPr lang="en-US" sz="1700" noProof="0" dirty="0"/>
+          </a:p>
+          <a:p>
+            <a:pPr lvl="0" indent="-338400" algn="l" rtl="0">
+              <a:lnSpc>
+                <a:spcPct val="95000"/>
+              </a:lnSpc>
+              <a:spcBef>
+                <a:spcPts val="1200"/>
+              </a:spcBef>
+              <a:spcAft>
+                <a:spcPts val="0"/>
+              </a:spcAft>
+              <a:buNone/>
+            </a:pPr>
+            <a:endParaRPr lang="en-US" sz="1700" noProof="0" dirty="0"/>
+          </a:p>
+        </p:txBody>
+      </p:sp>
+      <p:sp>
+        <p:nvSpPr>
+          <p:cNvPr id="223" name="Google Shape;223;p17">
+            <a:extLst>
+              <a:ext uri="{FF2B5EF4-FFF2-40B4-BE49-F238E27FC236}">
+                <a16:creationId xmlns:a16="http://schemas.microsoft.com/office/drawing/2014/main" id="{F5952906-0D37-DEE2-B7AF-5A3A7BA8D42C}"/>
+              </a:ext>
+            </a:extLst>
+          </p:cNvPr>
+          <p:cNvSpPr txBox="1">
+            <a:spLocks noGrp="1"/>
+          </p:cNvSpPr>
+          <p:nvPr>
+            <p:ph type="sldNum" idx="12"/>
+          </p:nvPr>
+        </p:nvSpPr>
+        <p:spPr>
+          <a:xfrm>
+            <a:off x="8001764" y="4972052"/>
+            <a:ext cx="857400" cy="171300"/>
+          </a:xfrm>
+          <a:prstGeom prst="rect">
+            <a:avLst/>
+          </a:prstGeom>
+          <a:noFill/>
+          <a:ln>
+            <a:noFill/>
+          </a:ln>
+        </p:spPr>
+        <p:txBody>
+          <a:bodyPr spcFirstLastPara="1" wrap="square" lIns="91425" tIns="45700" rIns="0" bIns="45700" anchor="ctr" anchorCtr="0">
+            <a:noAutofit/>
+          </a:bodyPr>
+          <a:lstStyle/>
+          <a:p>
+            <a:pPr marL="0" lvl="0" indent="0" algn="r" rtl="0">
+              <a:spcBef>
+                <a:spcPts val="0"/>
+              </a:spcBef>
+              <a:spcAft>
+                <a:spcPts val="0"/>
+              </a:spcAft>
+              <a:buNone/>
+            </a:pPr>
+            <a:fld id="{00000000-1234-1234-1234-123412341234}" type="slidenum">
+              <a:rPr lang="en-US" noProof="0" smtClean="0"/>
+              <a:t>28</a:t>
+            </a:fld>
+            <a:endParaRPr lang="en-US" noProof="0" dirty="0"/>
+          </a:p>
+        </p:txBody>
+      </p:sp>
+      <p:sp>
+        <p:nvSpPr>
+          <p:cNvPr id="224" name="Google Shape;224;p17">
+            <a:extLst>
+              <a:ext uri="{FF2B5EF4-FFF2-40B4-BE49-F238E27FC236}">
+                <a16:creationId xmlns:a16="http://schemas.microsoft.com/office/drawing/2014/main" id="{D7DF8630-C98F-1BB0-D4BA-46EC325D87AE}"/>
+              </a:ext>
+            </a:extLst>
+          </p:cNvPr>
+          <p:cNvSpPr txBox="1"/>
+          <p:nvPr/>
+        </p:nvSpPr>
+        <p:spPr>
+          <a:xfrm>
+            <a:off x="87475" y="4904250"/>
+            <a:ext cx="3967500" cy="306900"/>
+          </a:xfrm>
+          <a:prstGeom prst="rect">
+            <a:avLst/>
+          </a:prstGeom>
+          <a:noFill/>
+          <a:ln>
+            <a:noFill/>
+          </a:ln>
+        </p:spPr>
+        <p:txBody>
+          <a:bodyPr spcFirstLastPara="1" wrap="square" lIns="91425" tIns="91425" rIns="91425" bIns="91425" anchor="t" anchorCtr="0">
+            <a:spAutoFit/>
+          </a:bodyPr>
+          <a:lstStyle/>
+          <a:p>
+            <a:pPr marL="0" lvl="0" indent="0" algn="l" rtl="0">
+              <a:spcBef>
+                <a:spcPts val="0"/>
+              </a:spcBef>
+              <a:spcAft>
+                <a:spcPts val="0"/>
+              </a:spcAft>
+              <a:buNone/>
+            </a:pPr>
+            <a:r>
+              <a:rPr lang="en-US" sz="794" b="1" noProof="0" dirty="0">
+                <a:solidFill>
+                  <a:schemeClr val="lt1"/>
+                </a:solidFill>
+              </a:rPr>
+              <a:t>Peak Detection in Time Series | N. Weidemann, N. Wijemanne</a:t>
+            </a:r>
+          </a:p>
+        </p:txBody>
+      </p:sp>
+    </p:spTree>
+    <p:extLst>
+      <p:ext uri="{BB962C8B-B14F-4D97-AF65-F5344CB8AC3E}">
+        <p14:creationId xmlns:p14="http://schemas.microsoft.com/office/powerpoint/2010/main" val="265922092"/>
+      </p:ext>
+    </p:extLst>
+  </p:cSld>
+  <p:clrMapOvr>
+    <a:masterClrMapping/>
+  </p:clrMapOvr>
+</p:sld>
+</file>
+
+<file path=ppt/slides/slide29.xml><?xml version="1.0" encoding="utf-8"?>
+<p:sld xmlns:a="http://schemas.openxmlformats.org/drawingml/2006/main" xmlns:r="http://schemas.openxmlformats.org/officeDocument/2006/relationships" xmlns:p="http://schemas.openxmlformats.org/presentationml/2006/main">
+  <p:cSld>
+    <p:spTree>
+      <p:nvGrpSpPr>
+        <p:cNvPr id="1" name="Shape 220">
+          <a:extLst>
+            <a:ext uri="{FF2B5EF4-FFF2-40B4-BE49-F238E27FC236}">
+              <a16:creationId xmlns:a16="http://schemas.microsoft.com/office/drawing/2014/main" id="{24E158D6-B7CA-B20D-F1C5-9A33BA6FD5C8}"/>
+            </a:ext>
+          </a:extLst>
+        </p:cNvPr>
+        <p:cNvGrpSpPr/>
+        <p:nvPr/>
+      </p:nvGrpSpPr>
+      <p:grpSpPr>
+        <a:xfrm>
+          <a:off x="0" y="0"/>
+          <a:ext cx="0" cy="0"/>
+          <a:chOff x="0" y="0"/>
+          <a:chExt cx="0" cy="0"/>
+        </a:xfrm>
+      </p:grpSpPr>
+      <p:sp>
+        <p:nvSpPr>
+          <p:cNvPr id="221" name="Google Shape;221;p17">
+            <a:extLst>
+              <a:ext uri="{FF2B5EF4-FFF2-40B4-BE49-F238E27FC236}">
+                <a16:creationId xmlns:a16="http://schemas.microsoft.com/office/drawing/2014/main" id="{931A9D1B-33A5-15EA-DD85-B45A552B4355}"/>
+              </a:ext>
+            </a:extLst>
+          </p:cNvPr>
+          <p:cNvSpPr txBox="1">
+            <a:spLocks noGrp="1"/>
+          </p:cNvSpPr>
+          <p:nvPr>
+            <p:ph type="title"/>
+          </p:nvPr>
+        </p:nvSpPr>
+        <p:spPr>
+          <a:xfrm>
+            <a:off x="560" y="1"/>
+            <a:ext cx="5745900" cy="520200"/>
+          </a:xfrm>
+          <a:prstGeom prst="rect">
+            <a:avLst/>
+          </a:prstGeom>
+          <a:noFill/>
+          <a:ln>
+            <a:noFill/>
+          </a:ln>
+        </p:spPr>
+        <p:txBody>
+          <a:bodyPr spcFirstLastPara="1" wrap="square" lIns="144000" tIns="0" rIns="91425" bIns="0" anchor="ctr" anchorCtr="0">
+            <a:normAutofit/>
+          </a:bodyPr>
+          <a:lstStyle/>
+          <a:p>
+            <a:pPr lvl="0"/>
+            <a:r>
+              <a:rPr lang="en-US" noProof="0" dirty="0"/>
+              <a:t>Results – Isolation tree</a:t>
+            </a:r>
+          </a:p>
+        </p:txBody>
+      </p:sp>
+      <p:sp>
+        <p:nvSpPr>
+          <p:cNvPr id="223" name="Google Shape;223;p17">
+            <a:extLst>
+              <a:ext uri="{FF2B5EF4-FFF2-40B4-BE49-F238E27FC236}">
+                <a16:creationId xmlns:a16="http://schemas.microsoft.com/office/drawing/2014/main" id="{F51505B8-2572-23E7-6090-98AFF96E91A8}"/>
+              </a:ext>
+            </a:extLst>
+          </p:cNvPr>
+          <p:cNvSpPr txBox="1">
+            <a:spLocks noGrp="1"/>
+          </p:cNvSpPr>
+          <p:nvPr>
+            <p:ph type="sldNum" idx="12"/>
+          </p:nvPr>
+        </p:nvSpPr>
+        <p:spPr>
+          <a:xfrm>
+            <a:off x="8001764" y="4972052"/>
+            <a:ext cx="857400" cy="171300"/>
+          </a:xfrm>
+          <a:prstGeom prst="rect">
+            <a:avLst/>
+          </a:prstGeom>
+          <a:noFill/>
+          <a:ln>
+            <a:noFill/>
+          </a:ln>
+        </p:spPr>
+        <p:txBody>
+          <a:bodyPr spcFirstLastPara="1" wrap="square" lIns="91425" tIns="45700" rIns="0" bIns="45700" anchor="ctr" anchorCtr="0">
+            <a:noAutofit/>
+          </a:bodyPr>
+          <a:lstStyle/>
+          <a:p>
+            <a:pPr marL="0" lvl="0" indent="0" algn="r" rtl="0">
+              <a:spcBef>
+                <a:spcPts val="0"/>
+              </a:spcBef>
+              <a:spcAft>
+                <a:spcPts val="0"/>
+              </a:spcAft>
+              <a:buNone/>
+            </a:pPr>
+            <a:fld id="{00000000-1234-1234-1234-123412341234}" type="slidenum">
+              <a:rPr lang="en-US" noProof="0" smtClean="0"/>
+              <a:t>29</a:t>
+            </a:fld>
+            <a:endParaRPr lang="en-US" noProof="0" dirty="0"/>
+          </a:p>
+        </p:txBody>
+      </p:sp>
+      <p:sp>
+        <p:nvSpPr>
+          <p:cNvPr id="224" name="Google Shape;224;p17">
+            <a:extLst>
+              <a:ext uri="{FF2B5EF4-FFF2-40B4-BE49-F238E27FC236}">
+                <a16:creationId xmlns:a16="http://schemas.microsoft.com/office/drawing/2014/main" id="{3D83B546-8C58-0D80-9569-E4803C7615BB}"/>
+              </a:ext>
+            </a:extLst>
+          </p:cNvPr>
+          <p:cNvSpPr txBox="1"/>
+          <p:nvPr/>
+        </p:nvSpPr>
+        <p:spPr>
+          <a:xfrm>
+            <a:off x="87475" y="4904250"/>
+            <a:ext cx="3967500" cy="306900"/>
+          </a:xfrm>
+          <a:prstGeom prst="rect">
+            <a:avLst/>
+          </a:prstGeom>
+          <a:noFill/>
+          <a:ln>
+            <a:noFill/>
+          </a:ln>
+        </p:spPr>
+        <p:txBody>
+          <a:bodyPr spcFirstLastPara="1" wrap="square" lIns="91425" tIns="91425" rIns="91425" bIns="91425" anchor="t" anchorCtr="0">
+            <a:spAutoFit/>
+          </a:bodyPr>
+          <a:lstStyle/>
+          <a:p>
+            <a:pPr marL="0" lvl="0" indent="0" algn="l" rtl="0">
+              <a:spcBef>
+                <a:spcPts val="0"/>
+              </a:spcBef>
+              <a:spcAft>
+                <a:spcPts val="0"/>
+              </a:spcAft>
+              <a:buNone/>
+            </a:pPr>
+            <a:r>
+              <a:rPr lang="en-US" sz="794" b="1" noProof="0" dirty="0">
+                <a:solidFill>
+                  <a:schemeClr val="lt1"/>
+                </a:solidFill>
+              </a:rPr>
+              <a:t>Peak Detection in Time Series | N. Weidemann, N. Wijemanne</a:t>
+            </a:r>
+          </a:p>
+        </p:txBody>
+      </p:sp>
+      <p:sp>
+        <p:nvSpPr>
+          <p:cNvPr id="3" name="Google Shape;222;p17">
+            <a:extLst>
+              <a:ext uri="{FF2B5EF4-FFF2-40B4-BE49-F238E27FC236}">
+                <a16:creationId xmlns:a16="http://schemas.microsoft.com/office/drawing/2014/main" id="{605DEDAE-F240-BCA2-E79E-FAAFF1CAFBE5}"/>
+              </a:ext>
+            </a:extLst>
+          </p:cNvPr>
+          <p:cNvSpPr txBox="1">
+            <a:spLocks/>
+          </p:cNvSpPr>
+          <p:nvPr/>
+        </p:nvSpPr>
+        <p:spPr>
+          <a:xfrm>
+            <a:off x="360000" y="752799"/>
+            <a:ext cx="4101998" cy="3848185"/>
+          </a:xfrm>
+          <a:prstGeom prst="rect">
+            <a:avLst/>
+          </a:prstGeom>
+          <a:noFill/>
+          <a:ln>
+            <a:noFill/>
+          </a:ln>
+        </p:spPr>
+        <p:txBody>
+          <a:bodyPr spcFirstLastPara="1" wrap="square" lIns="91425" tIns="45700" rIns="91425" bIns="45700" anchor="t" anchorCtr="0">
+            <a:normAutofit/>
+          </a:bodyPr>
+          <a:lstStyle>
+            <a:defPPr marR="0" lvl="0" algn="l" rtl="0">
+              <a:lnSpc>
+                <a:spcPct val="100000"/>
+              </a:lnSpc>
+              <a:spcBef>
+                <a:spcPts val="0"/>
+              </a:spcBef>
+              <a:spcAft>
+                <a:spcPts val="0"/>
+              </a:spcAft>
+            </a:defPPr>
+            <a:lvl1pPr marL="457200" marR="0" lvl="0" indent="-339471" algn="l" rtl="0">
+              <a:lnSpc>
+                <a:spcPct val="90000"/>
+              </a:lnSpc>
+              <a:spcBef>
+                <a:spcPts val="749"/>
+              </a:spcBef>
+              <a:spcAft>
+                <a:spcPts val="0"/>
+              </a:spcAft>
+              <a:buClr>
+                <a:srgbClr val="0068B4"/>
+              </a:buClr>
+              <a:buSzPts val="1746"/>
+              <a:buFont typeface="Arial"/>
+              <a:buChar char="•"/>
+              <a:defRPr sz="1745" b="0" i="0" u="none" strike="noStrike" cap="none">
+                <a:solidFill>
+                  <a:schemeClr val="dk1"/>
+                </a:solidFill>
+                <a:latin typeface="Arial"/>
+                <a:ea typeface="Arial"/>
+                <a:cs typeface="Arial"/>
+                <a:sym typeface="Arial"/>
+              </a:defRPr>
+            </a:lvl1pPr>
+            <a:lvl2pPr marL="914400" marR="0" lvl="1" indent="-329437" algn="l" rtl="0">
+              <a:lnSpc>
+                <a:spcPct val="90000"/>
+              </a:lnSpc>
+              <a:spcBef>
+                <a:spcPts val="375"/>
+              </a:spcBef>
+              <a:spcAft>
+                <a:spcPts val="0"/>
+              </a:spcAft>
+              <a:buClr>
+                <a:srgbClr val="0068B4"/>
+              </a:buClr>
+              <a:buSzPts val="1588"/>
+              <a:buFont typeface="Arial"/>
+              <a:buChar char="•"/>
+              <a:defRPr sz="1588" b="0" i="0" u="none" strike="noStrike" cap="none">
+                <a:solidFill>
+                  <a:schemeClr val="dk1"/>
+                </a:solidFill>
+                <a:latin typeface="Arial"/>
+                <a:ea typeface="Arial"/>
+                <a:cs typeface="Arial"/>
+                <a:sym typeface="Arial"/>
+              </a:defRPr>
+            </a:lvl2pPr>
+            <a:lvl3pPr marL="1371600" marR="0" lvl="2" indent="-319341" algn="l" rtl="0">
+              <a:lnSpc>
+                <a:spcPct val="90000"/>
+              </a:lnSpc>
+              <a:spcBef>
+                <a:spcPts val="375"/>
+              </a:spcBef>
+              <a:spcAft>
+                <a:spcPts val="0"/>
+              </a:spcAft>
+              <a:buClr>
+                <a:srgbClr val="0068B4"/>
+              </a:buClr>
+              <a:buSzPts val="1429"/>
+              <a:buFont typeface="Arial"/>
+              <a:buChar char="•"/>
+              <a:defRPr sz="1429" b="0" i="0" u="none" strike="noStrike" cap="none">
+                <a:solidFill>
+                  <a:schemeClr val="dk1"/>
+                </a:solidFill>
+                <a:latin typeface="Arial"/>
+                <a:ea typeface="Arial"/>
+                <a:cs typeface="Arial"/>
+                <a:sym typeface="Arial"/>
+              </a:defRPr>
+            </a:lvl3pPr>
+            <a:lvl4pPr marL="1828800" marR="0" lvl="3" indent="-314261" algn="l" rtl="0">
+              <a:lnSpc>
+                <a:spcPct val="90000"/>
+              </a:lnSpc>
+              <a:spcBef>
+                <a:spcPts val="375"/>
+              </a:spcBef>
+              <a:spcAft>
+                <a:spcPts val="0"/>
+              </a:spcAft>
+              <a:buClr>
+                <a:srgbClr val="0068B4"/>
+              </a:buClr>
+              <a:buSzPts val="1349"/>
+              <a:buFont typeface="Arial"/>
+              <a:buChar char="•"/>
+              <a:defRPr sz="1349" b="0" i="0" u="none" strike="noStrike" cap="none">
+                <a:solidFill>
+                  <a:schemeClr val="dk1"/>
+                </a:solidFill>
+                <a:latin typeface="Arial"/>
+                <a:ea typeface="Arial"/>
+                <a:cs typeface="Arial"/>
+                <a:sym typeface="Arial"/>
+              </a:defRPr>
+            </a:lvl4pPr>
+            <a:lvl5pPr marL="2286000" marR="0" lvl="4" indent="-314261" algn="l" rtl="0">
+              <a:lnSpc>
+                <a:spcPct val="90000"/>
+              </a:lnSpc>
+              <a:spcBef>
+                <a:spcPts val="375"/>
+              </a:spcBef>
+              <a:spcAft>
+                <a:spcPts val="0"/>
+              </a:spcAft>
+              <a:buClr>
+                <a:srgbClr val="0068B4"/>
+              </a:buClr>
+              <a:buSzPts val="1349"/>
+              <a:buFont typeface="Arial"/>
+              <a:buChar char="•"/>
+              <a:defRPr sz="1349" b="0" i="0" u="none" strike="noStrike" cap="none">
+                <a:solidFill>
+                  <a:schemeClr val="dk1"/>
+                </a:solidFill>
+                <a:latin typeface="Arial"/>
+                <a:ea typeface="Arial"/>
+                <a:cs typeface="Arial"/>
+                <a:sym typeface="Arial"/>
+              </a:defRPr>
+            </a:lvl5pPr>
+            <a:lvl6pPr marL="2743200" marR="0" lvl="5" indent="-314261" algn="l" rtl="0">
+              <a:lnSpc>
+                <a:spcPct val="90000"/>
+              </a:lnSpc>
+              <a:spcBef>
+                <a:spcPts val="375"/>
+              </a:spcBef>
+              <a:spcAft>
+                <a:spcPts val="0"/>
+              </a:spcAft>
+              <a:buClr>
+                <a:schemeClr val="dk1"/>
+              </a:buClr>
+              <a:buSzPts val="1349"/>
+              <a:buFont typeface="Arial"/>
+              <a:buChar char="•"/>
+              <a:defRPr sz="1349" b="0" i="0" u="none" strike="noStrike" cap="none">
+                <a:solidFill>
+                  <a:schemeClr val="dk1"/>
+                </a:solidFill>
+                <a:latin typeface="Arial"/>
+                <a:ea typeface="Arial"/>
+                <a:cs typeface="Arial"/>
+                <a:sym typeface="Arial"/>
+              </a:defRPr>
+            </a:lvl6pPr>
+            <a:lvl7pPr marL="3200400" marR="0" lvl="6" indent="-314261" algn="l" rtl="0">
+              <a:lnSpc>
+                <a:spcPct val="90000"/>
+              </a:lnSpc>
+              <a:spcBef>
+                <a:spcPts val="375"/>
+              </a:spcBef>
+              <a:spcAft>
+                <a:spcPts val="0"/>
+              </a:spcAft>
+              <a:buClr>
+                <a:schemeClr val="dk1"/>
+              </a:buClr>
+              <a:buSzPts val="1349"/>
+              <a:buFont typeface="Arial"/>
+              <a:buChar char="•"/>
+              <a:defRPr sz="1349" b="0" i="0" u="none" strike="noStrike" cap="none">
+                <a:solidFill>
+                  <a:schemeClr val="dk1"/>
+                </a:solidFill>
+                <a:latin typeface="Arial"/>
+                <a:ea typeface="Arial"/>
+                <a:cs typeface="Arial"/>
+                <a:sym typeface="Arial"/>
+              </a:defRPr>
+            </a:lvl7pPr>
+            <a:lvl8pPr marL="3657600" marR="0" lvl="7" indent="-314261" algn="l" rtl="0">
+              <a:lnSpc>
+                <a:spcPct val="90000"/>
+              </a:lnSpc>
+              <a:spcBef>
+                <a:spcPts val="375"/>
+              </a:spcBef>
+              <a:spcAft>
+                <a:spcPts val="0"/>
+              </a:spcAft>
+              <a:buClr>
+                <a:schemeClr val="dk1"/>
+              </a:buClr>
+              <a:buSzPts val="1349"/>
+              <a:buFont typeface="Arial"/>
+              <a:buChar char="•"/>
+              <a:defRPr sz="1349" b="0" i="0" u="none" strike="noStrike" cap="none">
+                <a:solidFill>
+                  <a:schemeClr val="dk1"/>
+                </a:solidFill>
+                <a:latin typeface="Arial"/>
+                <a:ea typeface="Arial"/>
+                <a:cs typeface="Arial"/>
+                <a:sym typeface="Arial"/>
+              </a:defRPr>
+            </a:lvl8pPr>
+            <a:lvl9pPr marL="4114800" marR="0" lvl="8" indent="-314261" algn="l" rtl="0">
+              <a:lnSpc>
+                <a:spcPct val="90000"/>
+              </a:lnSpc>
+              <a:spcBef>
+                <a:spcPts val="375"/>
+              </a:spcBef>
+              <a:spcAft>
+                <a:spcPts val="0"/>
+              </a:spcAft>
+              <a:buClr>
+                <a:schemeClr val="dk1"/>
+              </a:buClr>
+              <a:buSzPts val="1349"/>
+              <a:buFont typeface="Arial"/>
+              <a:buChar char="•"/>
+              <a:defRPr sz="1349" b="0" i="0" u="none" strike="noStrike" cap="none">
+                <a:solidFill>
+                  <a:schemeClr val="dk1"/>
+                </a:solidFill>
+                <a:latin typeface="Arial"/>
+                <a:ea typeface="Arial"/>
+                <a:cs typeface="Arial"/>
+                <a:sym typeface="Arial"/>
+              </a:defRPr>
+            </a:lvl9pPr>
+          </a:lstStyle>
+          <a:p>
+            <a:pPr lvl="0" indent="-338400">
+              <a:lnSpc>
+                <a:spcPct val="105000"/>
+              </a:lnSpc>
+              <a:spcBef>
+                <a:spcPts val="1200"/>
+              </a:spcBef>
+              <a:buNone/>
+            </a:pPr>
+            <a:r>
+              <a:rPr lang="en-US" sz="1700" dirty="0"/>
+              <a:t>Analysis of the results</a:t>
+            </a:r>
+          </a:p>
+          <a:p>
+            <a:pPr lvl="0" indent="-338400">
+              <a:lnSpc>
+                <a:spcPct val="105000"/>
+              </a:lnSpc>
+              <a:spcBef>
+                <a:spcPts val="1200"/>
+              </a:spcBef>
+            </a:pPr>
+            <a:r>
+              <a:rPr lang="en-US" sz="1700" dirty="0"/>
+              <a:t>Not many false-positives issued on the sequences</a:t>
+            </a:r>
+          </a:p>
+          <a:p>
+            <a:pPr lvl="0" indent="-338400">
+              <a:lnSpc>
+                <a:spcPct val="105000"/>
+              </a:lnSpc>
+              <a:spcBef>
+                <a:spcPts val="1200"/>
+              </a:spcBef>
+            </a:pPr>
+            <a:r>
+              <a:rPr lang="en-US" sz="1700" dirty="0"/>
+              <a:t>Many peaks were not detected</a:t>
+            </a:r>
+          </a:p>
+          <a:p>
+            <a:pPr lvl="0" indent="-338400">
+              <a:lnSpc>
+                <a:spcPct val="105000"/>
+              </a:lnSpc>
+              <a:spcBef>
+                <a:spcPts val="1200"/>
+              </a:spcBef>
+            </a:pPr>
+            <a:r>
+              <a:rPr lang="en-US" sz="1700" dirty="0"/>
+              <a:t>Characteristic of marking the whole peak area instead of just one precise position</a:t>
+            </a:r>
+          </a:p>
+          <a:p>
+            <a:pPr indent="-338400">
+              <a:lnSpc>
+                <a:spcPct val="105000"/>
+              </a:lnSpc>
+              <a:spcBef>
+                <a:spcPts val="1200"/>
+              </a:spcBef>
+            </a:pPr>
+            <a:r>
+              <a:rPr lang="en-US" sz="1700" dirty="0"/>
+              <a:t>Can detect positive and negative peaks</a:t>
+            </a:r>
+          </a:p>
+        </p:txBody>
+      </p:sp>
+      <p:pic>
+        <p:nvPicPr>
+          <p:cNvPr id="10" name="Picture 9" descr="A graph showing a line of different colored lines&#10;&#10;AI-generated content may be incorrect.">
+            <a:extLst>
+              <a:ext uri="{FF2B5EF4-FFF2-40B4-BE49-F238E27FC236}">
+                <a16:creationId xmlns:a16="http://schemas.microsoft.com/office/drawing/2014/main" id="{98023A4F-1F27-7215-6205-F1D9ECA50155}"/>
+              </a:ext>
+            </a:extLst>
+          </p:cNvPr>
+          <p:cNvPicPr>
+            <a:picLocks noChangeAspect="1"/>
+          </p:cNvPicPr>
+          <p:nvPr/>
+        </p:nvPicPr>
+        <p:blipFill>
+          <a:blip r:embed="rId3"/>
+          <a:srcRect l="3166" t="7789" r="1676" b="6177"/>
+          <a:stretch>
+            <a:fillRect/>
+          </a:stretch>
+        </p:blipFill>
+        <p:spPr>
+          <a:xfrm>
+            <a:off x="4400060" y="2879261"/>
+            <a:ext cx="4654563" cy="1803529"/>
+          </a:xfrm>
+          <a:prstGeom prst="rect">
+            <a:avLst/>
+          </a:prstGeom>
+        </p:spPr>
+      </p:pic>
+      <p:pic>
+        <p:nvPicPr>
+          <p:cNvPr id="18" name="Picture 17">
+            <a:extLst>
+              <a:ext uri="{FF2B5EF4-FFF2-40B4-BE49-F238E27FC236}">
+                <a16:creationId xmlns:a16="http://schemas.microsoft.com/office/drawing/2014/main" id="{01C5CE52-345A-06F3-41E2-45F61237748E}"/>
+              </a:ext>
+            </a:extLst>
+          </p:cNvPr>
+          <p:cNvPicPr>
+            <a:picLocks noChangeAspect="1"/>
+          </p:cNvPicPr>
+          <p:nvPr/>
+        </p:nvPicPr>
+        <p:blipFill>
+          <a:blip r:embed="rId4"/>
+          <a:srcRect t="5792"/>
+          <a:stretch>
+            <a:fillRect/>
+          </a:stretch>
+        </p:blipFill>
+        <p:spPr>
+          <a:xfrm>
+            <a:off x="4400059" y="843134"/>
+            <a:ext cx="4694723" cy="1851940"/>
+          </a:xfrm>
+          <a:prstGeom prst="rect">
+            <a:avLst/>
+          </a:prstGeom>
+        </p:spPr>
+      </p:pic>
+    </p:spTree>
+    <p:extLst>
+      <p:ext uri="{BB962C8B-B14F-4D97-AF65-F5344CB8AC3E}">
+        <p14:creationId xmlns:p14="http://schemas.microsoft.com/office/powerpoint/2010/main" val="4246052962"/>
+      </p:ext>
+    </p:extLst>
+  </p:cSld>
+  <p:clrMapOvr>
+    <a:masterClrMapping/>
+  </p:clrMapOvr>
+</p:sld>
+</file>
+
+<file path=ppt/slides/slide3.xml><?xml version="1.0" encoding="utf-8"?>
+<p:sld xmlns:a="http://schemas.openxmlformats.org/drawingml/2006/main" xmlns:r="http://schemas.openxmlformats.org/officeDocument/2006/relationships" xmlns:p="http://schemas.openxmlformats.org/presentationml/2006/main">
+  <p:cSld>
+    <p:spTree>
+      <p:nvGrpSpPr>
+        <p:cNvPr id="1" name="Shape 193"/>
+        <p:cNvGrpSpPr/>
+        <p:nvPr/>
+      </p:nvGrpSpPr>
+      <p:grpSpPr>
+        <a:xfrm>
+          <a:off x="0" y="0"/>
+          <a:ext cx="0" cy="0"/>
+          <a:chOff x="0" y="0"/>
+          <a:chExt cx="0" cy="0"/>
+        </a:xfrm>
+      </p:grpSpPr>
+      <p:sp>
+        <p:nvSpPr>
+          <p:cNvPr id="194" name="Google Shape;194;p14"/>
+          <p:cNvSpPr txBox="1">
+            <a:spLocks noGrp="1"/>
+          </p:cNvSpPr>
+          <p:nvPr>
+            <p:ph type="title"/>
+          </p:nvPr>
+        </p:nvSpPr>
+        <p:spPr>
+          <a:xfrm>
+            <a:off x="719999" y="2772000"/>
+            <a:ext cx="7704000" cy="1008000"/>
+          </a:xfrm>
+          <a:prstGeom prst="rect">
+            <a:avLst/>
+          </a:prstGeom>
+          <a:noFill/>
+          <a:ln>
+            <a:noFill/>
+          </a:ln>
+        </p:spPr>
+        <p:txBody>
+          <a:bodyPr spcFirstLastPara="1" wrap="square" lIns="0" tIns="0" rIns="0" bIns="0" anchor="t" anchorCtr="0">
+            <a:noAutofit/>
+          </a:bodyPr>
+          <a:lstStyle/>
+          <a:p>
+            <a:pPr marL="0" lvl="0" indent="0" algn="l" rtl="0">
+              <a:lnSpc>
+                <a:spcPct val="90000"/>
+              </a:lnSpc>
+              <a:spcBef>
+                <a:spcPts val="0"/>
+              </a:spcBef>
+              <a:spcAft>
+                <a:spcPts val="0"/>
+              </a:spcAft>
+              <a:buClr>
+                <a:srgbClr val="0068B4"/>
+              </a:buClr>
+              <a:buSzPts val="2500"/>
+              <a:buFont typeface="Arial"/>
+              <a:buNone/>
+            </a:pPr>
+            <a:r>
+              <a:rPr lang="en-US" noProof="0" dirty="0"/>
+              <a:t>Introduction</a:t>
+            </a:r>
+          </a:p>
+        </p:txBody>
+      </p:sp>
+      <p:sp>
+        <p:nvSpPr>
+          <p:cNvPr id="195" name="Google Shape;195;p14"/>
+          <p:cNvSpPr txBox="1">
+            <a:spLocks noGrp="1"/>
+          </p:cNvSpPr>
+          <p:nvPr>
+            <p:ph type="body" idx="1"/>
+          </p:nvPr>
+        </p:nvSpPr>
+        <p:spPr>
+          <a:xfrm>
+            <a:off x="720000" y="1537200"/>
+            <a:ext cx="7704000" cy="1125000"/>
+          </a:xfrm>
+          <a:prstGeom prst="rect">
+            <a:avLst/>
+          </a:prstGeom>
+          <a:noFill/>
+          <a:ln>
+            <a:noFill/>
+          </a:ln>
+        </p:spPr>
+        <p:txBody>
+          <a:bodyPr spcFirstLastPara="1" wrap="square" lIns="0" tIns="45700" rIns="0" bIns="45700" anchor="b" anchorCtr="0">
+            <a:noAutofit/>
+          </a:bodyPr>
+          <a:lstStyle/>
+          <a:p>
+            <a:pPr marL="0" lvl="0" indent="0" algn="l" rtl="0">
+              <a:lnSpc>
+                <a:spcPct val="90000"/>
+              </a:lnSpc>
+              <a:spcBef>
+                <a:spcPts val="0"/>
+              </a:spcBef>
+              <a:spcAft>
+                <a:spcPts val="0"/>
+              </a:spcAft>
+              <a:buSzPts val="1700"/>
+              <a:buNone/>
+            </a:pPr>
+            <a:endParaRPr lang="en-US" noProof="0" dirty="0"/>
+          </a:p>
+        </p:txBody>
+      </p:sp>
+      <p:sp>
+        <p:nvSpPr>
+          <p:cNvPr id="196" name="Google Shape;196;p14"/>
+          <p:cNvSpPr txBox="1">
+            <a:spLocks noGrp="1"/>
+          </p:cNvSpPr>
+          <p:nvPr>
+            <p:ph type="sldNum" idx="12"/>
+          </p:nvPr>
+        </p:nvSpPr>
+        <p:spPr>
+          <a:xfrm>
+            <a:off x="8001764" y="4972052"/>
+            <a:ext cx="857400" cy="171300"/>
+          </a:xfrm>
+          <a:prstGeom prst="rect">
+            <a:avLst/>
+          </a:prstGeom>
+          <a:noFill/>
+          <a:ln>
+            <a:noFill/>
+          </a:ln>
+        </p:spPr>
+        <p:txBody>
+          <a:bodyPr spcFirstLastPara="1" wrap="square" lIns="91425" tIns="45700" rIns="0" bIns="45700" anchor="ctr" anchorCtr="0">
+            <a:noAutofit/>
+          </a:bodyPr>
+          <a:lstStyle/>
+          <a:p>
+            <a:pPr marL="0" lvl="0" indent="0" algn="r" rtl="0">
+              <a:spcBef>
+                <a:spcPts val="0"/>
+              </a:spcBef>
+              <a:spcAft>
+                <a:spcPts val="0"/>
+              </a:spcAft>
+              <a:buNone/>
+            </a:pPr>
+            <a:fld id="{00000000-1234-1234-1234-123412341234}" type="slidenum">
+              <a:rPr lang="en-US" noProof="0" smtClean="0"/>
+              <a:t>3</a:t>
+            </a:fld>
+            <a:endParaRPr lang="en-US" noProof="0" dirty="0"/>
+          </a:p>
+        </p:txBody>
+      </p:sp>
+      <p:sp>
+        <p:nvSpPr>
+          <p:cNvPr id="197" name="Google Shape;197;p14"/>
+          <p:cNvSpPr txBox="1"/>
+          <p:nvPr/>
+        </p:nvSpPr>
+        <p:spPr>
+          <a:xfrm>
+            <a:off x="87475" y="4904250"/>
+            <a:ext cx="3967500" cy="306900"/>
+          </a:xfrm>
+          <a:prstGeom prst="rect">
+            <a:avLst/>
+          </a:prstGeom>
+          <a:noFill/>
+          <a:ln>
+            <a:noFill/>
+          </a:ln>
+        </p:spPr>
+        <p:txBody>
+          <a:bodyPr spcFirstLastPara="1" wrap="square" lIns="91425" tIns="91425" rIns="91425" bIns="91425" anchor="t" anchorCtr="0">
+            <a:spAutoFit/>
+          </a:bodyPr>
+          <a:lstStyle/>
+          <a:p>
+            <a:pPr marL="0" lvl="0" indent="0" algn="l" rtl="0">
+              <a:spcBef>
+                <a:spcPts val="0"/>
+              </a:spcBef>
+              <a:spcAft>
+                <a:spcPts val="0"/>
+              </a:spcAft>
+              <a:buNone/>
+            </a:pPr>
+            <a:r>
+              <a:rPr lang="en-US" sz="794" b="1" noProof="0" dirty="0">
+                <a:solidFill>
+                  <a:schemeClr val="lt1"/>
+                </a:solidFill>
+              </a:rPr>
+              <a:t>Peak Detection in Time Series | N. Weidemann, N. Wijemanne</a:t>
+            </a:r>
+          </a:p>
+        </p:txBody>
+      </p:sp>
+    </p:spTree>
+  </p:cSld>
+  <p:clrMapOvr>
+    <a:masterClrMapping/>
+  </p:clrMapOvr>
+</p:sld>
+</file>
+
+<file path=ppt/slides/slide30.xml><?xml version="1.0" encoding="utf-8"?>
+<p:sld xmlns:a="http://schemas.openxmlformats.org/drawingml/2006/main" xmlns:r="http://schemas.openxmlformats.org/officeDocument/2006/relationships" xmlns:p="http://schemas.openxmlformats.org/presentationml/2006/main">
+  <p:cSld>
+    <p:spTree>
+      <p:nvGrpSpPr>
+        <p:cNvPr id="1" name="Shape 220">
+          <a:extLst>
+            <a:ext uri="{FF2B5EF4-FFF2-40B4-BE49-F238E27FC236}">
+              <a16:creationId xmlns:a16="http://schemas.microsoft.com/office/drawing/2014/main" id="{269FF539-9987-B8A9-ECFE-9835BB51369D}"/>
+            </a:ext>
+          </a:extLst>
+        </p:cNvPr>
+        <p:cNvGrpSpPr/>
+        <p:nvPr/>
+      </p:nvGrpSpPr>
+      <p:grpSpPr>
+        <a:xfrm>
+          <a:off x="0" y="0"/>
+          <a:ext cx="0" cy="0"/>
+          <a:chOff x="0" y="0"/>
+          <a:chExt cx="0" cy="0"/>
+        </a:xfrm>
+      </p:grpSpPr>
+      <p:sp>
+        <p:nvSpPr>
+          <p:cNvPr id="221" name="Google Shape;221;p17">
+            <a:extLst>
+              <a:ext uri="{FF2B5EF4-FFF2-40B4-BE49-F238E27FC236}">
+                <a16:creationId xmlns:a16="http://schemas.microsoft.com/office/drawing/2014/main" id="{CB39F9C9-950A-D0D4-E916-9C1E6BC58A97}"/>
+              </a:ext>
+            </a:extLst>
+          </p:cNvPr>
+          <p:cNvSpPr txBox="1">
+            <a:spLocks noGrp="1"/>
+          </p:cNvSpPr>
+          <p:nvPr>
+            <p:ph type="title"/>
+          </p:nvPr>
+        </p:nvSpPr>
+        <p:spPr>
+          <a:xfrm>
+            <a:off x="560" y="1"/>
+            <a:ext cx="5745900" cy="520200"/>
+          </a:xfrm>
+          <a:prstGeom prst="rect">
+            <a:avLst/>
+          </a:prstGeom>
+          <a:noFill/>
+          <a:ln>
+            <a:noFill/>
+          </a:ln>
+        </p:spPr>
+        <p:txBody>
+          <a:bodyPr spcFirstLastPara="1" wrap="square" lIns="144000" tIns="0" rIns="91425" bIns="0" anchor="ctr" anchorCtr="0">
+            <a:normAutofit/>
+          </a:bodyPr>
+          <a:lstStyle/>
+          <a:p>
+            <a:pPr marL="0" lvl="0" indent="0" algn="l" rtl="0">
+              <a:lnSpc>
+                <a:spcPct val="90000"/>
+              </a:lnSpc>
+              <a:spcBef>
+                <a:spcPts val="0"/>
+              </a:spcBef>
+              <a:spcAft>
+                <a:spcPts val="0"/>
+              </a:spcAft>
+              <a:buClr>
+                <a:srgbClr val="0068B4"/>
+              </a:buClr>
+              <a:buSzPts val="1800"/>
+              <a:buFont typeface="Arial"/>
+              <a:buNone/>
+            </a:pPr>
+            <a:r>
+              <a:rPr lang="en-US" noProof="0" dirty="0"/>
+              <a:t>Results –  Autoencoder</a:t>
+            </a:r>
+          </a:p>
+        </p:txBody>
+      </p:sp>
+      <p:sp>
+        <p:nvSpPr>
+          <p:cNvPr id="222" name="Google Shape;222;p17">
+            <a:extLst>
+              <a:ext uri="{FF2B5EF4-FFF2-40B4-BE49-F238E27FC236}">
+                <a16:creationId xmlns:a16="http://schemas.microsoft.com/office/drawing/2014/main" id="{06F01486-A215-8482-F91D-C5929B96EAD0}"/>
+              </a:ext>
+            </a:extLst>
+          </p:cNvPr>
+          <p:cNvSpPr txBox="1">
+            <a:spLocks noGrp="1"/>
+          </p:cNvSpPr>
+          <p:nvPr>
+            <p:ph type="body" idx="4294967295"/>
+          </p:nvPr>
+        </p:nvSpPr>
+        <p:spPr>
+          <a:xfrm>
+            <a:off x="359999" y="752800"/>
+            <a:ext cx="8424000" cy="3637890"/>
+          </a:xfrm>
+          <a:prstGeom prst="rect">
+            <a:avLst/>
+          </a:prstGeom>
+          <a:noFill/>
+          <a:ln>
+            <a:noFill/>
+          </a:ln>
+        </p:spPr>
+        <p:txBody>
+          <a:bodyPr spcFirstLastPara="1" wrap="square" lIns="91425" tIns="45700" rIns="91425" bIns="45700" anchor="t" anchorCtr="0">
+            <a:normAutofit lnSpcReduction="10000"/>
+          </a:bodyPr>
+          <a:lstStyle/>
+          <a:p>
+            <a:pPr lvl="0" indent="-338400" algn="l" rtl="0">
+              <a:lnSpc>
+                <a:spcPct val="95000"/>
+              </a:lnSpc>
+              <a:spcBef>
+                <a:spcPts val="1200"/>
+              </a:spcBef>
+              <a:spcAft>
+                <a:spcPts val="0"/>
+              </a:spcAft>
+              <a:buNone/>
+            </a:pPr>
+            <a:r>
+              <a:rPr lang="en-US" sz="1700" noProof="0" dirty="0"/>
+              <a:t>Selected parameters</a:t>
+            </a:r>
+          </a:p>
+          <a:p>
+            <a:pPr lvl="0" indent="-338400">
+              <a:lnSpc>
+                <a:spcPct val="95000"/>
+              </a:lnSpc>
+              <a:spcBef>
+                <a:spcPts val="1200"/>
+              </a:spcBef>
+            </a:pPr>
+            <a:r>
+              <a:rPr lang="en-US" sz="1700" noProof="0" dirty="0"/>
+              <a:t>Features: Torque as input</a:t>
+            </a:r>
+          </a:p>
+          <a:p>
+            <a:pPr lvl="0" indent="-338400">
+              <a:lnSpc>
+                <a:spcPct val="95000"/>
+              </a:lnSpc>
+              <a:spcBef>
+                <a:spcPts val="1200"/>
+              </a:spcBef>
+            </a:pPr>
+            <a:r>
+              <a:rPr lang="en-US" sz="1700" noProof="0" dirty="0"/>
+              <a:t>Parameters: </a:t>
+            </a:r>
+            <a:endParaRPr lang="en-US" sz="1543" noProof="0" dirty="0"/>
+          </a:p>
+          <a:p>
+            <a:pPr lvl="1" indent="-338400">
+              <a:lnSpc>
+                <a:spcPct val="95000"/>
+              </a:lnSpc>
+              <a:spcBef>
+                <a:spcPts val="1200"/>
+              </a:spcBef>
+            </a:pPr>
+            <a:r>
+              <a:rPr lang="en-US" sz="1543" dirty="0"/>
+              <a:t>Contamination: </a:t>
+            </a:r>
+            <a:r>
+              <a:rPr lang="en-US" sz="1700" noProof="0" dirty="0"/>
+              <a:t>0.01</a:t>
+            </a:r>
+          </a:p>
+          <a:p>
+            <a:pPr lvl="1" indent="-338400">
+              <a:lnSpc>
+                <a:spcPct val="95000"/>
+              </a:lnSpc>
+              <a:spcBef>
+                <a:spcPts val="1200"/>
+              </a:spcBef>
+            </a:pPr>
+            <a:r>
+              <a:rPr lang="en-US" sz="1700" dirty="0"/>
+              <a:t>Latent dims: 8</a:t>
+            </a:r>
+          </a:p>
+          <a:p>
+            <a:pPr lvl="1" indent="-338400">
+              <a:lnSpc>
+                <a:spcPct val="95000"/>
+              </a:lnSpc>
+              <a:spcBef>
+                <a:spcPts val="1200"/>
+              </a:spcBef>
+            </a:pPr>
+            <a:r>
+              <a:rPr lang="en-US" dirty="0"/>
+              <a:t>Epochs: 50</a:t>
+            </a:r>
+          </a:p>
+          <a:p>
+            <a:pPr lvl="1" indent="-338400">
+              <a:lnSpc>
+                <a:spcPct val="95000"/>
+              </a:lnSpc>
+              <a:spcBef>
+                <a:spcPts val="1200"/>
+              </a:spcBef>
+            </a:pPr>
+            <a:r>
+              <a:rPr lang="en-US" dirty="0"/>
+              <a:t>Batch size: 64	</a:t>
+            </a:r>
+            <a:endParaRPr lang="en-US" sz="1700" noProof="0" dirty="0"/>
+          </a:p>
+          <a:p>
+            <a:pPr lvl="0" indent="-338400">
+              <a:lnSpc>
+                <a:spcPct val="95000"/>
+              </a:lnSpc>
+              <a:spcBef>
+                <a:spcPts val="1200"/>
+              </a:spcBef>
+            </a:pPr>
+            <a:r>
+              <a:rPr lang="en-US" sz="1700" noProof="0" dirty="0"/>
+              <a:t>Peaks were not detected at all in some sequences</a:t>
+            </a:r>
+          </a:p>
+          <a:p>
+            <a:pPr lvl="0" indent="-338400">
+              <a:lnSpc>
+                <a:spcPct val="95000"/>
+              </a:lnSpc>
+              <a:spcBef>
+                <a:spcPts val="1200"/>
+              </a:spcBef>
+            </a:pPr>
+            <a:r>
+              <a:rPr lang="en-US" sz="1700" dirty="0"/>
+              <a:t>However, good results for certain sequences </a:t>
+            </a:r>
+            <a:r>
+              <a:rPr lang="en-US" sz="1700" dirty="0">
+                <a:sym typeface="Wingdings" panose="05000000000000000000" pitchFamily="2" charset="2"/>
+              </a:rPr>
+              <a:t> Not very generalizable</a:t>
+            </a:r>
+            <a:endParaRPr lang="en-US" sz="1700" noProof="0" dirty="0"/>
+          </a:p>
+          <a:p>
+            <a:pPr lvl="0" indent="-338400" algn="l" rtl="0">
+              <a:lnSpc>
+                <a:spcPct val="95000"/>
+              </a:lnSpc>
+              <a:spcBef>
+                <a:spcPts val="1200"/>
+              </a:spcBef>
+              <a:spcAft>
+                <a:spcPts val="0"/>
+              </a:spcAft>
+              <a:buNone/>
+            </a:pPr>
+            <a:endParaRPr lang="en-US" sz="1700" noProof="0" dirty="0"/>
+          </a:p>
+        </p:txBody>
+      </p:sp>
+      <p:sp>
+        <p:nvSpPr>
+          <p:cNvPr id="223" name="Google Shape;223;p17">
+            <a:extLst>
+              <a:ext uri="{FF2B5EF4-FFF2-40B4-BE49-F238E27FC236}">
+                <a16:creationId xmlns:a16="http://schemas.microsoft.com/office/drawing/2014/main" id="{E60257B3-B682-85BB-293E-87043F1B6546}"/>
+              </a:ext>
+            </a:extLst>
+          </p:cNvPr>
+          <p:cNvSpPr txBox="1">
+            <a:spLocks noGrp="1"/>
+          </p:cNvSpPr>
+          <p:nvPr>
+            <p:ph type="sldNum" idx="12"/>
+          </p:nvPr>
+        </p:nvSpPr>
+        <p:spPr>
+          <a:xfrm>
+            <a:off x="8001764" y="4972052"/>
+            <a:ext cx="857400" cy="171300"/>
+          </a:xfrm>
+          <a:prstGeom prst="rect">
+            <a:avLst/>
+          </a:prstGeom>
+          <a:noFill/>
+          <a:ln>
+            <a:noFill/>
+          </a:ln>
+        </p:spPr>
+        <p:txBody>
+          <a:bodyPr spcFirstLastPara="1" wrap="square" lIns="91425" tIns="45700" rIns="0" bIns="45700" anchor="ctr" anchorCtr="0">
+            <a:noAutofit/>
+          </a:bodyPr>
+          <a:lstStyle/>
+          <a:p>
+            <a:pPr marL="0" lvl="0" indent="0" algn="r" rtl="0">
+              <a:spcBef>
+                <a:spcPts val="0"/>
+              </a:spcBef>
+              <a:spcAft>
+                <a:spcPts val="0"/>
+              </a:spcAft>
+              <a:buNone/>
+            </a:pPr>
+            <a:fld id="{00000000-1234-1234-1234-123412341234}" type="slidenum">
+              <a:rPr lang="en-US" noProof="0" smtClean="0"/>
+              <a:t>30</a:t>
+            </a:fld>
+            <a:endParaRPr lang="en-US" noProof="0" dirty="0"/>
+          </a:p>
+        </p:txBody>
+      </p:sp>
+      <p:sp>
+        <p:nvSpPr>
+          <p:cNvPr id="224" name="Google Shape;224;p17">
+            <a:extLst>
+              <a:ext uri="{FF2B5EF4-FFF2-40B4-BE49-F238E27FC236}">
+                <a16:creationId xmlns:a16="http://schemas.microsoft.com/office/drawing/2014/main" id="{4BEB2404-3B10-0C95-B3F2-EA8D8DC18BB0}"/>
+              </a:ext>
+            </a:extLst>
+          </p:cNvPr>
+          <p:cNvSpPr txBox="1"/>
+          <p:nvPr/>
+        </p:nvSpPr>
+        <p:spPr>
+          <a:xfrm>
+            <a:off x="87475" y="4904250"/>
+            <a:ext cx="3967500" cy="306900"/>
+          </a:xfrm>
+          <a:prstGeom prst="rect">
+            <a:avLst/>
+          </a:prstGeom>
+          <a:noFill/>
+          <a:ln>
+            <a:noFill/>
+          </a:ln>
+        </p:spPr>
+        <p:txBody>
+          <a:bodyPr spcFirstLastPara="1" wrap="square" lIns="91425" tIns="91425" rIns="91425" bIns="91425" anchor="t" anchorCtr="0">
+            <a:spAutoFit/>
+          </a:bodyPr>
+          <a:lstStyle/>
+          <a:p>
+            <a:pPr marL="0" lvl="0" indent="0" algn="l" rtl="0">
+              <a:spcBef>
+                <a:spcPts val="0"/>
+              </a:spcBef>
+              <a:spcAft>
+                <a:spcPts val="0"/>
+              </a:spcAft>
+              <a:buNone/>
+            </a:pPr>
+            <a:r>
+              <a:rPr lang="en-US" sz="794" b="1" noProof="0" dirty="0">
+                <a:solidFill>
+                  <a:schemeClr val="lt1"/>
+                </a:solidFill>
+              </a:rPr>
+              <a:t>Peak Detection in Time Series | N. Weidemann, N. Wijemanne</a:t>
+            </a:r>
+          </a:p>
+        </p:txBody>
+      </p:sp>
+    </p:spTree>
+    <p:extLst>
+      <p:ext uri="{BB962C8B-B14F-4D97-AF65-F5344CB8AC3E}">
+        <p14:creationId xmlns:p14="http://schemas.microsoft.com/office/powerpoint/2010/main" val="4293876327"/>
+      </p:ext>
+    </p:extLst>
+  </p:cSld>
+  <p:clrMapOvr>
+    <a:masterClrMapping/>
+  </p:clrMapOvr>
+</p:sld>
+</file>
+
+<file path=ppt/slides/slide31.xml><?xml version="1.0" encoding="utf-8"?>
+<p:sld xmlns:a="http://schemas.openxmlformats.org/drawingml/2006/main" xmlns:r="http://schemas.openxmlformats.org/officeDocument/2006/relationships" xmlns:p="http://schemas.openxmlformats.org/presentationml/2006/main">
+  <p:cSld>
+    <p:spTree>
+      <p:nvGrpSpPr>
+        <p:cNvPr id="1" name="Shape 220">
+          <a:extLst>
+            <a:ext uri="{FF2B5EF4-FFF2-40B4-BE49-F238E27FC236}">
+              <a16:creationId xmlns:a16="http://schemas.microsoft.com/office/drawing/2014/main" id="{7C94A195-979A-0ACB-0D4B-7DE8F5FCED7A}"/>
+            </a:ext>
+          </a:extLst>
+        </p:cNvPr>
+        <p:cNvGrpSpPr/>
+        <p:nvPr/>
+      </p:nvGrpSpPr>
+      <p:grpSpPr>
+        <a:xfrm>
+          <a:off x="0" y="0"/>
+          <a:ext cx="0" cy="0"/>
+          <a:chOff x="0" y="0"/>
+          <a:chExt cx="0" cy="0"/>
+        </a:xfrm>
+      </p:grpSpPr>
+      <p:sp>
+        <p:nvSpPr>
+          <p:cNvPr id="221" name="Google Shape;221;p17">
+            <a:extLst>
+              <a:ext uri="{FF2B5EF4-FFF2-40B4-BE49-F238E27FC236}">
+                <a16:creationId xmlns:a16="http://schemas.microsoft.com/office/drawing/2014/main" id="{A4ADFFA1-6796-8E75-16C9-F6AF517B6F03}"/>
+              </a:ext>
+            </a:extLst>
+          </p:cNvPr>
+          <p:cNvSpPr txBox="1">
+            <a:spLocks noGrp="1"/>
+          </p:cNvSpPr>
+          <p:nvPr>
+            <p:ph type="title"/>
+          </p:nvPr>
+        </p:nvSpPr>
+        <p:spPr>
+          <a:xfrm>
+            <a:off x="560" y="1"/>
+            <a:ext cx="5745900" cy="520200"/>
+          </a:xfrm>
+          <a:prstGeom prst="rect">
+            <a:avLst/>
+          </a:prstGeom>
+          <a:noFill/>
+          <a:ln>
+            <a:noFill/>
+          </a:ln>
+        </p:spPr>
+        <p:txBody>
+          <a:bodyPr spcFirstLastPara="1" wrap="square" lIns="144000" tIns="0" rIns="91425" bIns="0" anchor="ctr" anchorCtr="0">
+            <a:normAutofit/>
+          </a:bodyPr>
+          <a:lstStyle/>
+          <a:p>
+            <a:pPr lvl="0"/>
+            <a:r>
+              <a:rPr lang="en-US" noProof="0" dirty="0"/>
+              <a:t>Results – Autoencoder</a:t>
+            </a:r>
+          </a:p>
+        </p:txBody>
+      </p:sp>
+      <p:sp>
+        <p:nvSpPr>
+          <p:cNvPr id="223" name="Google Shape;223;p17">
+            <a:extLst>
+              <a:ext uri="{FF2B5EF4-FFF2-40B4-BE49-F238E27FC236}">
+                <a16:creationId xmlns:a16="http://schemas.microsoft.com/office/drawing/2014/main" id="{67B1F3D9-031E-C73D-45C9-50836480D94E}"/>
+              </a:ext>
+            </a:extLst>
+          </p:cNvPr>
+          <p:cNvSpPr txBox="1">
+            <a:spLocks noGrp="1"/>
+          </p:cNvSpPr>
+          <p:nvPr>
+            <p:ph type="sldNum" idx="12"/>
+          </p:nvPr>
+        </p:nvSpPr>
+        <p:spPr>
+          <a:xfrm>
+            <a:off x="8001764" y="4972052"/>
+            <a:ext cx="857400" cy="171300"/>
+          </a:xfrm>
+          <a:prstGeom prst="rect">
+            <a:avLst/>
+          </a:prstGeom>
+          <a:noFill/>
+          <a:ln>
+            <a:noFill/>
+          </a:ln>
+        </p:spPr>
+        <p:txBody>
+          <a:bodyPr spcFirstLastPara="1" wrap="square" lIns="91425" tIns="45700" rIns="0" bIns="45700" anchor="ctr" anchorCtr="0">
+            <a:noAutofit/>
+          </a:bodyPr>
+          <a:lstStyle/>
+          <a:p>
+            <a:pPr marL="0" lvl="0" indent="0" algn="r" rtl="0">
+              <a:spcBef>
+                <a:spcPts val="0"/>
+              </a:spcBef>
+              <a:spcAft>
+                <a:spcPts val="0"/>
+              </a:spcAft>
+              <a:buNone/>
+            </a:pPr>
+            <a:fld id="{00000000-1234-1234-1234-123412341234}" type="slidenum">
+              <a:rPr lang="en-US" noProof="0" smtClean="0"/>
+              <a:t>31</a:t>
+            </a:fld>
+            <a:endParaRPr lang="en-US" noProof="0" dirty="0"/>
+          </a:p>
+        </p:txBody>
+      </p:sp>
+      <p:sp>
+        <p:nvSpPr>
+          <p:cNvPr id="224" name="Google Shape;224;p17">
+            <a:extLst>
+              <a:ext uri="{FF2B5EF4-FFF2-40B4-BE49-F238E27FC236}">
+                <a16:creationId xmlns:a16="http://schemas.microsoft.com/office/drawing/2014/main" id="{4A60C398-3C42-4680-43CE-6E8288E9FDE6}"/>
+              </a:ext>
+            </a:extLst>
+          </p:cNvPr>
+          <p:cNvSpPr txBox="1"/>
+          <p:nvPr/>
+        </p:nvSpPr>
+        <p:spPr>
+          <a:xfrm>
+            <a:off x="87475" y="4904250"/>
+            <a:ext cx="3967500" cy="306900"/>
+          </a:xfrm>
+          <a:prstGeom prst="rect">
+            <a:avLst/>
+          </a:prstGeom>
+          <a:noFill/>
+          <a:ln>
+            <a:noFill/>
+          </a:ln>
+        </p:spPr>
+        <p:txBody>
+          <a:bodyPr spcFirstLastPara="1" wrap="square" lIns="91425" tIns="91425" rIns="91425" bIns="91425" anchor="t" anchorCtr="0">
+            <a:spAutoFit/>
+          </a:bodyPr>
+          <a:lstStyle/>
+          <a:p>
+            <a:pPr marL="0" lvl="0" indent="0" algn="l" rtl="0">
+              <a:spcBef>
+                <a:spcPts val="0"/>
+              </a:spcBef>
+              <a:spcAft>
+                <a:spcPts val="0"/>
+              </a:spcAft>
+              <a:buNone/>
+            </a:pPr>
+            <a:r>
+              <a:rPr lang="en-US" sz="794" b="1" noProof="0" dirty="0">
+                <a:solidFill>
+                  <a:schemeClr val="lt1"/>
+                </a:solidFill>
+              </a:rPr>
+              <a:t>Peak Detection in Time Series | N. Weidemann, N. Wijemanne</a:t>
+            </a:r>
+          </a:p>
+        </p:txBody>
+      </p:sp>
+      <p:sp>
+        <p:nvSpPr>
+          <p:cNvPr id="3" name="Google Shape;222;p17">
+            <a:extLst>
+              <a:ext uri="{FF2B5EF4-FFF2-40B4-BE49-F238E27FC236}">
+                <a16:creationId xmlns:a16="http://schemas.microsoft.com/office/drawing/2014/main" id="{AFA61646-BBFC-0380-471B-7924B804F15D}"/>
+              </a:ext>
+            </a:extLst>
+          </p:cNvPr>
+          <p:cNvSpPr txBox="1">
+            <a:spLocks/>
+          </p:cNvSpPr>
+          <p:nvPr/>
+        </p:nvSpPr>
+        <p:spPr>
+          <a:xfrm>
+            <a:off x="359999" y="752799"/>
+            <a:ext cx="4088248" cy="3848185"/>
+          </a:xfrm>
+          <a:prstGeom prst="rect">
+            <a:avLst/>
+          </a:prstGeom>
+          <a:noFill/>
+          <a:ln>
+            <a:noFill/>
+          </a:ln>
+        </p:spPr>
+        <p:txBody>
+          <a:bodyPr spcFirstLastPara="1" wrap="square" lIns="91425" tIns="45700" rIns="91425" bIns="45700" anchor="t" anchorCtr="0">
+            <a:normAutofit/>
+          </a:bodyPr>
+          <a:lstStyle>
+            <a:defPPr marR="0" lvl="0" algn="l" rtl="0">
+              <a:lnSpc>
+                <a:spcPct val="100000"/>
+              </a:lnSpc>
+              <a:spcBef>
+                <a:spcPts val="0"/>
+              </a:spcBef>
+              <a:spcAft>
+                <a:spcPts val="0"/>
+              </a:spcAft>
+            </a:defPPr>
+            <a:lvl1pPr marL="457200" marR="0" lvl="0" indent="-339471" algn="l" rtl="0">
+              <a:lnSpc>
+                <a:spcPct val="90000"/>
+              </a:lnSpc>
+              <a:spcBef>
+                <a:spcPts val="749"/>
+              </a:spcBef>
+              <a:spcAft>
+                <a:spcPts val="0"/>
+              </a:spcAft>
+              <a:buClr>
+                <a:srgbClr val="0068B4"/>
+              </a:buClr>
+              <a:buSzPts val="1746"/>
+              <a:buFont typeface="Arial"/>
+              <a:buChar char="•"/>
+              <a:defRPr sz="1745" b="0" i="0" u="none" strike="noStrike" cap="none">
+                <a:solidFill>
+                  <a:schemeClr val="dk1"/>
+                </a:solidFill>
+                <a:latin typeface="Arial"/>
+                <a:ea typeface="Arial"/>
+                <a:cs typeface="Arial"/>
+                <a:sym typeface="Arial"/>
+              </a:defRPr>
+            </a:lvl1pPr>
+            <a:lvl2pPr marL="914400" marR="0" lvl="1" indent="-329437" algn="l" rtl="0">
+              <a:lnSpc>
+                <a:spcPct val="90000"/>
+              </a:lnSpc>
+              <a:spcBef>
+                <a:spcPts val="375"/>
+              </a:spcBef>
+              <a:spcAft>
+                <a:spcPts val="0"/>
+              </a:spcAft>
+              <a:buClr>
+                <a:srgbClr val="0068B4"/>
+              </a:buClr>
+              <a:buSzPts val="1588"/>
+              <a:buFont typeface="Arial"/>
+              <a:buChar char="•"/>
+              <a:defRPr sz="1588" b="0" i="0" u="none" strike="noStrike" cap="none">
+                <a:solidFill>
+                  <a:schemeClr val="dk1"/>
+                </a:solidFill>
+                <a:latin typeface="Arial"/>
+                <a:ea typeface="Arial"/>
+                <a:cs typeface="Arial"/>
+                <a:sym typeface="Arial"/>
+              </a:defRPr>
+            </a:lvl2pPr>
+            <a:lvl3pPr marL="1371600" marR="0" lvl="2" indent="-319341" algn="l" rtl="0">
+              <a:lnSpc>
+                <a:spcPct val="90000"/>
+              </a:lnSpc>
+              <a:spcBef>
+                <a:spcPts val="375"/>
+              </a:spcBef>
+              <a:spcAft>
+                <a:spcPts val="0"/>
+              </a:spcAft>
+              <a:buClr>
+                <a:srgbClr val="0068B4"/>
+              </a:buClr>
+              <a:buSzPts val="1429"/>
+              <a:buFont typeface="Arial"/>
+              <a:buChar char="•"/>
+              <a:defRPr sz="1429" b="0" i="0" u="none" strike="noStrike" cap="none">
+                <a:solidFill>
+                  <a:schemeClr val="dk1"/>
+                </a:solidFill>
+                <a:latin typeface="Arial"/>
+                <a:ea typeface="Arial"/>
+                <a:cs typeface="Arial"/>
+                <a:sym typeface="Arial"/>
+              </a:defRPr>
+            </a:lvl3pPr>
+            <a:lvl4pPr marL="1828800" marR="0" lvl="3" indent="-314261" algn="l" rtl="0">
+              <a:lnSpc>
+                <a:spcPct val="90000"/>
+              </a:lnSpc>
+              <a:spcBef>
+                <a:spcPts val="375"/>
+              </a:spcBef>
+              <a:spcAft>
+                <a:spcPts val="0"/>
+              </a:spcAft>
+              <a:buClr>
+                <a:srgbClr val="0068B4"/>
+              </a:buClr>
+              <a:buSzPts val="1349"/>
+              <a:buFont typeface="Arial"/>
+              <a:buChar char="•"/>
+              <a:defRPr sz="1349" b="0" i="0" u="none" strike="noStrike" cap="none">
+                <a:solidFill>
+                  <a:schemeClr val="dk1"/>
+                </a:solidFill>
+                <a:latin typeface="Arial"/>
+                <a:ea typeface="Arial"/>
+                <a:cs typeface="Arial"/>
+                <a:sym typeface="Arial"/>
+              </a:defRPr>
+            </a:lvl4pPr>
+            <a:lvl5pPr marL="2286000" marR="0" lvl="4" indent="-314261" algn="l" rtl="0">
+              <a:lnSpc>
+                <a:spcPct val="90000"/>
+              </a:lnSpc>
+              <a:spcBef>
+                <a:spcPts val="375"/>
+              </a:spcBef>
+              <a:spcAft>
+                <a:spcPts val="0"/>
+              </a:spcAft>
+              <a:buClr>
+                <a:srgbClr val="0068B4"/>
+              </a:buClr>
+              <a:buSzPts val="1349"/>
+              <a:buFont typeface="Arial"/>
+              <a:buChar char="•"/>
+              <a:defRPr sz="1349" b="0" i="0" u="none" strike="noStrike" cap="none">
+                <a:solidFill>
+                  <a:schemeClr val="dk1"/>
+                </a:solidFill>
+                <a:latin typeface="Arial"/>
+                <a:ea typeface="Arial"/>
+                <a:cs typeface="Arial"/>
+                <a:sym typeface="Arial"/>
+              </a:defRPr>
+            </a:lvl5pPr>
+            <a:lvl6pPr marL="2743200" marR="0" lvl="5" indent="-314261" algn="l" rtl="0">
+              <a:lnSpc>
+                <a:spcPct val="90000"/>
+              </a:lnSpc>
+              <a:spcBef>
+                <a:spcPts val="375"/>
+              </a:spcBef>
+              <a:spcAft>
+                <a:spcPts val="0"/>
+              </a:spcAft>
+              <a:buClr>
+                <a:schemeClr val="dk1"/>
+              </a:buClr>
+              <a:buSzPts val="1349"/>
+              <a:buFont typeface="Arial"/>
+              <a:buChar char="•"/>
+              <a:defRPr sz="1349" b="0" i="0" u="none" strike="noStrike" cap="none">
+                <a:solidFill>
+                  <a:schemeClr val="dk1"/>
+                </a:solidFill>
+                <a:latin typeface="Arial"/>
+                <a:ea typeface="Arial"/>
+                <a:cs typeface="Arial"/>
+                <a:sym typeface="Arial"/>
+              </a:defRPr>
+            </a:lvl6pPr>
+            <a:lvl7pPr marL="3200400" marR="0" lvl="6" indent="-314261" algn="l" rtl="0">
+              <a:lnSpc>
+                <a:spcPct val="90000"/>
+              </a:lnSpc>
+              <a:spcBef>
+                <a:spcPts val="375"/>
+              </a:spcBef>
+              <a:spcAft>
+                <a:spcPts val="0"/>
+              </a:spcAft>
+              <a:buClr>
+                <a:schemeClr val="dk1"/>
+              </a:buClr>
+              <a:buSzPts val="1349"/>
+              <a:buFont typeface="Arial"/>
+              <a:buChar char="•"/>
+              <a:defRPr sz="1349" b="0" i="0" u="none" strike="noStrike" cap="none">
+                <a:solidFill>
+                  <a:schemeClr val="dk1"/>
+                </a:solidFill>
+                <a:latin typeface="Arial"/>
+                <a:ea typeface="Arial"/>
+                <a:cs typeface="Arial"/>
+                <a:sym typeface="Arial"/>
+              </a:defRPr>
+            </a:lvl7pPr>
+            <a:lvl8pPr marL="3657600" marR="0" lvl="7" indent="-314261" algn="l" rtl="0">
+              <a:lnSpc>
+                <a:spcPct val="90000"/>
+              </a:lnSpc>
+              <a:spcBef>
+                <a:spcPts val="375"/>
+              </a:spcBef>
+              <a:spcAft>
+                <a:spcPts val="0"/>
+              </a:spcAft>
+              <a:buClr>
+                <a:schemeClr val="dk1"/>
+              </a:buClr>
+              <a:buSzPts val="1349"/>
+              <a:buFont typeface="Arial"/>
+              <a:buChar char="•"/>
+              <a:defRPr sz="1349" b="0" i="0" u="none" strike="noStrike" cap="none">
+                <a:solidFill>
+                  <a:schemeClr val="dk1"/>
+                </a:solidFill>
+                <a:latin typeface="Arial"/>
+                <a:ea typeface="Arial"/>
+                <a:cs typeface="Arial"/>
+                <a:sym typeface="Arial"/>
+              </a:defRPr>
+            </a:lvl8pPr>
+            <a:lvl9pPr marL="4114800" marR="0" lvl="8" indent="-314261" algn="l" rtl="0">
+              <a:lnSpc>
+                <a:spcPct val="90000"/>
+              </a:lnSpc>
+              <a:spcBef>
+                <a:spcPts val="375"/>
+              </a:spcBef>
+              <a:spcAft>
+                <a:spcPts val="0"/>
+              </a:spcAft>
+              <a:buClr>
+                <a:schemeClr val="dk1"/>
+              </a:buClr>
+              <a:buSzPts val="1349"/>
+              <a:buFont typeface="Arial"/>
+              <a:buChar char="•"/>
+              <a:defRPr sz="1349" b="0" i="0" u="none" strike="noStrike" cap="none">
+                <a:solidFill>
+                  <a:schemeClr val="dk1"/>
+                </a:solidFill>
+                <a:latin typeface="Arial"/>
+                <a:ea typeface="Arial"/>
+                <a:cs typeface="Arial"/>
+                <a:sym typeface="Arial"/>
+              </a:defRPr>
+            </a:lvl9pPr>
+          </a:lstStyle>
+          <a:p>
+            <a:pPr lvl="0" indent="-338400">
+              <a:lnSpc>
+                <a:spcPct val="105000"/>
+              </a:lnSpc>
+              <a:spcBef>
+                <a:spcPts val="1200"/>
+              </a:spcBef>
+              <a:buNone/>
+            </a:pPr>
+            <a:r>
+              <a:rPr lang="en-US" sz="1700" dirty="0"/>
+              <a:t>Analysis of the results</a:t>
+            </a:r>
+          </a:p>
+          <a:p>
+            <a:pPr lvl="0" indent="-338400">
+              <a:lnSpc>
+                <a:spcPct val="105000"/>
+              </a:lnSpc>
+              <a:spcBef>
+                <a:spcPts val="1200"/>
+              </a:spcBef>
+            </a:pPr>
+            <a:r>
+              <a:rPr lang="en-US" sz="1700" dirty="0"/>
+              <a:t>Not many false-positives issued on the sequences</a:t>
+            </a:r>
+          </a:p>
+          <a:p>
+            <a:pPr lvl="0" indent="-338400">
+              <a:lnSpc>
+                <a:spcPct val="105000"/>
+              </a:lnSpc>
+              <a:spcBef>
+                <a:spcPts val="1200"/>
+              </a:spcBef>
+            </a:pPr>
+            <a:r>
+              <a:rPr lang="en-US" sz="1700" dirty="0"/>
+              <a:t>Many peaks were not detected</a:t>
+            </a:r>
+          </a:p>
+          <a:p>
+            <a:pPr indent="-338400">
+              <a:lnSpc>
+                <a:spcPct val="105000"/>
+              </a:lnSpc>
+              <a:spcBef>
+                <a:spcPts val="1200"/>
+              </a:spcBef>
+            </a:pPr>
+            <a:r>
+              <a:rPr lang="en-US" sz="1700" dirty="0"/>
+              <a:t>Can detect positive and negative peaks</a:t>
+            </a:r>
+          </a:p>
+          <a:p>
+            <a:pPr indent="-338400">
+              <a:lnSpc>
+                <a:spcPct val="105000"/>
+              </a:lnSpc>
+              <a:spcBef>
+                <a:spcPts val="1200"/>
+              </a:spcBef>
+            </a:pPr>
+            <a:r>
+              <a:rPr lang="en-US" sz="1700" dirty="0"/>
+              <a:t>Detects smaller deviations but sometimes unable to identify larger deviations </a:t>
+            </a:r>
+            <a:r>
+              <a:rPr lang="en-US" sz="1700" dirty="0">
+                <a:sym typeface="Wingdings" panose="05000000000000000000" pitchFamily="2" charset="2"/>
+              </a:rPr>
+              <a:t> not good</a:t>
+            </a:r>
+            <a:endParaRPr lang="en-US" sz="1700" dirty="0"/>
+          </a:p>
+          <a:p>
+            <a:pPr indent="-338400">
+              <a:lnSpc>
+                <a:spcPct val="105000"/>
+              </a:lnSpc>
+              <a:spcBef>
+                <a:spcPts val="1200"/>
+              </a:spcBef>
+            </a:pPr>
+            <a:endParaRPr lang="en-US" sz="1700" dirty="0"/>
+          </a:p>
+        </p:txBody>
+      </p:sp>
+      <p:pic>
+        <p:nvPicPr>
+          <p:cNvPr id="6" name="Picture 5">
+            <a:extLst>
+              <a:ext uri="{FF2B5EF4-FFF2-40B4-BE49-F238E27FC236}">
+                <a16:creationId xmlns:a16="http://schemas.microsoft.com/office/drawing/2014/main" id="{82E66165-69B9-F13C-1DEB-FE1965F28311}"/>
+              </a:ext>
+            </a:extLst>
+          </p:cNvPr>
+          <p:cNvPicPr>
+            <a:picLocks noChangeAspect="1"/>
+          </p:cNvPicPr>
+          <p:nvPr/>
+        </p:nvPicPr>
+        <p:blipFill>
+          <a:blip r:embed="rId3"/>
+          <a:srcRect l="2030" t="4989" r="1880" b="3169"/>
+          <a:stretch>
+            <a:fillRect/>
+          </a:stretch>
+        </p:blipFill>
+        <p:spPr>
+          <a:xfrm>
+            <a:off x="4339349" y="823467"/>
+            <a:ext cx="4694646" cy="1905983"/>
+          </a:xfrm>
+          <a:prstGeom prst="rect">
+            <a:avLst/>
+          </a:prstGeom>
+        </p:spPr>
+      </p:pic>
+      <p:pic>
+        <p:nvPicPr>
+          <p:cNvPr id="8" name="Picture 7">
+            <a:extLst>
+              <a:ext uri="{FF2B5EF4-FFF2-40B4-BE49-F238E27FC236}">
+                <a16:creationId xmlns:a16="http://schemas.microsoft.com/office/drawing/2014/main" id="{E671846C-BDAB-5DB6-9323-2D50D03EA6E3}"/>
+              </a:ext>
+            </a:extLst>
+          </p:cNvPr>
+          <p:cNvPicPr>
+            <a:picLocks noChangeAspect="1"/>
+          </p:cNvPicPr>
+          <p:nvPr/>
+        </p:nvPicPr>
+        <p:blipFill>
+          <a:blip r:embed="rId4"/>
+          <a:srcRect l="2181" t="3169" r="1203" b="4989"/>
+          <a:stretch>
+            <a:fillRect/>
+          </a:stretch>
+        </p:blipFill>
+        <p:spPr>
+          <a:xfrm>
+            <a:off x="4339349" y="2800118"/>
+            <a:ext cx="4750753" cy="1918256"/>
+          </a:xfrm>
+          <a:prstGeom prst="rect">
+            <a:avLst/>
+          </a:prstGeom>
+        </p:spPr>
+      </p:pic>
+    </p:spTree>
+    <p:extLst>
+      <p:ext uri="{BB962C8B-B14F-4D97-AF65-F5344CB8AC3E}">
+        <p14:creationId xmlns:p14="http://schemas.microsoft.com/office/powerpoint/2010/main" val="3676016943"/>
+      </p:ext>
+    </p:extLst>
+  </p:cSld>
+  <p:clrMapOvr>
+    <a:masterClrMapping/>
+  </p:clrMapOvr>
+</p:sld>
+</file>
+
+<file path=ppt/slides/slide32.xml><?xml version="1.0" encoding="utf-8"?>
 <p:sld xmlns:a="http://schemas.openxmlformats.org/drawingml/2006/main" xmlns:r="http://schemas.openxmlformats.org/officeDocument/2006/relationships" xmlns:p="http://schemas.openxmlformats.org/presentationml/2006/main">
   <p:cSld>
     <p:spTree>
@@ -25755,7 +29783,7 @@
             </a:pPr>
             <a:fld id="{00000000-1234-1234-1234-123412341234}" type="slidenum">
               <a:rPr lang="en-US" noProof="0" smtClean="0"/>
-              <a:t>26</a:t>
+              <a:t>32</a:t>
             </a:fld>
             <a:endParaRPr lang="en-US" noProof="0" dirty="0"/>
           </a:p>
@@ -25825,7 +29853,7 @@
 </p:sld>
 </file>
 
-<file path=ppt/slides/slide27.xml><?xml version="1.0" encoding="utf-8"?>
+<file path=ppt/slides/slide33.xml><?xml version="1.0" encoding="utf-8"?>
 <p:sld xmlns:a="http://schemas.openxmlformats.org/drawingml/2006/main" xmlns:r="http://schemas.openxmlformats.org/officeDocument/2006/relationships" xmlns:p="http://schemas.openxmlformats.org/presentationml/2006/main">
   <p:cSld>
     <p:spTree>
@@ -26087,7 +30115,7 @@
             </a:pPr>
             <a:fld id="{00000000-1234-1234-1234-123412341234}" type="slidenum">
               <a:rPr lang="en-US" noProof="0" smtClean="0"/>
-              <a:t>27</a:t>
+              <a:t>33</a:t>
             </a:fld>
             <a:endParaRPr lang="en-US" noProof="0" dirty="0"/>
           </a:p>
@@ -26157,7 +30185,7 @@
 </p:sld>
 </file>
 
-<file path=ppt/slides/slide28.xml><?xml version="1.0" encoding="utf-8"?>
+<file path=ppt/slides/slide34.xml><?xml version="1.0" encoding="utf-8"?>
 <p:sld xmlns:a="http://schemas.openxmlformats.org/drawingml/2006/main" xmlns:r="http://schemas.openxmlformats.org/officeDocument/2006/relationships" xmlns:p="http://schemas.openxmlformats.org/presentationml/2006/main">
   <p:cSld>
     <p:spTree>
@@ -26307,6 +30335,20 @@
               <a:buAutoNum type="arabicPeriod"/>
             </a:pPr>
             <a:r>
+              <a:rPr lang="en-US" dirty="0"/>
+              <a:t>Isolation Tree</a:t>
+            </a:r>
+            <a:endParaRPr lang="en-US" noProof="0" dirty="0"/>
+          </a:p>
+          <a:p>
+            <a:pPr marL="460629" lvl="0" indent="-342900">
+              <a:spcBef>
+                <a:spcPts val="0"/>
+              </a:spcBef>
+              <a:buFont typeface="+mj-lt"/>
+              <a:buAutoNum type="arabicPeriod"/>
+            </a:pPr>
+            <a:r>
               <a:rPr lang="en-US" noProof="0" dirty="0"/>
               <a:t>Clustering with K-Means</a:t>
             </a:r>
@@ -26336,6 +30378,30 @@
               <a:rPr lang="en-US" noProof="0" dirty="0"/>
               <a:t>Wavelet-Transform</a:t>
             </a:r>
+          </a:p>
+          <a:p>
+            <a:pPr marL="460629" lvl="0" indent="-342900">
+              <a:spcBef>
+                <a:spcPts val="0"/>
+              </a:spcBef>
+              <a:buFont typeface="+mj-lt"/>
+              <a:buAutoNum type="arabicPeriod"/>
+            </a:pPr>
+            <a:r>
+              <a:rPr lang="en-US" dirty="0"/>
+              <a:t>LSTM Auto-encoder </a:t>
+            </a:r>
+            <a:endParaRPr lang="en-US" noProof="0" dirty="0"/>
+          </a:p>
+          <a:p>
+            <a:pPr marL="460629" lvl="0" indent="-342900">
+              <a:spcBef>
+                <a:spcPts val="0"/>
+              </a:spcBef>
+              <a:buFont typeface="+mj-lt"/>
+              <a:buAutoNum type="arabicPeriod"/>
+            </a:pPr>
+            <a:endParaRPr lang="en-US" noProof="0" dirty="0"/>
           </a:p>
         </p:txBody>
       </p:sp>
@@ -26385,7 +30451,7 @@
             </a:pPr>
             <a:fld id="{00000000-1234-1234-1234-123412341234}" type="slidenum">
               <a:rPr lang="en-US" noProof="0" smtClean="0"/>
-              <a:t>28</a:t>
+              <a:t>34</a:t>
             </a:fld>
             <a:endParaRPr lang="en-US" noProof="0" dirty="0"/>
           </a:p>
@@ -26455,7 +30521,7 @@
 </p:sld>
 </file>
 
-<file path=ppt/slides/slide29.xml><?xml version="1.0" encoding="utf-8"?>
+<file path=ppt/slides/slide35.xml><?xml version="1.0" encoding="utf-8"?>
 <p:sld xmlns:a="http://schemas.openxmlformats.org/drawingml/2006/main" xmlns:r="http://schemas.openxmlformats.org/officeDocument/2006/relationships" xmlns:p="http://schemas.openxmlformats.org/presentationml/2006/main">
   <p:cSld>
     <p:spTree>
@@ -26696,7 +30762,7 @@
             </a:pPr>
             <a:fld id="{00000000-1234-1234-1234-123412341234}" type="slidenum">
               <a:rPr lang="en-US" noProof="0" smtClean="0"/>
-              <a:t>29</a:t>
+              <a:t>35</a:t>
             </a:fld>
             <a:endParaRPr lang="en-US" noProof="0" dirty="0"/>
           </a:p>
@@ -26766,222 +30832,7 @@
 </p:sld>
 </file>
 
-<file path=ppt/slides/slide3.xml><?xml version="1.0" encoding="utf-8"?>
-<p:sld xmlns:a="http://schemas.openxmlformats.org/drawingml/2006/main" xmlns:r="http://schemas.openxmlformats.org/officeDocument/2006/relationships" xmlns:p="http://schemas.openxmlformats.org/presentationml/2006/main">
-  <p:cSld>
-    <p:spTree>
-      <p:nvGrpSpPr>
-        <p:cNvPr id="1" name="Shape 193"/>
-        <p:cNvGrpSpPr/>
-        <p:nvPr/>
-      </p:nvGrpSpPr>
-      <p:grpSpPr>
-        <a:xfrm>
-          <a:off x="0" y="0"/>
-          <a:ext cx="0" cy="0"/>
-          <a:chOff x="0" y="0"/>
-          <a:chExt cx="0" cy="0"/>
-        </a:xfrm>
-      </p:grpSpPr>
-      <p:sp>
-        <p:nvSpPr>
-          <p:cNvPr id="194" name="Google Shape;194;p14"/>
-          <p:cNvSpPr txBox="1">
-            <a:spLocks noGrp="1"/>
-          </p:cNvSpPr>
-          <p:nvPr>
-            <p:ph type="title"/>
-          </p:nvPr>
-        </p:nvSpPr>
-        <p:spPr>
-          <a:xfrm>
-            <a:off x="719999" y="2772000"/>
-            <a:ext cx="7704000" cy="1008000"/>
-          </a:xfrm>
-          <a:prstGeom prst="rect">
-            <a:avLst/>
-          </a:prstGeom>
-          <a:noFill/>
-          <a:ln>
-            <a:noFill/>
-          </a:ln>
-        </p:spPr>
-        <p:txBody>
-          <a:bodyPr spcFirstLastPara="1" wrap="square" lIns="0" tIns="0" rIns="0" bIns="0" anchor="t" anchorCtr="0">
-            <a:noAutofit/>
-          </a:bodyPr>
-          <a:lstStyle/>
-          <a:p>
-            <a:pPr marL="0" lvl="0" indent="0" algn="l" rtl="0">
-              <a:lnSpc>
-                <a:spcPct val="90000"/>
-              </a:lnSpc>
-              <a:spcBef>
-                <a:spcPts val="0"/>
-              </a:spcBef>
-              <a:spcAft>
-                <a:spcPts val="0"/>
-              </a:spcAft>
-              <a:buClr>
-                <a:srgbClr val="0068B4"/>
-              </a:buClr>
-              <a:buSzPts val="2500"/>
-              <a:buFont typeface="Arial"/>
-              <a:buNone/>
-            </a:pPr>
-            <a:r>
-              <a:rPr lang="en-US" noProof="0" dirty="0"/>
-              <a:t>Introduction</a:t>
-            </a:r>
-          </a:p>
-        </p:txBody>
-      </p:sp>
-      <p:sp>
-        <p:nvSpPr>
-          <p:cNvPr id="195" name="Google Shape;195;p14"/>
-          <p:cNvSpPr txBox="1">
-            <a:spLocks noGrp="1"/>
-          </p:cNvSpPr>
-          <p:nvPr>
-            <p:ph type="body" idx="1"/>
-          </p:nvPr>
-        </p:nvSpPr>
-        <p:spPr>
-          <a:xfrm>
-            <a:off x="720000" y="1537200"/>
-            <a:ext cx="7704000" cy="1125000"/>
-          </a:xfrm>
-          <a:prstGeom prst="rect">
-            <a:avLst/>
-          </a:prstGeom>
-          <a:noFill/>
-          <a:ln>
-            <a:noFill/>
-          </a:ln>
-        </p:spPr>
-        <p:txBody>
-          <a:bodyPr spcFirstLastPara="1" wrap="square" lIns="0" tIns="45700" rIns="0" bIns="45700" anchor="b" anchorCtr="0">
-            <a:noAutofit/>
-          </a:bodyPr>
-          <a:lstStyle/>
-          <a:p>
-            <a:pPr marL="0" lvl="0" indent="0" algn="l" rtl="0">
-              <a:lnSpc>
-                <a:spcPct val="90000"/>
-              </a:lnSpc>
-              <a:spcBef>
-                <a:spcPts val="0"/>
-              </a:spcBef>
-              <a:spcAft>
-                <a:spcPts val="0"/>
-              </a:spcAft>
-              <a:buSzPts val="1700"/>
-              <a:buNone/>
-            </a:pPr>
-            <a:endParaRPr lang="en-US" noProof="0" dirty="0"/>
-          </a:p>
-        </p:txBody>
-      </p:sp>
-      <p:sp>
-        <p:nvSpPr>
-          <p:cNvPr id="196" name="Google Shape;196;p14"/>
-          <p:cNvSpPr txBox="1">
-            <a:spLocks noGrp="1"/>
-          </p:cNvSpPr>
-          <p:nvPr>
-            <p:ph type="sldNum" idx="12"/>
-          </p:nvPr>
-        </p:nvSpPr>
-        <p:spPr>
-          <a:xfrm>
-            <a:off x="8001764" y="4972052"/>
-            <a:ext cx="857400" cy="171300"/>
-          </a:xfrm>
-          <a:prstGeom prst="rect">
-            <a:avLst/>
-          </a:prstGeom>
-          <a:noFill/>
-          <a:ln>
-            <a:noFill/>
-          </a:ln>
-        </p:spPr>
-        <p:txBody>
-          <a:bodyPr spcFirstLastPara="1" wrap="square" lIns="91425" tIns="45700" rIns="0" bIns="45700" anchor="ctr" anchorCtr="0">
-            <a:noAutofit/>
-          </a:bodyPr>
-          <a:lstStyle/>
-          <a:p>
-            <a:pPr marL="0" lvl="0" indent="0" algn="r" rtl="0">
-              <a:spcBef>
-                <a:spcPts val="0"/>
-              </a:spcBef>
-              <a:spcAft>
-                <a:spcPts val="0"/>
-              </a:spcAft>
-              <a:buNone/>
-            </a:pPr>
-            <a:fld id="{00000000-1234-1234-1234-123412341234}" type="slidenum">
-              <a:rPr lang="en-US" noProof="0" smtClean="0"/>
-              <a:t>3</a:t>
-            </a:fld>
-            <a:endParaRPr lang="en-US" noProof="0" dirty="0"/>
-          </a:p>
-        </p:txBody>
-      </p:sp>
-      <p:sp>
-        <p:nvSpPr>
-          <p:cNvPr id="197" name="Google Shape;197;p14"/>
-          <p:cNvSpPr txBox="1"/>
-          <p:nvPr/>
-        </p:nvSpPr>
-        <p:spPr>
-          <a:xfrm>
-            <a:off x="87475" y="4904250"/>
-            <a:ext cx="3967500" cy="306900"/>
-          </a:xfrm>
-          <a:prstGeom prst="rect">
-            <a:avLst/>
-          </a:prstGeom>
-          <a:noFill/>
-          <a:ln>
-            <a:noFill/>
-          </a:ln>
-        </p:spPr>
-        <p:txBody>
-          <a:bodyPr spcFirstLastPara="1" wrap="square" lIns="91425" tIns="91425" rIns="91425" bIns="91425" anchor="t" anchorCtr="0">
-            <a:spAutoFit/>
-          </a:bodyPr>
-          <a:lstStyle/>
-          <a:p>
-            <a:pPr marL="0" lvl="0" indent="0" algn="l" rtl="0">
-              <a:spcBef>
-                <a:spcPts val="0"/>
-              </a:spcBef>
-              <a:spcAft>
-                <a:spcPts val="0"/>
-              </a:spcAft>
-              <a:buNone/>
-            </a:pPr>
-            <a:r>
-              <a:rPr lang="en-US" sz="794" b="1" noProof="0" dirty="0">
-                <a:solidFill>
-                  <a:schemeClr val="lt1"/>
-                </a:solidFill>
-              </a:rPr>
-              <a:t>Peak Detection in Time Series | N. Weidemann, N. Wijemanne</a:t>
-            </a:r>
-          </a:p>
-        </p:txBody>
-      </p:sp>
-    </p:spTree>
-  </p:cSld>
-  <p:clrMapOvr>
-    <a:masterClrMapping/>
-  </p:clrMapOvr>
-</p:sld>
-</file>
-
-<file path=ppt/slides/slide30.xml><?xml version="1.0" encoding="utf-8"?>
+<file path=ppt/slides/slide36.xml><?xml version="1.0" encoding="utf-8"?>
 <p:sld xmlns:a="http://schemas.openxmlformats.org/drawingml/2006/main" xmlns:r="http://schemas.openxmlformats.org/officeDocument/2006/relationships" xmlns:p="http://schemas.openxmlformats.org/presentationml/2006/main">
   <p:cSld>
     <p:spTree>
@@ -27222,7 +31073,7 @@
             </a:pPr>
             <a:fld id="{00000000-1234-1234-1234-123412341234}" type="slidenum">
               <a:rPr lang="en-US" noProof="0" smtClean="0"/>
-              <a:t>30</a:t>
+              <a:t>36</a:t>
             </a:fld>
             <a:endParaRPr lang="en-US" noProof="0" dirty="0"/>
           </a:p>
@@ -27292,7 +31143,7 @@
 </p:sld>
 </file>
 
-<file path=ppt/slides/slide31.xml><?xml version="1.0" encoding="utf-8"?>
+<file path=ppt/slides/slide37.xml><?xml version="1.0" encoding="utf-8"?>
 <p:sld xmlns:a="http://schemas.openxmlformats.org/drawingml/2006/main" xmlns:r="http://schemas.openxmlformats.org/officeDocument/2006/relationships" xmlns:p="http://schemas.openxmlformats.org/presentationml/2006/main">
   <p:cSld>
     <p:spTree>
@@ -27472,7 +31323,7 @@
             </a:pPr>
             <a:fld id="{00000000-1234-1234-1234-123412341234}" type="slidenum">
               <a:rPr lang="en-US" noProof="0" smtClean="0"/>
-              <a:t>31</a:t>
+              <a:t>37</a:t>
             </a:fld>
             <a:endParaRPr lang="en-US" noProof="0" dirty="0"/>
           </a:p>
@@ -27542,7 +31393,7 @@
 </p:sld>
 </file>
 
-<file path=ppt/slides/slide32.xml><?xml version="1.0" encoding="utf-8"?>
+<file path=ppt/slides/slide38.xml><?xml version="1.0" encoding="utf-8"?>
 <p:sld xmlns:a="http://schemas.openxmlformats.org/drawingml/2006/main" xmlns:r="http://schemas.openxmlformats.org/officeDocument/2006/relationships" xmlns:p="http://schemas.openxmlformats.org/presentationml/2006/main">
   <p:cSld>
     <p:spTree>
@@ -27750,7 +31601,7 @@
             </a:pPr>
             <a:fld id="{00000000-1234-1234-1234-123412341234}" type="slidenum">
               <a:rPr lang="en-US" noProof="0" smtClean="0"/>
-              <a:t>32</a:t>
+              <a:t>38</a:t>
             </a:fld>
             <a:endParaRPr lang="en-US" noProof="0" dirty="0"/>
           </a:p>
@@ -27820,7 +31671,7 @@
 </p:sld>
 </file>
 
-<file path=ppt/slides/slide33.xml><?xml version="1.0" encoding="utf-8"?>
+<file path=ppt/slides/slide39.xml><?xml version="1.0" encoding="utf-8"?>
 <p:sld xmlns:a="http://schemas.openxmlformats.org/drawingml/2006/main" xmlns:r="http://schemas.openxmlformats.org/officeDocument/2006/relationships" xmlns:p="http://schemas.openxmlformats.org/presentationml/2006/main">
   <p:cSld>
     <p:spTree>
@@ -28065,7 +31916,7 @@
             </a:pPr>
             <a:fld id="{00000000-1234-1234-1234-123412341234}" type="slidenum">
               <a:rPr lang="en-US" noProof="0" smtClean="0"/>
-              <a:t>33</a:t>
+              <a:t>39</a:t>
             </a:fld>
             <a:endParaRPr lang="en-US" noProof="0" dirty="0"/>
           </a:p>
@@ -28135,7 +31986,605 @@
 </p:sld>
 </file>
 
-<file path=ppt/slides/slide34.xml><?xml version="1.0" encoding="utf-8"?>
+<file path=ppt/slides/slide4.xml><?xml version="1.0" encoding="utf-8"?>
+<p:sld xmlns:a="http://schemas.openxmlformats.org/drawingml/2006/main" xmlns:r="http://schemas.openxmlformats.org/officeDocument/2006/relationships" xmlns:p="http://schemas.openxmlformats.org/presentationml/2006/main">
+  <p:cSld>
+    <p:spTree>
+      <p:nvGrpSpPr>
+        <p:cNvPr id="1" name="Shape 220"/>
+        <p:cNvGrpSpPr/>
+        <p:nvPr/>
+      </p:nvGrpSpPr>
+      <p:grpSpPr>
+        <a:xfrm>
+          <a:off x="0" y="0"/>
+          <a:ext cx="0" cy="0"/>
+          <a:chOff x="0" y="0"/>
+          <a:chExt cx="0" cy="0"/>
+        </a:xfrm>
+      </p:grpSpPr>
+      <p:sp>
+        <p:nvSpPr>
+          <p:cNvPr id="221" name="Google Shape;221;p17"/>
+          <p:cNvSpPr txBox="1">
+            <a:spLocks noGrp="1"/>
+          </p:cNvSpPr>
+          <p:nvPr>
+            <p:ph type="title"/>
+          </p:nvPr>
+        </p:nvSpPr>
+        <p:spPr>
+          <a:xfrm>
+            <a:off x="560" y="1"/>
+            <a:ext cx="5745900" cy="520200"/>
+          </a:xfrm>
+          <a:prstGeom prst="rect">
+            <a:avLst/>
+          </a:prstGeom>
+          <a:noFill/>
+          <a:ln>
+            <a:noFill/>
+          </a:ln>
+        </p:spPr>
+        <p:txBody>
+          <a:bodyPr spcFirstLastPara="1" wrap="square" lIns="144000" tIns="0" rIns="91425" bIns="0" anchor="ctr" anchorCtr="0">
+            <a:normAutofit/>
+          </a:bodyPr>
+          <a:lstStyle/>
+          <a:p>
+            <a:pPr lvl="0"/>
+            <a:r>
+              <a:rPr lang="en-US" dirty="0"/>
+              <a:t>Introduction</a:t>
+            </a:r>
+            <a:endParaRPr lang="en-US" noProof="0" dirty="0"/>
+          </a:p>
+        </p:txBody>
+      </p:sp>
+      <p:sp>
+        <p:nvSpPr>
+          <p:cNvPr id="222" name="Google Shape;222;p17"/>
+          <p:cNvSpPr txBox="1">
+            <a:spLocks noGrp="1"/>
+          </p:cNvSpPr>
+          <p:nvPr>
+            <p:ph type="body" idx="4294967295"/>
+          </p:nvPr>
+        </p:nvSpPr>
+        <p:spPr>
+          <a:xfrm>
+            <a:off x="359999" y="2571750"/>
+            <a:ext cx="5458910" cy="1818939"/>
+          </a:xfrm>
+          <a:prstGeom prst="rect">
+            <a:avLst/>
+          </a:prstGeom>
+          <a:noFill/>
+          <a:ln>
+            <a:noFill/>
+          </a:ln>
+        </p:spPr>
+        <p:txBody>
+          <a:bodyPr spcFirstLastPara="1" wrap="square" lIns="91425" tIns="45700" rIns="91425" bIns="45700" anchor="t" anchorCtr="0">
+            <a:normAutofit/>
+          </a:bodyPr>
+          <a:lstStyle/>
+          <a:p>
+            <a:pPr indent="-338400">
+              <a:lnSpc>
+                <a:spcPct val="95000"/>
+              </a:lnSpc>
+              <a:spcBef>
+                <a:spcPts val="1200"/>
+              </a:spcBef>
+              <a:buNone/>
+            </a:pPr>
+            <a:r>
+              <a:rPr lang="en-US" sz="1700" dirty="0"/>
+              <a:t>Consequences</a:t>
+            </a:r>
+          </a:p>
+          <a:p>
+            <a:pPr indent="-338400">
+              <a:lnSpc>
+                <a:spcPct val="95000"/>
+              </a:lnSpc>
+              <a:spcBef>
+                <a:spcPts val="1200"/>
+              </a:spcBef>
+            </a:pPr>
+            <a:r>
+              <a:rPr lang="en-US" sz="1700" dirty="0"/>
+              <a:t>Sharp peaks in current can stress the drive electronics, leading to a reduced motor lifespan</a:t>
+            </a:r>
+          </a:p>
+          <a:p>
+            <a:pPr indent="-338400">
+              <a:lnSpc>
+                <a:spcPct val="95000"/>
+              </a:lnSpc>
+              <a:spcBef>
+                <a:spcPts val="1200"/>
+              </a:spcBef>
+            </a:pPr>
+            <a:r>
+              <a:rPr lang="en-US" sz="1700" noProof="0" dirty="0"/>
+              <a:t>Increase in energy consumption</a:t>
+            </a:r>
+          </a:p>
+        </p:txBody>
+      </p:sp>
+      <p:sp>
+        <p:nvSpPr>
+          <p:cNvPr id="223" name="Google Shape;223;p17"/>
+          <p:cNvSpPr txBox="1">
+            <a:spLocks noGrp="1"/>
+          </p:cNvSpPr>
+          <p:nvPr>
+            <p:ph type="sldNum" idx="12"/>
+          </p:nvPr>
+        </p:nvSpPr>
+        <p:spPr>
+          <a:xfrm>
+            <a:off x="8001764" y="4972052"/>
+            <a:ext cx="857400" cy="171300"/>
+          </a:xfrm>
+          <a:prstGeom prst="rect">
+            <a:avLst/>
+          </a:prstGeom>
+          <a:noFill/>
+          <a:ln>
+            <a:noFill/>
+          </a:ln>
+        </p:spPr>
+        <p:txBody>
+          <a:bodyPr spcFirstLastPara="1" wrap="square" lIns="91425" tIns="45700" rIns="0" bIns="45700" anchor="ctr" anchorCtr="0">
+            <a:noAutofit/>
+          </a:bodyPr>
+          <a:lstStyle/>
+          <a:p>
+            <a:pPr marL="0" lvl="0" indent="0" algn="r" rtl="0">
+              <a:spcBef>
+                <a:spcPts val="0"/>
+              </a:spcBef>
+              <a:spcAft>
+                <a:spcPts val="0"/>
+              </a:spcAft>
+              <a:buNone/>
+            </a:pPr>
+            <a:fld id="{00000000-1234-1234-1234-123412341234}" type="slidenum">
+              <a:rPr lang="en-US" noProof="0" smtClean="0"/>
+              <a:t>4</a:t>
+            </a:fld>
+            <a:endParaRPr lang="en-US" noProof="0" dirty="0"/>
+          </a:p>
+        </p:txBody>
+      </p:sp>
+      <p:sp>
+        <p:nvSpPr>
+          <p:cNvPr id="224" name="Google Shape;224;p17"/>
+          <p:cNvSpPr txBox="1"/>
+          <p:nvPr/>
+        </p:nvSpPr>
+        <p:spPr>
+          <a:xfrm>
+            <a:off x="87475" y="4904250"/>
+            <a:ext cx="3967500" cy="306900"/>
+          </a:xfrm>
+          <a:prstGeom prst="rect">
+            <a:avLst/>
+          </a:prstGeom>
+          <a:noFill/>
+          <a:ln>
+            <a:noFill/>
+          </a:ln>
+        </p:spPr>
+        <p:txBody>
+          <a:bodyPr spcFirstLastPara="1" wrap="square" lIns="91425" tIns="91425" rIns="91425" bIns="91425" anchor="t" anchorCtr="0">
+            <a:spAutoFit/>
+          </a:bodyPr>
+          <a:lstStyle/>
+          <a:p>
+            <a:pPr marL="0" lvl="0" indent="0" algn="l" rtl="0">
+              <a:spcBef>
+                <a:spcPts val="0"/>
+              </a:spcBef>
+              <a:spcAft>
+                <a:spcPts val="0"/>
+              </a:spcAft>
+              <a:buNone/>
+            </a:pPr>
+            <a:r>
+              <a:rPr lang="en-US" sz="794" b="1" noProof="0" dirty="0">
+                <a:solidFill>
+                  <a:schemeClr val="lt1"/>
+                </a:solidFill>
+              </a:rPr>
+              <a:t>Peak Detection in Time Series | N. Weidemann, N. Wijemanne</a:t>
+            </a:r>
+          </a:p>
+        </p:txBody>
+      </p:sp>
+      <p:sp>
+        <p:nvSpPr>
+          <p:cNvPr id="2" name="Google Shape;222;p17">
+            <a:extLst>
+              <a:ext uri="{FF2B5EF4-FFF2-40B4-BE49-F238E27FC236}">
+                <a16:creationId xmlns:a16="http://schemas.microsoft.com/office/drawing/2014/main" id="{B2B1B41A-FF19-2F03-7A49-C8D2563315E7}"/>
+              </a:ext>
+            </a:extLst>
+          </p:cNvPr>
+          <p:cNvSpPr txBox="1">
+            <a:spLocks/>
+          </p:cNvSpPr>
+          <p:nvPr/>
+        </p:nvSpPr>
+        <p:spPr>
+          <a:xfrm>
+            <a:off x="359999" y="752811"/>
+            <a:ext cx="8424000" cy="1818939"/>
+          </a:xfrm>
+          <a:prstGeom prst="rect">
+            <a:avLst/>
+          </a:prstGeom>
+          <a:noFill/>
+          <a:ln>
+            <a:noFill/>
+          </a:ln>
+        </p:spPr>
+        <p:txBody>
+          <a:bodyPr spcFirstLastPara="1" wrap="square" lIns="91425" tIns="45700" rIns="91425" bIns="45700" anchor="t" anchorCtr="0">
+            <a:normAutofit/>
+          </a:bodyPr>
+          <a:lstStyle>
+            <a:defPPr marR="0" lvl="0" algn="l" rtl="0">
+              <a:lnSpc>
+                <a:spcPct val="100000"/>
+              </a:lnSpc>
+              <a:spcBef>
+                <a:spcPts val="0"/>
+              </a:spcBef>
+              <a:spcAft>
+                <a:spcPts val="0"/>
+              </a:spcAft>
+            </a:defPPr>
+            <a:lvl1pPr marL="457200" marR="0" lvl="0" indent="-339471" algn="l" rtl="0">
+              <a:lnSpc>
+                <a:spcPct val="90000"/>
+              </a:lnSpc>
+              <a:spcBef>
+                <a:spcPts val="749"/>
+              </a:spcBef>
+              <a:spcAft>
+                <a:spcPts val="0"/>
+              </a:spcAft>
+              <a:buClr>
+                <a:srgbClr val="0068B4"/>
+              </a:buClr>
+              <a:buSzPts val="1746"/>
+              <a:buFont typeface="Arial"/>
+              <a:buChar char="•"/>
+              <a:defRPr sz="1745" b="0" i="0" u="none" strike="noStrike" cap="none">
+                <a:solidFill>
+                  <a:schemeClr val="dk1"/>
+                </a:solidFill>
+                <a:latin typeface="Arial"/>
+                <a:ea typeface="Arial"/>
+                <a:cs typeface="Arial"/>
+                <a:sym typeface="Arial"/>
+              </a:defRPr>
+            </a:lvl1pPr>
+            <a:lvl2pPr marL="914400" marR="0" lvl="1" indent="-329437" algn="l" rtl="0">
+              <a:lnSpc>
+                <a:spcPct val="90000"/>
+              </a:lnSpc>
+              <a:spcBef>
+                <a:spcPts val="375"/>
+              </a:spcBef>
+              <a:spcAft>
+                <a:spcPts val="0"/>
+              </a:spcAft>
+              <a:buClr>
+                <a:srgbClr val="0068B4"/>
+              </a:buClr>
+              <a:buSzPts val="1588"/>
+              <a:buFont typeface="Arial"/>
+              <a:buChar char="•"/>
+              <a:defRPr sz="1588" b="0" i="0" u="none" strike="noStrike" cap="none">
+                <a:solidFill>
+                  <a:schemeClr val="dk1"/>
+                </a:solidFill>
+                <a:latin typeface="Arial"/>
+                <a:ea typeface="Arial"/>
+                <a:cs typeface="Arial"/>
+                <a:sym typeface="Arial"/>
+              </a:defRPr>
+            </a:lvl2pPr>
+            <a:lvl3pPr marL="1371600" marR="0" lvl="2" indent="-319341" algn="l" rtl="0">
+              <a:lnSpc>
+                <a:spcPct val="90000"/>
+              </a:lnSpc>
+              <a:spcBef>
+                <a:spcPts val="375"/>
+              </a:spcBef>
+              <a:spcAft>
+                <a:spcPts val="0"/>
+              </a:spcAft>
+              <a:buClr>
+                <a:srgbClr val="0068B4"/>
+              </a:buClr>
+              <a:buSzPts val="1429"/>
+              <a:buFont typeface="Arial"/>
+              <a:buChar char="•"/>
+              <a:defRPr sz="1429" b="0" i="0" u="none" strike="noStrike" cap="none">
+                <a:solidFill>
+                  <a:schemeClr val="dk1"/>
+                </a:solidFill>
+                <a:latin typeface="Arial"/>
+                <a:ea typeface="Arial"/>
+                <a:cs typeface="Arial"/>
+                <a:sym typeface="Arial"/>
+              </a:defRPr>
+            </a:lvl3pPr>
+            <a:lvl4pPr marL="1828800" marR="0" lvl="3" indent="-314261" algn="l" rtl="0">
+              <a:lnSpc>
+                <a:spcPct val="90000"/>
+              </a:lnSpc>
+              <a:spcBef>
+                <a:spcPts val="375"/>
+              </a:spcBef>
+              <a:spcAft>
+                <a:spcPts val="0"/>
+              </a:spcAft>
+              <a:buClr>
+                <a:srgbClr val="0068B4"/>
+              </a:buClr>
+              <a:buSzPts val="1349"/>
+              <a:buFont typeface="Arial"/>
+              <a:buChar char="•"/>
+              <a:defRPr sz="1349" b="0" i="0" u="none" strike="noStrike" cap="none">
+                <a:solidFill>
+                  <a:schemeClr val="dk1"/>
+                </a:solidFill>
+                <a:latin typeface="Arial"/>
+                <a:ea typeface="Arial"/>
+                <a:cs typeface="Arial"/>
+                <a:sym typeface="Arial"/>
+              </a:defRPr>
+            </a:lvl4pPr>
+            <a:lvl5pPr marL="2286000" marR="0" lvl="4" indent="-314261" algn="l" rtl="0">
+              <a:lnSpc>
+                <a:spcPct val="90000"/>
+              </a:lnSpc>
+              <a:spcBef>
+                <a:spcPts val="375"/>
+              </a:spcBef>
+              <a:spcAft>
+                <a:spcPts val="0"/>
+              </a:spcAft>
+              <a:buClr>
+                <a:srgbClr val="0068B4"/>
+              </a:buClr>
+              <a:buSzPts val="1349"/>
+              <a:buFont typeface="Arial"/>
+              <a:buChar char="•"/>
+              <a:defRPr sz="1349" b="0" i="0" u="none" strike="noStrike" cap="none">
+                <a:solidFill>
+                  <a:schemeClr val="dk1"/>
+                </a:solidFill>
+                <a:latin typeface="Arial"/>
+                <a:ea typeface="Arial"/>
+                <a:cs typeface="Arial"/>
+                <a:sym typeface="Arial"/>
+              </a:defRPr>
+            </a:lvl5pPr>
+            <a:lvl6pPr marL="2743200" marR="0" lvl="5" indent="-314261" algn="l" rtl="0">
+              <a:lnSpc>
+                <a:spcPct val="90000"/>
+              </a:lnSpc>
+              <a:spcBef>
+                <a:spcPts val="375"/>
+              </a:spcBef>
+              <a:spcAft>
+                <a:spcPts val="0"/>
+              </a:spcAft>
+              <a:buClr>
+                <a:schemeClr val="dk1"/>
+              </a:buClr>
+              <a:buSzPts val="1349"/>
+              <a:buFont typeface="Arial"/>
+              <a:buChar char="•"/>
+              <a:defRPr sz="1349" b="0" i="0" u="none" strike="noStrike" cap="none">
+                <a:solidFill>
+                  <a:schemeClr val="dk1"/>
+                </a:solidFill>
+                <a:latin typeface="Arial"/>
+                <a:ea typeface="Arial"/>
+                <a:cs typeface="Arial"/>
+                <a:sym typeface="Arial"/>
+              </a:defRPr>
+            </a:lvl6pPr>
+            <a:lvl7pPr marL="3200400" marR="0" lvl="6" indent="-314261" algn="l" rtl="0">
+              <a:lnSpc>
+                <a:spcPct val="90000"/>
+              </a:lnSpc>
+              <a:spcBef>
+                <a:spcPts val="375"/>
+              </a:spcBef>
+              <a:spcAft>
+                <a:spcPts val="0"/>
+              </a:spcAft>
+              <a:buClr>
+                <a:schemeClr val="dk1"/>
+              </a:buClr>
+              <a:buSzPts val="1349"/>
+              <a:buFont typeface="Arial"/>
+              <a:buChar char="•"/>
+              <a:defRPr sz="1349" b="0" i="0" u="none" strike="noStrike" cap="none">
+                <a:solidFill>
+                  <a:schemeClr val="dk1"/>
+                </a:solidFill>
+                <a:latin typeface="Arial"/>
+                <a:ea typeface="Arial"/>
+                <a:cs typeface="Arial"/>
+                <a:sym typeface="Arial"/>
+              </a:defRPr>
+            </a:lvl7pPr>
+            <a:lvl8pPr marL="3657600" marR="0" lvl="7" indent="-314261" algn="l" rtl="0">
+              <a:lnSpc>
+                <a:spcPct val="90000"/>
+              </a:lnSpc>
+              <a:spcBef>
+                <a:spcPts val="375"/>
+              </a:spcBef>
+              <a:spcAft>
+                <a:spcPts val="0"/>
+              </a:spcAft>
+              <a:buClr>
+                <a:schemeClr val="dk1"/>
+              </a:buClr>
+              <a:buSzPts val="1349"/>
+              <a:buFont typeface="Arial"/>
+              <a:buChar char="•"/>
+              <a:defRPr sz="1349" b="0" i="0" u="none" strike="noStrike" cap="none">
+                <a:solidFill>
+                  <a:schemeClr val="dk1"/>
+                </a:solidFill>
+                <a:latin typeface="Arial"/>
+                <a:ea typeface="Arial"/>
+                <a:cs typeface="Arial"/>
+                <a:sym typeface="Arial"/>
+              </a:defRPr>
+            </a:lvl8pPr>
+            <a:lvl9pPr marL="4114800" marR="0" lvl="8" indent="-314261" algn="l" rtl="0">
+              <a:lnSpc>
+                <a:spcPct val="90000"/>
+              </a:lnSpc>
+              <a:spcBef>
+                <a:spcPts val="375"/>
+              </a:spcBef>
+              <a:spcAft>
+                <a:spcPts val="0"/>
+              </a:spcAft>
+              <a:buClr>
+                <a:schemeClr val="dk1"/>
+              </a:buClr>
+              <a:buSzPts val="1349"/>
+              <a:buFont typeface="Arial"/>
+              <a:buChar char="•"/>
+              <a:defRPr sz="1349" b="0" i="0" u="none" strike="noStrike" cap="none">
+                <a:solidFill>
+                  <a:schemeClr val="dk1"/>
+                </a:solidFill>
+                <a:latin typeface="Arial"/>
+                <a:ea typeface="Arial"/>
+                <a:cs typeface="Arial"/>
+                <a:sym typeface="Arial"/>
+              </a:defRPr>
+            </a:lvl9pPr>
+          </a:lstStyle>
+          <a:p>
+            <a:pPr indent="-338400">
+              <a:lnSpc>
+                <a:spcPct val="95000"/>
+              </a:lnSpc>
+              <a:spcBef>
+                <a:spcPts val="1200"/>
+              </a:spcBef>
+              <a:buFont typeface="Arial"/>
+              <a:buNone/>
+            </a:pPr>
+            <a:r>
+              <a:rPr lang="en-US" sz="1700" dirty="0"/>
+              <a:t>Motivation</a:t>
+            </a:r>
+          </a:p>
+          <a:p>
+            <a:pPr indent="-338400">
+              <a:lnSpc>
+                <a:spcPct val="95000"/>
+              </a:lnSpc>
+              <a:spcBef>
+                <a:spcPts val="1200"/>
+              </a:spcBef>
+            </a:pPr>
+            <a:r>
+              <a:rPr lang="en-US" sz="1700" dirty="0"/>
+              <a:t>Sudden power surges can occur in the motor current of a milling machine</a:t>
+            </a:r>
+          </a:p>
+          <a:p>
+            <a:pPr indent="-338400">
+              <a:lnSpc>
+                <a:spcPct val="95000"/>
+              </a:lnSpc>
+              <a:spcBef>
+                <a:spcPts val="1200"/>
+              </a:spcBef>
+            </a:pPr>
+            <a:r>
+              <a:rPr lang="en-US" sz="1700" dirty="0"/>
+              <a:t>Important to distinguish between normal power increases (caused by the tool engaging with material) and abnormal peak anomalies</a:t>
+            </a:r>
+          </a:p>
+        </p:txBody>
+      </p:sp>
+      <p:pic>
+        <p:nvPicPr>
+          <p:cNvPr id="2050" name="Picture 2">
+            <a:extLst>
+              <a:ext uri="{FF2B5EF4-FFF2-40B4-BE49-F238E27FC236}">
+                <a16:creationId xmlns:a16="http://schemas.microsoft.com/office/drawing/2014/main" id="{3640184C-B8D3-1529-B95F-C49A8D58C9D0}"/>
+              </a:ext>
+            </a:extLst>
+          </p:cNvPr>
+          <p:cNvPicPr>
+            <a:picLocks noChangeAspect="1" noChangeArrowheads="1"/>
+          </p:cNvPicPr>
+          <p:nvPr/>
+        </p:nvPicPr>
+        <p:blipFill>
+          <a:blip r:embed="rId3">
+            <a:extLst>
+              <a:ext uri="{28A0092B-C50C-407E-A947-70E740481C1C}">
+                <a14:useLocalDpi xmlns:a14="http://schemas.microsoft.com/office/drawing/2010/main" val="0"/>
+              </a:ext>
+            </a:extLst>
+          </a:blip>
+          <a:srcRect/>
+          <a:stretch>
+            <a:fillRect/>
+          </a:stretch>
+        </p:blipFill>
+        <p:spPr bwMode="auto">
+          <a:xfrm>
+            <a:off x="6040582" y="2750307"/>
+            <a:ext cx="2743417" cy="1572660"/>
+          </a:xfrm>
+          <a:prstGeom prst="rect">
+            <a:avLst/>
+          </a:prstGeom>
+          <a:noFill/>
+          <a:extLst>
+            <a:ext uri="{909E8E84-426E-40DD-AFC4-6F175D3DCCD1}">
+              <a14:hiddenFill xmlns:a14="http://schemas.microsoft.com/office/drawing/2010/main">
+                <a:solidFill>
+                  <a:srgbClr val="FFFFFF"/>
+                </a:solidFill>
+              </a14:hiddenFill>
+            </a:ext>
+          </a:extLst>
+        </p:spPr>
+      </p:pic>
+    </p:spTree>
+  </p:cSld>
+  <p:clrMapOvr>
+    <a:masterClrMapping/>
+  </p:clrMapOvr>
+</p:sld>
+</file>
+
+<file path=ppt/slides/slide40.xml><?xml version="1.0" encoding="utf-8"?>
 <p:sld xmlns:a="http://schemas.openxmlformats.org/drawingml/2006/main" xmlns:r="http://schemas.openxmlformats.org/officeDocument/2006/relationships" xmlns:p="http://schemas.openxmlformats.org/presentationml/2006/main">
   <p:cSld>
     <p:spTree>
@@ -28351,7 +32800,7 @@
             </a:pPr>
             <a:fld id="{00000000-1234-1234-1234-123412341234}" type="slidenum">
               <a:rPr lang="en-US" noProof="0" smtClean="0"/>
-              <a:t>34</a:t>
+              <a:t>40</a:t>
             </a:fld>
             <a:endParaRPr lang="en-US" noProof="0" dirty="0"/>
           </a:p>
@@ -28410,7 +32859,7 @@
 </p:sld>
 </file>
 
-<file path=ppt/slides/slide35.xml><?xml version="1.0" encoding="utf-8"?>
+<file path=ppt/slides/slide41.xml><?xml version="1.0" encoding="utf-8"?>
 <p:sld xmlns:a="http://schemas.openxmlformats.org/drawingml/2006/main" xmlns:r="http://schemas.openxmlformats.org/officeDocument/2006/relationships" xmlns:p="http://schemas.openxmlformats.org/presentationml/2006/main">
   <p:cSld>
     <p:spTree>
@@ -28642,7 +33091,7 @@
             </a:pPr>
             <a:fld id="{00000000-1234-1234-1234-123412341234}" type="slidenum">
               <a:rPr lang="en-US" noProof="0" smtClean="0"/>
-              <a:t>35</a:t>
+              <a:t>41</a:t>
             </a:fld>
             <a:endParaRPr lang="en-US" noProof="0" dirty="0"/>
           </a:p>
@@ -29285,7 +33734,7 @@
 </p:sld>
 </file>
 
-<file path=ppt/slides/slide36.xml><?xml version="1.0" encoding="utf-8"?>
+<file path=ppt/slides/slide42.xml><?xml version="1.0" encoding="utf-8"?>
 <p:sld xmlns:a="http://schemas.openxmlformats.org/drawingml/2006/main" xmlns:r="http://schemas.openxmlformats.org/officeDocument/2006/relationships" xmlns:p="http://schemas.openxmlformats.org/presentationml/2006/main">
   <p:cSld>
     <p:spTree>
@@ -29668,7 +34117,7 @@
 </p:sld>
 </file>
 
-<file path=ppt/slides/slide37.xml><?xml version="1.0" encoding="utf-8"?>
+<file path=ppt/slides/slide43.xml><?xml version="1.0" encoding="utf-8"?>
 <p:sld xmlns:a="http://schemas.openxmlformats.org/drawingml/2006/main" xmlns:r="http://schemas.openxmlformats.org/officeDocument/2006/relationships" xmlns:p="http://schemas.openxmlformats.org/presentationml/2006/main">
   <p:cSld>
     <p:spTree>
@@ -29979,7 +34428,7 @@
             </a:pPr>
             <a:fld id="{00000000-1234-1234-1234-123412341234}" type="slidenum">
               <a:rPr lang="en-US" noProof="0" smtClean="0"/>
-              <a:t>37</a:t>
+              <a:t>43</a:t>
             </a:fld>
             <a:endParaRPr lang="en-US" noProof="0" dirty="0"/>
           </a:p>
@@ -30049,7 +34498,7 @@
 </p:sld>
 </file>
 
-<file path=ppt/slides/slide38.xml><?xml version="1.0" encoding="utf-8"?>
+<file path=ppt/slides/slide44.xml><?xml version="1.0" encoding="utf-8"?>
 <p:sld xmlns:a="http://schemas.openxmlformats.org/drawingml/2006/main" xmlns:r="http://schemas.openxmlformats.org/officeDocument/2006/relationships" xmlns:p="http://schemas.openxmlformats.org/presentationml/2006/main">
   <p:cSld>
     <p:spTree>
@@ -30205,7 +34654,7 @@
             </a:pPr>
             <a:fld id="{00000000-1234-1234-1234-123412341234}" type="slidenum">
               <a:rPr lang="en-US" noProof="0" smtClean="0"/>
-              <a:t>38</a:t>
+              <a:t>44</a:t>
             </a:fld>
             <a:endParaRPr lang="en-US" noProof="0" dirty="0"/>
           </a:p>
@@ -30264,7 +34713,7 @@
 </p:sld>
 </file>
 
-<file path=ppt/slides/slide39.xml><?xml version="1.0" encoding="utf-8"?>
+<file path=ppt/slides/slide45.xml><?xml version="1.0" encoding="utf-8"?>
 <p:sld xmlns:a="http://schemas.openxmlformats.org/drawingml/2006/main" xmlns:r="http://schemas.openxmlformats.org/officeDocument/2006/relationships" xmlns:p="http://schemas.openxmlformats.org/presentationml/2006/main">
   <p:cSld>
     <p:spTree>
@@ -30620,7 +35069,7 @@
             </a:pPr>
             <a:fld id="{00000000-1234-1234-1234-123412341234}" type="slidenum">
               <a:rPr lang="en-US" noProof="0" smtClean="0"/>
-              <a:t>39</a:t>
+              <a:t>45</a:t>
             </a:fld>
             <a:endParaRPr lang="en-US" noProof="0" dirty="0"/>
           </a:p>
@@ -30679,605 +35128,7 @@
 </p:sld>
 </file>
 
-<file path=ppt/slides/slide4.xml><?xml version="1.0" encoding="utf-8"?>
-<p:sld xmlns:a="http://schemas.openxmlformats.org/drawingml/2006/main" xmlns:r="http://schemas.openxmlformats.org/officeDocument/2006/relationships" xmlns:p="http://schemas.openxmlformats.org/presentationml/2006/main">
-  <p:cSld>
-    <p:spTree>
-      <p:nvGrpSpPr>
-        <p:cNvPr id="1" name="Shape 220"/>
-        <p:cNvGrpSpPr/>
-        <p:nvPr/>
-      </p:nvGrpSpPr>
-      <p:grpSpPr>
-        <a:xfrm>
-          <a:off x="0" y="0"/>
-          <a:ext cx="0" cy="0"/>
-          <a:chOff x="0" y="0"/>
-          <a:chExt cx="0" cy="0"/>
-        </a:xfrm>
-      </p:grpSpPr>
-      <p:sp>
-        <p:nvSpPr>
-          <p:cNvPr id="221" name="Google Shape;221;p17"/>
-          <p:cNvSpPr txBox="1">
-            <a:spLocks noGrp="1"/>
-          </p:cNvSpPr>
-          <p:nvPr>
-            <p:ph type="title"/>
-          </p:nvPr>
-        </p:nvSpPr>
-        <p:spPr>
-          <a:xfrm>
-            <a:off x="560" y="1"/>
-            <a:ext cx="5745900" cy="520200"/>
-          </a:xfrm>
-          <a:prstGeom prst="rect">
-            <a:avLst/>
-          </a:prstGeom>
-          <a:noFill/>
-          <a:ln>
-            <a:noFill/>
-          </a:ln>
-        </p:spPr>
-        <p:txBody>
-          <a:bodyPr spcFirstLastPara="1" wrap="square" lIns="144000" tIns="0" rIns="91425" bIns="0" anchor="ctr" anchorCtr="0">
-            <a:normAutofit/>
-          </a:bodyPr>
-          <a:lstStyle/>
-          <a:p>
-            <a:pPr lvl="0"/>
-            <a:r>
-              <a:rPr lang="en-US" dirty="0"/>
-              <a:t>Introduction</a:t>
-            </a:r>
-            <a:endParaRPr lang="en-US" noProof="0" dirty="0"/>
-          </a:p>
-        </p:txBody>
-      </p:sp>
-      <p:sp>
-        <p:nvSpPr>
-          <p:cNvPr id="222" name="Google Shape;222;p17"/>
-          <p:cNvSpPr txBox="1">
-            <a:spLocks noGrp="1"/>
-          </p:cNvSpPr>
-          <p:nvPr>
-            <p:ph type="body" idx="4294967295"/>
-          </p:nvPr>
-        </p:nvSpPr>
-        <p:spPr>
-          <a:xfrm>
-            <a:off x="359999" y="2571750"/>
-            <a:ext cx="5458910" cy="1818939"/>
-          </a:xfrm>
-          <a:prstGeom prst="rect">
-            <a:avLst/>
-          </a:prstGeom>
-          <a:noFill/>
-          <a:ln>
-            <a:noFill/>
-          </a:ln>
-        </p:spPr>
-        <p:txBody>
-          <a:bodyPr spcFirstLastPara="1" wrap="square" lIns="91425" tIns="45700" rIns="91425" bIns="45700" anchor="t" anchorCtr="0">
-            <a:normAutofit/>
-          </a:bodyPr>
-          <a:lstStyle/>
-          <a:p>
-            <a:pPr indent="-338400">
-              <a:lnSpc>
-                <a:spcPct val="95000"/>
-              </a:lnSpc>
-              <a:spcBef>
-                <a:spcPts val="1200"/>
-              </a:spcBef>
-              <a:buNone/>
-            </a:pPr>
-            <a:r>
-              <a:rPr lang="en-US" sz="1700" dirty="0"/>
-              <a:t>Consequences</a:t>
-            </a:r>
-          </a:p>
-          <a:p>
-            <a:pPr indent="-338400">
-              <a:lnSpc>
-                <a:spcPct val="95000"/>
-              </a:lnSpc>
-              <a:spcBef>
-                <a:spcPts val="1200"/>
-              </a:spcBef>
-            </a:pPr>
-            <a:r>
-              <a:rPr lang="en-US" sz="1700" dirty="0"/>
-              <a:t>Sharp peaks in current can stress the drive electronics, leading to a reduced motor lifespan</a:t>
-            </a:r>
-          </a:p>
-          <a:p>
-            <a:pPr indent="-338400">
-              <a:lnSpc>
-                <a:spcPct val="95000"/>
-              </a:lnSpc>
-              <a:spcBef>
-                <a:spcPts val="1200"/>
-              </a:spcBef>
-            </a:pPr>
-            <a:r>
-              <a:rPr lang="en-US" sz="1700" noProof="0" dirty="0"/>
-              <a:t>Increase in energy consumption</a:t>
-            </a:r>
-          </a:p>
-        </p:txBody>
-      </p:sp>
-      <p:sp>
-        <p:nvSpPr>
-          <p:cNvPr id="223" name="Google Shape;223;p17"/>
-          <p:cNvSpPr txBox="1">
-            <a:spLocks noGrp="1"/>
-          </p:cNvSpPr>
-          <p:nvPr>
-            <p:ph type="sldNum" idx="12"/>
-          </p:nvPr>
-        </p:nvSpPr>
-        <p:spPr>
-          <a:xfrm>
-            <a:off x="8001764" y="4972052"/>
-            <a:ext cx="857400" cy="171300"/>
-          </a:xfrm>
-          <a:prstGeom prst="rect">
-            <a:avLst/>
-          </a:prstGeom>
-          <a:noFill/>
-          <a:ln>
-            <a:noFill/>
-          </a:ln>
-        </p:spPr>
-        <p:txBody>
-          <a:bodyPr spcFirstLastPara="1" wrap="square" lIns="91425" tIns="45700" rIns="0" bIns="45700" anchor="ctr" anchorCtr="0">
-            <a:noAutofit/>
-          </a:bodyPr>
-          <a:lstStyle/>
-          <a:p>
-            <a:pPr marL="0" lvl="0" indent="0" algn="r" rtl="0">
-              <a:spcBef>
-                <a:spcPts val="0"/>
-              </a:spcBef>
-              <a:spcAft>
-                <a:spcPts val="0"/>
-              </a:spcAft>
-              <a:buNone/>
-            </a:pPr>
-            <a:fld id="{00000000-1234-1234-1234-123412341234}" type="slidenum">
-              <a:rPr lang="en-US" noProof="0" smtClean="0"/>
-              <a:t>4</a:t>
-            </a:fld>
-            <a:endParaRPr lang="en-US" noProof="0" dirty="0"/>
-          </a:p>
-        </p:txBody>
-      </p:sp>
-      <p:sp>
-        <p:nvSpPr>
-          <p:cNvPr id="224" name="Google Shape;224;p17"/>
-          <p:cNvSpPr txBox="1"/>
-          <p:nvPr/>
-        </p:nvSpPr>
-        <p:spPr>
-          <a:xfrm>
-            <a:off x="87475" y="4904250"/>
-            <a:ext cx="3967500" cy="306900"/>
-          </a:xfrm>
-          <a:prstGeom prst="rect">
-            <a:avLst/>
-          </a:prstGeom>
-          <a:noFill/>
-          <a:ln>
-            <a:noFill/>
-          </a:ln>
-        </p:spPr>
-        <p:txBody>
-          <a:bodyPr spcFirstLastPara="1" wrap="square" lIns="91425" tIns="91425" rIns="91425" bIns="91425" anchor="t" anchorCtr="0">
-            <a:spAutoFit/>
-          </a:bodyPr>
-          <a:lstStyle/>
-          <a:p>
-            <a:pPr marL="0" lvl="0" indent="0" algn="l" rtl="0">
-              <a:spcBef>
-                <a:spcPts val="0"/>
-              </a:spcBef>
-              <a:spcAft>
-                <a:spcPts val="0"/>
-              </a:spcAft>
-              <a:buNone/>
-            </a:pPr>
-            <a:r>
-              <a:rPr lang="en-US" sz="794" b="1" noProof="0" dirty="0">
-                <a:solidFill>
-                  <a:schemeClr val="lt1"/>
-                </a:solidFill>
-              </a:rPr>
-              <a:t>Peak Detection in Time Series | N. Weidemann, N. Wijemanne</a:t>
-            </a:r>
-          </a:p>
-        </p:txBody>
-      </p:sp>
-      <p:sp>
-        <p:nvSpPr>
-          <p:cNvPr id="2" name="Google Shape;222;p17">
-            <a:extLst>
-              <a:ext uri="{FF2B5EF4-FFF2-40B4-BE49-F238E27FC236}">
-                <a16:creationId xmlns:a16="http://schemas.microsoft.com/office/drawing/2014/main" id="{B2B1B41A-FF19-2F03-7A49-C8D2563315E7}"/>
-              </a:ext>
-            </a:extLst>
-          </p:cNvPr>
-          <p:cNvSpPr txBox="1">
-            <a:spLocks/>
-          </p:cNvSpPr>
-          <p:nvPr/>
-        </p:nvSpPr>
-        <p:spPr>
-          <a:xfrm>
-            <a:off x="359999" y="752811"/>
-            <a:ext cx="8424000" cy="1818939"/>
-          </a:xfrm>
-          <a:prstGeom prst="rect">
-            <a:avLst/>
-          </a:prstGeom>
-          <a:noFill/>
-          <a:ln>
-            <a:noFill/>
-          </a:ln>
-        </p:spPr>
-        <p:txBody>
-          <a:bodyPr spcFirstLastPara="1" wrap="square" lIns="91425" tIns="45700" rIns="91425" bIns="45700" anchor="t" anchorCtr="0">
-            <a:normAutofit/>
-          </a:bodyPr>
-          <a:lstStyle>
-            <a:defPPr marR="0" lvl="0" algn="l" rtl="0">
-              <a:lnSpc>
-                <a:spcPct val="100000"/>
-              </a:lnSpc>
-              <a:spcBef>
-                <a:spcPts val="0"/>
-              </a:spcBef>
-              <a:spcAft>
-                <a:spcPts val="0"/>
-              </a:spcAft>
-            </a:defPPr>
-            <a:lvl1pPr marL="457200" marR="0" lvl="0" indent="-339471" algn="l" rtl="0">
-              <a:lnSpc>
-                <a:spcPct val="90000"/>
-              </a:lnSpc>
-              <a:spcBef>
-                <a:spcPts val="749"/>
-              </a:spcBef>
-              <a:spcAft>
-                <a:spcPts val="0"/>
-              </a:spcAft>
-              <a:buClr>
-                <a:srgbClr val="0068B4"/>
-              </a:buClr>
-              <a:buSzPts val="1746"/>
-              <a:buFont typeface="Arial"/>
-              <a:buChar char="•"/>
-              <a:defRPr sz="1745" b="0" i="0" u="none" strike="noStrike" cap="none">
-                <a:solidFill>
-                  <a:schemeClr val="dk1"/>
-                </a:solidFill>
-                <a:latin typeface="Arial"/>
-                <a:ea typeface="Arial"/>
-                <a:cs typeface="Arial"/>
-                <a:sym typeface="Arial"/>
-              </a:defRPr>
-            </a:lvl1pPr>
-            <a:lvl2pPr marL="914400" marR="0" lvl="1" indent="-329437" algn="l" rtl="0">
-              <a:lnSpc>
-                <a:spcPct val="90000"/>
-              </a:lnSpc>
-              <a:spcBef>
-                <a:spcPts val="375"/>
-              </a:spcBef>
-              <a:spcAft>
-                <a:spcPts val="0"/>
-              </a:spcAft>
-              <a:buClr>
-                <a:srgbClr val="0068B4"/>
-              </a:buClr>
-              <a:buSzPts val="1588"/>
-              <a:buFont typeface="Arial"/>
-              <a:buChar char="•"/>
-              <a:defRPr sz="1588" b="0" i="0" u="none" strike="noStrike" cap="none">
-                <a:solidFill>
-                  <a:schemeClr val="dk1"/>
-                </a:solidFill>
-                <a:latin typeface="Arial"/>
-                <a:ea typeface="Arial"/>
-                <a:cs typeface="Arial"/>
-                <a:sym typeface="Arial"/>
-              </a:defRPr>
-            </a:lvl2pPr>
-            <a:lvl3pPr marL="1371600" marR="0" lvl="2" indent="-319341" algn="l" rtl="0">
-              <a:lnSpc>
-                <a:spcPct val="90000"/>
-              </a:lnSpc>
-              <a:spcBef>
-                <a:spcPts val="375"/>
-              </a:spcBef>
-              <a:spcAft>
-                <a:spcPts val="0"/>
-              </a:spcAft>
-              <a:buClr>
-                <a:srgbClr val="0068B4"/>
-              </a:buClr>
-              <a:buSzPts val="1429"/>
-              <a:buFont typeface="Arial"/>
-              <a:buChar char="•"/>
-              <a:defRPr sz="1429" b="0" i="0" u="none" strike="noStrike" cap="none">
-                <a:solidFill>
-                  <a:schemeClr val="dk1"/>
-                </a:solidFill>
-                <a:latin typeface="Arial"/>
-                <a:ea typeface="Arial"/>
-                <a:cs typeface="Arial"/>
-                <a:sym typeface="Arial"/>
-              </a:defRPr>
-            </a:lvl3pPr>
-            <a:lvl4pPr marL="1828800" marR="0" lvl="3" indent="-314261" algn="l" rtl="0">
-              <a:lnSpc>
-                <a:spcPct val="90000"/>
-              </a:lnSpc>
-              <a:spcBef>
-                <a:spcPts val="375"/>
-              </a:spcBef>
-              <a:spcAft>
-                <a:spcPts val="0"/>
-              </a:spcAft>
-              <a:buClr>
-                <a:srgbClr val="0068B4"/>
-              </a:buClr>
-              <a:buSzPts val="1349"/>
-              <a:buFont typeface="Arial"/>
-              <a:buChar char="•"/>
-              <a:defRPr sz="1349" b="0" i="0" u="none" strike="noStrike" cap="none">
-                <a:solidFill>
-                  <a:schemeClr val="dk1"/>
-                </a:solidFill>
-                <a:latin typeface="Arial"/>
-                <a:ea typeface="Arial"/>
-                <a:cs typeface="Arial"/>
-                <a:sym typeface="Arial"/>
-              </a:defRPr>
-            </a:lvl4pPr>
-            <a:lvl5pPr marL="2286000" marR="0" lvl="4" indent="-314261" algn="l" rtl="0">
-              <a:lnSpc>
-                <a:spcPct val="90000"/>
-              </a:lnSpc>
-              <a:spcBef>
-                <a:spcPts val="375"/>
-              </a:spcBef>
-              <a:spcAft>
-                <a:spcPts val="0"/>
-              </a:spcAft>
-              <a:buClr>
-                <a:srgbClr val="0068B4"/>
-              </a:buClr>
-              <a:buSzPts val="1349"/>
-              <a:buFont typeface="Arial"/>
-              <a:buChar char="•"/>
-              <a:defRPr sz="1349" b="0" i="0" u="none" strike="noStrike" cap="none">
-                <a:solidFill>
-                  <a:schemeClr val="dk1"/>
-                </a:solidFill>
-                <a:latin typeface="Arial"/>
-                <a:ea typeface="Arial"/>
-                <a:cs typeface="Arial"/>
-                <a:sym typeface="Arial"/>
-              </a:defRPr>
-            </a:lvl5pPr>
-            <a:lvl6pPr marL="2743200" marR="0" lvl="5" indent="-314261" algn="l" rtl="0">
-              <a:lnSpc>
-                <a:spcPct val="90000"/>
-              </a:lnSpc>
-              <a:spcBef>
-                <a:spcPts val="375"/>
-              </a:spcBef>
-              <a:spcAft>
-                <a:spcPts val="0"/>
-              </a:spcAft>
-              <a:buClr>
-                <a:schemeClr val="dk1"/>
-              </a:buClr>
-              <a:buSzPts val="1349"/>
-              <a:buFont typeface="Arial"/>
-              <a:buChar char="•"/>
-              <a:defRPr sz="1349" b="0" i="0" u="none" strike="noStrike" cap="none">
-                <a:solidFill>
-                  <a:schemeClr val="dk1"/>
-                </a:solidFill>
-                <a:latin typeface="Arial"/>
-                <a:ea typeface="Arial"/>
-                <a:cs typeface="Arial"/>
-                <a:sym typeface="Arial"/>
-              </a:defRPr>
-            </a:lvl6pPr>
-            <a:lvl7pPr marL="3200400" marR="0" lvl="6" indent="-314261" algn="l" rtl="0">
-              <a:lnSpc>
-                <a:spcPct val="90000"/>
-              </a:lnSpc>
-              <a:spcBef>
-                <a:spcPts val="375"/>
-              </a:spcBef>
-              <a:spcAft>
-                <a:spcPts val="0"/>
-              </a:spcAft>
-              <a:buClr>
-                <a:schemeClr val="dk1"/>
-              </a:buClr>
-              <a:buSzPts val="1349"/>
-              <a:buFont typeface="Arial"/>
-              <a:buChar char="•"/>
-              <a:defRPr sz="1349" b="0" i="0" u="none" strike="noStrike" cap="none">
-                <a:solidFill>
-                  <a:schemeClr val="dk1"/>
-                </a:solidFill>
-                <a:latin typeface="Arial"/>
-                <a:ea typeface="Arial"/>
-                <a:cs typeface="Arial"/>
-                <a:sym typeface="Arial"/>
-              </a:defRPr>
-            </a:lvl7pPr>
-            <a:lvl8pPr marL="3657600" marR="0" lvl="7" indent="-314261" algn="l" rtl="0">
-              <a:lnSpc>
-                <a:spcPct val="90000"/>
-              </a:lnSpc>
-              <a:spcBef>
-                <a:spcPts val="375"/>
-              </a:spcBef>
-              <a:spcAft>
-                <a:spcPts val="0"/>
-              </a:spcAft>
-              <a:buClr>
-                <a:schemeClr val="dk1"/>
-              </a:buClr>
-              <a:buSzPts val="1349"/>
-              <a:buFont typeface="Arial"/>
-              <a:buChar char="•"/>
-              <a:defRPr sz="1349" b="0" i="0" u="none" strike="noStrike" cap="none">
-                <a:solidFill>
-                  <a:schemeClr val="dk1"/>
-                </a:solidFill>
-                <a:latin typeface="Arial"/>
-                <a:ea typeface="Arial"/>
-                <a:cs typeface="Arial"/>
-                <a:sym typeface="Arial"/>
-              </a:defRPr>
-            </a:lvl8pPr>
-            <a:lvl9pPr marL="4114800" marR="0" lvl="8" indent="-314261" algn="l" rtl="0">
-              <a:lnSpc>
-                <a:spcPct val="90000"/>
-              </a:lnSpc>
-              <a:spcBef>
-                <a:spcPts val="375"/>
-              </a:spcBef>
-              <a:spcAft>
-                <a:spcPts val="0"/>
-              </a:spcAft>
-              <a:buClr>
-                <a:schemeClr val="dk1"/>
-              </a:buClr>
-              <a:buSzPts val="1349"/>
-              <a:buFont typeface="Arial"/>
-              <a:buChar char="•"/>
-              <a:defRPr sz="1349" b="0" i="0" u="none" strike="noStrike" cap="none">
-                <a:solidFill>
-                  <a:schemeClr val="dk1"/>
-                </a:solidFill>
-                <a:latin typeface="Arial"/>
-                <a:ea typeface="Arial"/>
-                <a:cs typeface="Arial"/>
-                <a:sym typeface="Arial"/>
-              </a:defRPr>
-            </a:lvl9pPr>
-          </a:lstStyle>
-          <a:p>
-            <a:pPr indent="-338400">
-              <a:lnSpc>
-                <a:spcPct val="95000"/>
-              </a:lnSpc>
-              <a:spcBef>
-                <a:spcPts val="1200"/>
-              </a:spcBef>
-              <a:buFont typeface="Arial"/>
-              <a:buNone/>
-            </a:pPr>
-            <a:r>
-              <a:rPr lang="en-US" sz="1700" dirty="0"/>
-              <a:t>Motivation</a:t>
-            </a:r>
-          </a:p>
-          <a:p>
-            <a:pPr indent="-338400">
-              <a:lnSpc>
-                <a:spcPct val="95000"/>
-              </a:lnSpc>
-              <a:spcBef>
-                <a:spcPts val="1200"/>
-              </a:spcBef>
-            </a:pPr>
-            <a:r>
-              <a:rPr lang="en-US" sz="1700" dirty="0"/>
-              <a:t>Sudden power surges can occur in the motor current of a milling machine</a:t>
-            </a:r>
-          </a:p>
-          <a:p>
-            <a:pPr indent="-338400">
-              <a:lnSpc>
-                <a:spcPct val="95000"/>
-              </a:lnSpc>
-              <a:spcBef>
-                <a:spcPts val="1200"/>
-              </a:spcBef>
-            </a:pPr>
-            <a:r>
-              <a:rPr lang="en-US" sz="1700" dirty="0"/>
-              <a:t>Important to distinguish between normal power increases (caused by the tool engaging with material) and abnormal peak anomalies</a:t>
-            </a:r>
-          </a:p>
-        </p:txBody>
-      </p:sp>
-      <p:pic>
-        <p:nvPicPr>
-          <p:cNvPr id="2050" name="Picture 2">
-            <a:extLst>
-              <a:ext uri="{FF2B5EF4-FFF2-40B4-BE49-F238E27FC236}">
-                <a16:creationId xmlns:a16="http://schemas.microsoft.com/office/drawing/2014/main" id="{3640184C-B8D3-1529-B95F-C49A8D58C9D0}"/>
-              </a:ext>
-            </a:extLst>
-          </p:cNvPr>
-          <p:cNvPicPr>
-            <a:picLocks noChangeAspect="1" noChangeArrowheads="1"/>
-          </p:cNvPicPr>
-          <p:nvPr/>
-        </p:nvPicPr>
-        <p:blipFill>
-          <a:blip r:embed="rId3">
-            <a:extLst>
-              <a:ext uri="{28A0092B-C50C-407E-A947-70E740481C1C}">
-                <a14:useLocalDpi xmlns:a14="http://schemas.microsoft.com/office/drawing/2010/main" val="0"/>
-              </a:ext>
-            </a:extLst>
-          </a:blip>
-          <a:srcRect/>
-          <a:stretch>
-            <a:fillRect/>
-          </a:stretch>
-        </p:blipFill>
-        <p:spPr bwMode="auto">
-          <a:xfrm>
-            <a:off x="6040582" y="2750307"/>
-            <a:ext cx="2743417" cy="1572660"/>
-          </a:xfrm>
-          <a:prstGeom prst="rect">
-            <a:avLst/>
-          </a:prstGeom>
-          <a:noFill/>
-          <a:extLst>
-            <a:ext uri="{909E8E84-426E-40DD-AFC4-6F175D3DCCD1}">
-              <a14:hiddenFill xmlns:a14="http://schemas.microsoft.com/office/drawing/2010/main">
-                <a:solidFill>
-                  <a:srgbClr val="FFFFFF"/>
-                </a:solidFill>
-              </a14:hiddenFill>
-            </a:ext>
-          </a:extLst>
-        </p:spPr>
-      </p:pic>
-    </p:spTree>
-  </p:cSld>
-  <p:clrMapOvr>
-    <a:masterClrMapping/>
-  </p:clrMapOvr>
-</p:sld>
-</file>
-
-<file path=ppt/slides/slide40.xml><?xml version="1.0" encoding="utf-8"?>
+<file path=ppt/slides/slide46.xml><?xml version="1.0" encoding="utf-8"?>
 <p:sld xmlns:a="http://schemas.openxmlformats.org/drawingml/2006/main" xmlns:r="http://schemas.openxmlformats.org/officeDocument/2006/relationships" xmlns:p="http://schemas.openxmlformats.org/presentationml/2006/main">
   <p:cSld>
     <p:spTree>
@@ -31640,7 +35491,7 @@
             </a:pPr>
             <a:fld id="{00000000-1234-1234-1234-123412341234}" type="slidenum">
               <a:rPr lang="en-US" noProof="0" smtClean="0"/>
-              <a:t>40</a:t>
+              <a:t>46</a:t>
             </a:fld>
             <a:endParaRPr lang="en-US" noProof="0" dirty="0"/>
           </a:p>
@@ -31699,7 +35550,7 @@
 </p:sld>
 </file>
 
-<file path=ppt/slides/slide41.xml><?xml version="1.0" encoding="utf-8"?>
+<file path=ppt/slides/slide47.xml><?xml version="1.0" encoding="utf-8"?>
 <p:sld xmlns:a="http://schemas.openxmlformats.org/drawingml/2006/main" xmlns:r="http://schemas.openxmlformats.org/officeDocument/2006/relationships" xmlns:p="http://schemas.openxmlformats.org/presentationml/2006/main">
   <p:cSld>
     <p:spTree>
@@ -31809,7 +35660,7 @@
             </a:pPr>
             <a:fld id="{00000000-1234-1234-1234-123412341234}" type="slidenum">
               <a:rPr lang="en-US" noProof="0" smtClean="0"/>
-              <a:t>41</a:t>
+              <a:t>47</a:t>
             </a:fld>
             <a:endParaRPr lang="en-US" noProof="0" dirty="0"/>
           </a:p>
@@ -32089,7 +35940,7 @@
 </p:sld>
 </file>
 
-<file path=ppt/slides/slide42.xml><?xml version="1.0" encoding="utf-8"?>
+<file path=ppt/slides/slide48.xml><?xml version="1.0" encoding="utf-8"?>
 <p:sld xmlns:a="http://schemas.openxmlformats.org/drawingml/2006/main" xmlns:r="http://schemas.openxmlformats.org/officeDocument/2006/relationships" xmlns:p="http://schemas.openxmlformats.org/presentationml/2006/main">
   <p:cSld>
     <p:spTree>
@@ -32266,7 +36117,7 @@
             </a:pPr>
             <a:fld id="{00000000-1234-1234-1234-123412341234}" type="slidenum">
               <a:rPr lang="en-US" noProof="0" smtClean="0"/>
-              <a:t>42</a:t>
+              <a:t>48</a:t>
             </a:fld>
             <a:endParaRPr lang="en-US" noProof="0" dirty="0"/>
           </a:p>
@@ -32353,7 +36204,7 @@
 </p:sld>
 </file>
 
-<file path=ppt/slides/slide43.xml><?xml version="1.0" encoding="utf-8"?>
+<file path=ppt/slides/slide49.xml><?xml version="1.0" encoding="utf-8"?>
 <p:sld xmlns:a="http://schemas.openxmlformats.org/drawingml/2006/main" xmlns:r="http://schemas.openxmlformats.org/officeDocument/2006/relationships" xmlns:p="http://schemas.openxmlformats.org/presentationml/2006/main">
   <p:cSld>
     <p:spTree>
@@ -32526,7 +36377,7 @@
             </a:pPr>
             <a:fld id="{00000000-1234-1234-1234-123412341234}" type="slidenum">
               <a:rPr lang="en-US" noProof="0" smtClean="0"/>
-              <a:t>43</a:t>
+              <a:t>49</a:t>
             </a:fld>
             <a:endParaRPr lang="en-US" noProof="0" dirty="0"/>
           </a:p>
